--- a/seminars/seminar01/Seminar01.pptx
+++ b/seminars/seminar01/Seminar01.pptx
@@ -401,7 +401,7 @@
     </p:spTree>
     <p:extLst>
       <p:ext uri="{BB962C8B-B14F-4D97-AF65-F5344CB8AC3E}">
-        <p14:creationId xmlns:p14="http://schemas.microsoft.com/office/powerpoint/2010/main" xmlns="" val="1166211256"/>
+        <p14:creationId xmlns="" xmlns:p14="http://schemas.microsoft.com/office/powerpoint/2010/main" val="1166211256"/>
       </p:ext>
     </p:extLst>
   </p:cSld>
@@ -2100,7 +2100,7 @@
           </a:ln>
           <a:extLst>
             <a:ext uri="{C572A759-6A51-4108-AA02-DFA0A04FC94B}">
-              <ma14:wrappingTextBoxFlag xmlns="" xmlns:m="http://schemas.openxmlformats.org/officeDocument/2006/math" xmlns:a14="http://schemas.microsoft.com/office/drawing/2010/main" xmlns:ma14="http://schemas.microsoft.com/office/mac/drawingml/2011/main" val="1"/>
+              <ma14:wrappingTextBoxFlag xmlns:ma14="http://schemas.microsoft.com/office/mac/drawingml/2011/main" xmlns:a14="http://schemas.microsoft.com/office/drawing/2010/main" xmlns:m="http://schemas.openxmlformats.org/officeDocument/2006/math" xmlns="" val="1"/>
             </a:ext>
           </a:extLst>
         </p:spPr>
@@ -2139,7 +2139,7 @@
           </a:ln>
           <a:extLst>
             <a:ext uri="{C572A759-6A51-4108-AA02-DFA0A04FC94B}">
-              <ma14:wrappingTextBoxFlag xmlns="" xmlns:m="http://schemas.openxmlformats.org/officeDocument/2006/math" xmlns:a14="http://schemas.microsoft.com/office/drawing/2010/main" xmlns:ma14="http://schemas.microsoft.com/office/mac/drawingml/2011/main" val="1"/>
+              <ma14:wrappingTextBoxFlag xmlns:ma14="http://schemas.microsoft.com/office/mac/drawingml/2011/main" xmlns:a14="http://schemas.microsoft.com/office/drawing/2010/main" xmlns:m="http://schemas.openxmlformats.org/officeDocument/2006/math" xmlns="" val="1"/>
             </a:ext>
           </a:extLst>
         </p:spPr>
@@ -3100,7 +3100,7 @@
           </a:ln>
           <a:extLst>
             <a:ext uri="{C572A759-6A51-4108-AA02-DFA0A04FC94B}">
-              <ma14:wrappingTextBoxFlag xmlns="" xmlns:m="http://schemas.openxmlformats.org/officeDocument/2006/math" xmlns:a14="http://schemas.microsoft.com/office/drawing/2010/main" xmlns:ma14="http://schemas.microsoft.com/office/mac/drawingml/2011/main" val="1"/>
+              <ma14:wrappingTextBoxFlag xmlns:ma14="http://schemas.microsoft.com/office/mac/drawingml/2011/main" xmlns:a14="http://schemas.microsoft.com/office/drawing/2010/main" xmlns:m="http://schemas.openxmlformats.org/officeDocument/2006/math" xmlns="" val="1"/>
             </a:ext>
           </a:extLst>
         </p:spPr>
@@ -3120,10 +3120,18 @@
               </a:defRPr>
             </a:pPr>
             <a:r>
-              <a:rPr lang="ru-RU" dirty="0" smtClean="0"/>
+              <a:rPr lang="ru-RU" dirty="0" smtClean="0">
+                <a:solidFill>
+                  <a:srgbClr val="002060"/>
+                </a:solidFill>
+              </a:rPr>
               <a:t>Обеспечение качества и тестирование</a:t>
             </a:r>
-            <a:endParaRPr dirty="0"/>
+            <a:endParaRPr dirty="0">
+              <a:solidFill>
+                <a:srgbClr val="002060"/>
+              </a:solidFill>
+            </a:endParaRPr>
           </a:p>
         </p:txBody>
       </p:sp>
@@ -3146,7 +3154,7 @@
           </a:ln>
           <a:extLst>
             <a:ext uri="{C572A759-6A51-4108-AA02-DFA0A04FC94B}">
-              <ma14:wrappingTextBoxFlag xmlns="" xmlns:m="http://schemas.openxmlformats.org/officeDocument/2006/math" xmlns:a14="http://schemas.microsoft.com/office/drawing/2010/main" xmlns:ma14="http://schemas.microsoft.com/office/mac/drawingml/2011/main" val="1"/>
+              <ma14:wrappingTextBoxFlag xmlns:ma14="http://schemas.microsoft.com/office/mac/drawingml/2011/main" xmlns:a14="http://schemas.microsoft.com/office/drawing/2010/main" xmlns:m="http://schemas.openxmlformats.org/officeDocument/2006/math" xmlns="" val="1"/>
             </a:ext>
           </a:extLst>
         </p:spPr>
@@ -3168,10 +3176,18 @@
           <a:p>
             <a:pPr algn="ctr"/>
             <a:r>
-              <a:rPr lang="ru-RU" sz="6000" dirty="0" smtClean="0"/>
+              <a:rPr lang="ru-RU" sz="6000" dirty="0" smtClean="0">
+                <a:solidFill>
+                  <a:srgbClr val="002060"/>
+                </a:solidFill>
+              </a:rPr>
               <a:t>Семинар 1: Вводное занятие</a:t>
             </a:r>
-            <a:endParaRPr sz="6000" dirty="0"/>
+            <a:endParaRPr sz="6000" dirty="0">
+              <a:solidFill>
+                <a:srgbClr val="002060"/>
+              </a:solidFill>
+            </a:endParaRPr>
           </a:p>
         </p:txBody>
       </p:sp>
@@ -3194,7 +3210,7 @@
           </a:ln>
           <a:extLst>
             <a:ext uri="{C572A759-6A51-4108-AA02-DFA0A04FC94B}">
-              <ma14:wrappingTextBoxFlag xmlns="" xmlns:m="http://schemas.openxmlformats.org/officeDocument/2006/math" xmlns:a14="http://schemas.microsoft.com/office/drawing/2010/main" xmlns:ma14="http://schemas.microsoft.com/office/mac/drawingml/2011/main" val="1"/>
+              <ma14:wrappingTextBoxFlag xmlns:ma14="http://schemas.microsoft.com/office/mac/drawingml/2011/main" xmlns:a14="http://schemas.microsoft.com/office/drawing/2010/main" xmlns:m="http://schemas.openxmlformats.org/officeDocument/2006/math" xmlns="" val="1"/>
             </a:ext>
           </a:extLst>
         </p:spPr>
@@ -3216,21 +3232,41 @@
               </a:defRPr>
             </a:pPr>
             <a:r>
-              <a:rPr lang="ru-RU" b="1" dirty="0" smtClean="0"/>
+              <a:rPr lang="ru-RU" b="1" dirty="0" smtClean="0">
+                <a:solidFill>
+                  <a:srgbClr val="0070C0"/>
+                </a:solidFill>
+              </a:rPr>
               <a:t>Факультет компьютерных наук </a:t>
             </a:r>
             <a:r>
-              <a:rPr lang="en-US" b="1" dirty="0" smtClean="0"/>
+              <a:rPr lang="en-US" b="1" dirty="0" smtClean="0">
+                <a:solidFill>
+                  <a:srgbClr val="0070C0"/>
+                </a:solidFill>
+              </a:rPr>
               <a:t/>
             </a:r>
             <a:br>
-              <a:rPr lang="en-US" b="1" dirty="0" smtClean="0"/>
+              <a:rPr lang="en-US" b="1" dirty="0" smtClean="0">
+                <a:solidFill>
+                  <a:srgbClr val="0070C0"/>
+                </a:solidFill>
+              </a:rPr>
             </a:br>
             <a:r>
-              <a:rPr lang="ru-RU" b="1" dirty="0" smtClean="0"/>
+              <a:rPr lang="ru-RU" b="1" dirty="0" smtClean="0">
+                <a:solidFill>
+                  <a:srgbClr val="0070C0"/>
+                </a:solidFill>
+              </a:rPr>
               <a:t>Департамент программной инженерии</a:t>
             </a:r>
-            <a:endParaRPr b="1" dirty="0"/>
+            <a:endParaRPr b="1" dirty="0">
+              <a:solidFill>
+                <a:srgbClr val="0070C0"/>
+              </a:solidFill>
+            </a:endParaRPr>
           </a:p>
         </p:txBody>
       </p:sp>
@@ -3242,8 +3278,8 @@
         </p:nvSpPr>
         <p:spPr>
           <a:xfrm>
-            <a:off x="7116914" y="11823530"/>
-            <a:ext cx="15732269" cy="575156"/>
+            <a:off x="7116914" y="11792752"/>
+            <a:ext cx="15732269" cy="636712"/>
           </a:xfrm>
           <a:prstGeom prst="rect">
             <a:avLst/>
@@ -3253,7 +3289,7 @@
           </a:ln>
           <a:extLst>
             <a:ext uri="{C572A759-6A51-4108-AA02-DFA0A04FC94B}">
-              <ma14:wrappingTextBoxFlag xmlns="" xmlns:m="http://schemas.openxmlformats.org/officeDocument/2006/math" xmlns:a14="http://schemas.microsoft.com/office/drawing/2010/main" xmlns:ma14="http://schemas.microsoft.com/office/mac/drawingml/2011/main" val="1"/>
+              <ma14:wrappingTextBoxFlag xmlns:ma14="http://schemas.microsoft.com/office/mac/drawingml/2011/main" xmlns:a14="http://schemas.microsoft.com/office/drawing/2010/main" xmlns:m="http://schemas.openxmlformats.org/officeDocument/2006/math" xmlns="" val="1"/>
             </a:ext>
           </a:extLst>
         </p:spPr>
@@ -3277,22 +3313,42 @@
           <a:p>
             <a:pPr algn="ctr"/>
             <a:r>
-              <a:rPr dirty="0" err="1"/>
+              <a:rPr sz="3200" dirty="0" err="1">
+                <a:solidFill>
+                  <a:srgbClr val="002060"/>
+                </a:solidFill>
+              </a:rPr>
               <a:t>Москва</a:t>
             </a:r>
             <a:r>
-              <a:rPr dirty="0"/>
+              <a:rPr sz="3200" dirty="0">
+                <a:solidFill>
+                  <a:srgbClr val="002060"/>
+                </a:solidFill>
+              </a:rPr>
               <a:t>, </a:t>
             </a:r>
             <a:r>
-              <a:rPr dirty="0" smtClean="0"/>
+              <a:rPr sz="3200" dirty="0" smtClean="0">
+                <a:solidFill>
+                  <a:srgbClr val="002060"/>
+                </a:solidFill>
+              </a:rPr>
               <a:t>201</a:t>
             </a:r>
             <a:r>
-              <a:rPr lang="en-US" dirty="0" smtClean="0"/>
-              <a:t>8</a:t>
-            </a:r>
-            <a:endParaRPr dirty="0"/>
+              <a:rPr lang="ru-RU" sz="3200" dirty="0" smtClean="0">
+                <a:solidFill>
+                  <a:srgbClr val="002060"/>
+                </a:solidFill>
+              </a:rPr>
+              <a:t>9</a:t>
+            </a:r>
+            <a:endParaRPr sz="3200" dirty="0">
+              <a:solidFill>
+                <a:srgbClr val="002060"/>
+              </a:solidFill>
+            </a:endParaRPr>
           </a:p>
         </p:txBody>
       </p:sp>
@@ -3406,7 +3462,7 @@
           </a:ln>
           <a:extLst>
             <a:ext uri="{C572A759-6A51-4108-AA02-DFA0A04FC94B}">
-              <ma14:wrappingTextBoxFlag xmlns="" xmlns:m="http://schemas.openxmlformats.org/officeDocument/2006/math" xmlns:a14="http://schemas.microsoft.com/office/drawing/2010/main" xmlns:ma14="http://schemas.microsoft.com/office/mac/drawingml/2011/main" val="1"/>
+              <ma14:wrappingTextBoxFlag xmlns:ma14="http://schemas.microsoft.com/office/mac/drawingml/2011/main" xmlns:a14="http://schemas.microsoft.com/office/drawing/2010/main" xmlns:m="http://schemas.openxmlformats.org/officeDocument/2006/math" xmlns="" val="1"/>
             </a:ext>
           </a:extLst>
         </p:spPr>
@@ -3533,7 +3589,7 @@
           </a:ln>
           <a:extLst>
             <a:ext uri="{C572A759-6A51-4108-AA02-DFA0A04FC94B}">
-              <ma14:wrappingTextBoxFlag xmlns="" xmlns:m="http://schemas.openxmlformats.org/officeDocument/2006/math" xmlns:a14="http://schemas.microsoft.com/office/drawing/2010/main" xmlns:ma14="http://schemas.microsoft.com/office/mac/drawingml/2011/main" val="1"/>
+              <ma14:wrappingTextBoxFlag xmlns:ma14="http://schemas.microsoft.com/office/mac/drawingml/2011/main" xmlns:a14="http://schemas.microsoft.com/office/drawing/2010/main" xmlns:m="http://schemas.openxmlformats.org/officeDocument/2006/math" xmlns="" val="1"/>
             </a:ext>
           </a:extLst>
         </p:spPr>
@@ -3553,10 +3609,18 @@
               </a:defRPr>
             </a:pPr>
             <a:r>
-              <a:rPr lang="ru-RU" dirty="0" smtClean="0"/>
+              <a:rPr lang="ru-RU" dirty="0" smtClean="0">
+                <a:solidFill>
+                  <a:srgbClr val="002060"/>
+                </a:solidFill>
+              </a:rPr>
               <a:t>Информация о преподавателе</a:t>
             </a:r>
-            <a:endParaRPr dirty="0"/>
+            <a:endParaRPr dirty="0">
+              <a:solidFill>
+                <a:srgbClr val="002060"/>
+              </a:solidFill>
+            </a:endParaRPr>
           </a:p>
         </p:txBody>
       </p:sp>
@@ -3579,7 +3643,7 @@
           </a:ln>
           <a:extLst>
             <a:ext uri="{C572A759-6A51-4108-AA02-DFA0A04FC94B}">
-              <ma14:wrappingTextBoxFlag xmlns="" xmlns:m="http://schemas.openxmlformats.org/officeDocument/2006/math" xmlns:a14="http://schemas.microsoft.com/office/drawing/2010/main" xmlns:ma14="http://schemas.microsoft.com/office/mac/drawingml/2011/main" val="1"/>
+              <ma14:wrappingTextBoxFlag xmlns:ma14="http://schemas.microsoft.com/office/mac/drawingml/2011/main" xmlns:a14="http://schemas.microsoft.com/office/drawing/2010/main" xmlns:m="http://schemas.openxmlformats.org/officeDocument/2006/math" xmlns="" val="1"/>
             </a:ext>
           </a:extLst>
         </p:spPr>
@@ -3599,8 +3663,20 @@
               </a:defRPr>
             </a:pPr>
             <a:r>
-              <a:rPr lang="ru-RU" sz="5400" dirty="0" smtClean="0"/>
-              <a:t>Татарников Андрей Дмитриевич</a:t>
+              <a:rPr lang="ru-RU" sz="5400" b="1" i="1" dirty="0" smtClean="0">
+                <a:solidFill>
+                  <a:srgbClr val="002060"/>
+                </a:solidFill>
+              </a:rPr>
+              <a:t>Татарников Андрей </a:t>
+            </a:r>
+            <a:r>
+              <a:rPr lang="ru-RU" sz="5400" b="1" i="1" dirty="0" smtClean="0">
+                <a:solidFill>
+                  <a:srgbClr val="002060"/>
+                </a:solidFill>
+              </a:rPr>
+              <a:t>Дмитриевич</a:t>
             </a:r>
           </a:p>
           <a:p>
@@ -3619,7 +3695,7 @@
               <a:rPr lang="en-US" sz="5400" dirty="0" smtClean="0">
                 <a:hlinkClick r:id="rId2"/>
               </a:rPr>
-              <a:t>andrewt0301@gmail.com</a:t>
+              <a:t>atatarnikov@hse.ru</a:t>
             </a:r>
             <a:endParaRPr lang="en-US" sz="5400" dirty="0" smtClean="0"/>
           </a:p>
@@ -3636,9 +3712,34 @@
               </a:defRPr>
             </a:pPr>
             <a:r>
+              <a:rPr lang="en-US" sz="5400" dirty="0" smtClean="0">
+                <a:hlinkClick r:id="rId3"/>
+              </a:rPr>
+              <a:t>andrewt0301@gmail.com</a:t>
+            </a:r>
+            <a:endParaRPr lang="en-US" sz="5400" dirty="0" smtClean="0"/>
+          </a:p>
+          <a:p>
+            <a:pPr algn="l">
+              <a:defRPr sz="2800">
+                <a:solidFill>
+                  <a:srgbClr val="253957"/>
+                </a:solidFill>
+                <a:latin typeface="+mn-lt"/>
+                <a:ea typeface="+mn-ea"/>
+                <a:cs typeface="+mn-cs"/>
+                <a:sym typeface="Arial Narrow"/>
+              </a:defRPr>
+            </a:pPr>
+            <a:r>
               <a:rPr lang="en-US" sz="5400" dirty="0" smtClean="0"/>
-              <a:t>+7 985 170 18 25</a:t>
-            </a:r>
+              <a:t>+7 985 170 18 </a:t>
+            </a:r>
+            <a:r>
+              <a:rPr lang="en-US" sz="5400" dirty="0" smtClean="0"/>
+              <a:t>25 (Telegram)</a:t>
+            </a:r>
+            <a:endParaRPr lang="en-US" sz="5400" dirty="0" smtClean="0"/>
           </a:p>
           <a:p>
             <a:pPr algn="l">
@@ -3670,7 +3771,11 @@
               </a:defRPr>
             </a:pPr>
             <a:r>
-              <a:rPr lang="ru-RU" sz="5400" dirty="0" smtClean="0"/>
+              <a:rPr lang="ru-RU" sz="5400" b="1" i="1" dirty="0" smtClean="0">
+                <a:solidFill>
+                  <a:srgbClr val="002060"/>
+                </a:solidFill>
+              </a:rPr>
               <a:t>Опыт работы:</a:t>
             </a:r>
           </a:p>
@@ -3706,7 +3811,7 @@
             </a:r>
             <a:r>
               <a:rPr lang="en-US" sz="5400" dirty="0" smtClean="0">
-                <a:hlinkClick r:id="rId3"/>
+                <a:hlinkClick r:id="rId4"/>
               </a:rPr>
               <a:t>https://smartbear.com/</a:t>
             </a:r>
@@ -3716,7 +3821,7 @@
             </a:r>
             <a:r>
               <a:rPr lang="en-US" sz="5400" dirty="0" smtClean="0">
-                <a:hlinkClick r:id="rId4"/>
+                <a:hlinkClick r:id="rId5"/>
               </a:rPr>
               <a:t>https://smartbear.ru/</a:t>
             </a:r>
@@ -3749,7 +3854,7 @@
             </a:r>
             <a:r>
               <a:rPr lang="en-US" sz="5400" dirty="0" smtClean="0">
-                <a:hlinkClick r:id="rId5"/>
+                <a:hlinkClick r:id="rId6"/>
               </a:rPr>
               <a:t>http://www.ispras.ru/</a:t>
             </a:r>
@@ -3759,7 +3864,7 @@
             </a:r>
             <a:r>
               <a:rPr lang="en-US" sz="5400" dirty="0" smtClean="0">
-                <a:hlinkClick r:id="rId6"/>
+                <a:hlinkClick r:id="rId7"/>
               </a:rPr>
               <a:t>http://www.microtesk.org/</a:t>
             </a:r>
@@ -3784,11 +3889,23 @@
             </a:pPr>
             <a:r>
               <a:rPr lang="ru-RU" sz="5400" dirty="0" smtClean="0"/>
-              <a:t>2018-   …    1С (</a:t>
+              <a:t>2018- </a:t>
+            </a:r>
+            <a:r>
+              <a:rPr lang="en-US" sz="5400" dirty="0" smtClean="0"/>
+              <a:t> </a:t>
+            </a:r>
+            <a:r>
+              <a:rPr lang="ru-RU" sz="5400" dirty="0" smtClean="0"/>
+              <a:t>…    </a:t>
+            </a:r>
+            <a:r>
+              <a:rPr lang="ru-RU" sz="5400" dirty="0" smtClean="0"/>
+              <a:t>1С (</a:t>
             </a:r>
             <a:r>
               <a:rPr lang="en-US" sz="5400" dirty="0" smtClean="0">
-                <a:hlinkClick r:id="rId7"/>
+                <a:hlinkClick r:id="rId8"/>
               </a:rPr>
               <a:t>http://1c.ru/</a:t>
             </a:r>
@@ -3849,7 +3966,7 @@
           </a:ln>
           <a:extLst>
             <a:ext uri="{C572A759-6A51-4108-AA02-DFA0A04FC94B}">
-              <ma14:wrappingTextBoxFlag xmlns="" xmlns:m="http://schemas.openxmlformats.org/officeDocument/2006/math" xmlns:a14="http://schemas.microsoft.com/office/drawing/2010/main" xmlns:ma14="http://schemas.microsoft.com/office/mac/drawingml/2011/main" val="1"/>
+              <ma14:wrappingTextBoxFlag xmlns:ma14="http://schemas.microsoft.com/office/mac/drawingml/2011/main" xmlns:a14="http://schemas.microsoft.com/office/drawing/2010/main" xmlns:m="http://schemas.openxmlformats.org/officeDocument/2006/math" xmlns="" val="1"/>
             </a:ext>
           </a:extLst>
         </p:spPr>
@@ -3888,7 +4005,7 @@
           <p:nvPr/>
         </p:nvPicPr>
         <p:blipFill>
-          <a:blip r:embed="rId8" cstate="print">
+          <a:blip r:embed="rId9" cstate="print">
             <a:extLst/>
           </a:blip>
           <a:stretch>
@@ -3992,7 +4109,7 @@
           </a:ln>
           <a:extLst>
             <a:ext uri="{C572A759-6A51-4108-AA02-DFA0A04FC94B}">
-              <ma14:wrappingTextBoxFlag xmlns="" xmlns:m="http://schemas.openxmlformats.org/officeDocument/2006/math" xmlns:a14="http://schemas.microsoft.com/office/drawing/2010/main" xmlns:ma14="http://schemas.microsoft.com/office/mac/drawingml/2011/main" val="1"/>
+              <ma14:wrappingTextBoxFlag xmlns:ma14="http://schemas.microsoft.com/office/mac/drawingml/2011/main" xmlns:a14="http://schemas.microsoft.com/office/drawing/2010/main" xmlns:m="http://schemas.openxmlformats.org/officeDocument/2006/math" xmlns="" val="1"/>
             </a:ext>
           </a:extLst>
         </p:spPr>
@@ -4012,10 +4129,18 @@
               </a:defRPr>
             </a:pPr>
             <a:r>
-              <a:rPr lang="ru-RU" dirty="0" smtClean="0"/>
+              <a:rPr lang="ru-RU" dirty="0" smtClean="0">
+                <a:solidFill>
+                  <a:srgbClr val="002060"/>
+                </a:solidFill>
+              </a:rPr>
               <a:t>Информация о КУРСЕ</a:t>
             </a:r>
-            <a:endParaRPr dirty="0"/>
+            <a:endParaRPr dirty="0">
+              <a:solidFill>
+                <a:srgbClr val="002060"/>
+              </a:solidFill>
+            </a:endParaRPr>
           </a:p>
         </p:txBody>
       </p:sp>
@@ -4038,7 +4163,7 @@
           </a:ln>
           <a:extLst>
             <a:ext uri="{C572A759-6A51-4108-AA02-DFA0A04FC94B}">
-              <ma14:wrappingTextBoxFlag xmlns="" xmlns:m="http://schemas.openxmlformats.org/officeDocument/2006/math" xmlns:a14="http://schemas.microsoft.com/office/drawing/2010/main" xmlns:ma14="http://schemas.microsoft.com/office/mac/drawingml/2011/main" val="1"/>
+              <ma14:wrappingTextBoxFlag xmlns:ma14="http://schemas.microsoft.com/office/mac/drawingml/2011/main" xmlns:a14="http://schemas.microsoft.com/office/drawing/2010/main" xmlns:m="http://schemas.openxmlformats.org/officeDocument/2006/math" xmlns="" val="1"/>
             </a:ext>
           </a:extLst>
         </p:spPr>
@@ -4061,7 +4186,7 @@
               </a:defRPr>
             </a:pPr>
             <a:r>
-              <a:rPr lang="ru-RU" sz="6000" dirty="0" smtClean="0"/>
+              <a:rPr lang="ru-RU" sz="6000" b="1" i="1" dirty="0" smtClean="0"/>
               <a:t>Направленность занятий:</a:t>
             </a:r>
           </a:p>
@@ -4151,7 +4276,7 @@
               </a:defRPr>
             </a:pPr>
             <a:r>
-              <a:rPr lang="ru-RU" sz="6000" dirty="0" smtClean="0"/>
+              <a:rPr lang="ru-RU" sz="6000" b="1" i="1" dirty="0" smtClean="0"/>
               <a:t>Основные средства:</a:t>
             </a:r>
           </a:p>
@@ -4179,7 +4304,11 @@
             </a:r>
             <a:r>
               <a:rPr lang="en-US" sz="6000" dirty="0" smtClean="0"/>
-              <a:t> IDEA / Eclipse, </a:t>
+              <a:t> IDEA / </a:t>
+            </a:r>
+            <a:r>
+              <a:rPr lang="en-US" sz="6000" dirty="0" smtClean="0"/>
+              <a:t>Eclipse / Android Studio, </a:t>
             </a:r>
             <a:r>
               <a:rPr lang="en-US" sz="6000" dirty="0" err="1" smtClean="0"/>
@@ -4314,7 +4443,7 @@
           </a:ln>
           <a:extLst>
             <a:ext uri="{C572A759-6A51-4108-AA02-DFA0A04FC94B}">
-              <ma14:wrappingTextBoxFlag xmlns="" xmlns:m="http://schemas.openxmlformats.org/officeDocument/2006/math" xmlns:a14="http://schemas.microsoft.com/office/drawing/2010/main" xmlns:ma14="http://schemas.microsoft.com/office/mac/drawingml/2011/main" val="1"/>
+              <ma14:wrappingTextBoxFlag xmlns:ma14="http://schemas.microsoft.com/office/mac/drawingml/2011/main" xmlns:a14="http://schemas.microsoft.com/office/drawing/2010/main" xmlns:m="http://schemas.openxmlformats.org/officeDocument/2006/math" xmlns="" val="1"/>
             </a:ext>
           </a:extLst>
         </p:spPr>
@@ -4457,7 +4586,7 @@
           </a:ln>
           <a:extLst>
             <a:ext uri="{C572A759-6A51-4108-AA02-DFA0A04FC94B}">
-              <ma14:wrappingTextBoxFlag xmlns="" xmlns:m="http://schemas.openxmlformats.org/officeDocument/2006/math" xmlns:a14="http://schemas.microsoft.com/office/drawing/2010/main" xmlns:ma14="http://schemas.microsoft.com/office/mac/drawingml/2011/main" val="1"/>
+              <ma14:wrappingTextBoxFlag xmlns:ma14="http://schemas.microsoft.com/office/mac/drawingml/2011/main" xmlns:a14="http://schemas.microsoft.com/office/drawing/2010/main" xmlns:m="http://schemas.openxmlformats.org/officeDocument/2006/math" xmlns="" val="1"/>
             </a:ext>
           </a:extLst>
         </p:spPr>
@@ -4503,7 +4632,7 @@
           </a:ln>
           <a:extLst>
             <a:ext uri="{C572A759-6A51-4108-AA02-DFA0A04FC94B}">
-              <ma14:wrappingTextBoxFlag xmlns="" xmlns:m="http://schemas.openxmlformats.org/officeDocument/2006/math" xmlns:a14="http://schemas.microsoft.com/office/drawing/2010/main" xmlns:ma14="http://schemas.microsoft.com/office/mac/drawingml/2011/main" val="1"/>
+              <ma14:wrappingTextBoxFlag xmlns:ma14="http://schemas.microsoft.com/office/mac/drawingml/2011/main" xmlns:a14="http://schemas.microsoft.com/office/drawing/2010/main" xmlns:m="http://schemas.openxmlformats.org/officeDocument/2006/math" xmlns="" val="1"/>
             </a:ext>
           </a:extLst>
         </p:spPr>
@@ -4618,13 +4747,16 @@
             </a:pPr>
             <a:r>
               <a:rPr lang="ru-RU" sz="6000" dirty="0" smtClean="0"/>
-              <a:t>Выставление оценки</a:t>
-            </a:r>
+              <a:t>Выставление </a:t>
+            </a:r>
+            <a:r>
+              <a:rPr lang="ru-RU" sz="6000" dirty="0" smtClean="0"/>
+              <a:t>оценки</a:t>
+            </a:r>
+            <a:endParaRPr lang="en-US" sz="6000" dirty="0" smtClean="0"/>
           </a:p>
           <a:p>
             <a:pPr marL="1143000" indent="-1143000" algn="l">
-              <a:buFont typeface="+mj-lt"/>
-              <a:buAutoNum type="arabicPeriod"/>
               <a:defRPr sz="2800">
                 <a:solidFill>
                   <a:srgbClr val="253957"/>
@@ -4635,7 +4767,103 @@
                 <a:sym typeface="Arial Narrow"/>
               </a:defRPr>
             </a:pPr>
-            <a:endParaRPr lang="en-US" sz="6000" dirty="0" smtClean="0"/>
+            <a:endParaRPr lang="ru-RU" sz="6000" dirty="0" smtClean="0"/>
+          </a:p>
+          <a:p>
+            <a:pPr marL="1143000" indent="-1143000">
+              <a:defRPr sz="2800">
+                <a:solidFill>
+                  <a:srgbClr val="253957"/>
+                </a:solidFill>
+                <a:latin typeface="+mn-lt"/>
+                <a:ea typeface="+mn-ea"/>
+                <a:cs typeface="+mn-cs"/>
+                <a:sym typeface="Arial Narrow"/>
+              </a:defRPr>
+            </a:pPr>
+            <a:r>
+              <a:rPr lang="ru-RU" sz="4800" dirty="0" smtClean="0"/>
+              <a:t>О </a:t>
+            </a:r>
+            <a:r>
+              <a:rPr lang="ru-RU" sz="4800" dirty="0" err="1" smtClean="0"/>
+              <a:t>накопл</a:t>
+            </a:r>
+            <a:r>
+              <a:rPr lang="ru-RU" sz="4800" dirty="0" smtClean="0"/>
+              <a:t>.  = </a:t>
+            </a:r>
+            <a:r>
+              <a:rPr lang="ru-RU" sz="4800" b="1" dirty="0" smtClean="0"/>
+              <a:t>0,5 * О </a:t>
+            </a:r>
+            <a:r>
+              <a:rPr lang="ru-RU" sz="4800" b="1" dirty="0" err="1" smtClean="0"/>
+              <a:t>ауд</a:t>
+            </a:r>
+            <a:r>
+              <a:rPr lang="ru-RU" sz="4800" b="1" dirty="0" smtClean="0"/>
+              <a:t> </a:t>
+            </a:r>
+            <a:r>
+              <a:rPr lang="ru-RU" sz="4800" dirty="0" smtClean="0"/>
+              <a:t>+ 0,5*О контр</a:t>
+            </a:r>
+            <a:r>
+              <a:rPr lang="ru-RU" sz="4800" dirty="0" smtClean="0"/>
+              <a:t>.</a:t>
+            </a:r>
+            <a:r>
+              <a:rPr lang="en-US" sz="4800" dirty="0" smtClean="0"/>
+              <a:t> </a:t>
+            </a:r>
+            <a:r>
+              <a:rPr lang="ru-RU" sz="4800" dirty="0" smtClean="0"/>
+              <a:t>работа</a:t>
+            </a:r>
+            <a:endParaRPr lang="en-US" sz="4800" dirty="0" smtClean="0"/>
+          </a:p>
+          <a:p>
+            <a:pPr marL="1143000" indent="-1143000">
+              <a:defRPr sz="2800">
+                <a:solidFill>
+                  <a:srgbClr val="253957"/>
+                </a:solidFill>
+                <a:latin typeface="+mn-lt"/>
+                <a:ea typeface="+mn-ea"/>
+                <a:cs typeface="+mn-cs"/>
+                <a:sym typeface="Arial Narrow"/>
+              </a:defRPr>
+            </a:pPr>
+            <a:r>
+              <a:rPr lang="ru-RU" sz="4800" dirty="0" smtClean="0"/>
+              <a:t>О </a:t>
+            </a:r>
+            <a:r>
+              <a:rPr lang="ru-RU" sz="4800" dirty="0" err="1" smtClean="0"/>
+              <a:t>результ</a:t>
+            </a:r>
+            <a:r>
+              <a:rPr lang="ru-RU" sz="4800" dirty="0" smtClean="0"/>
+              <a:t> = 0,5*О </a:t>
+            </a:r>
+            <a:r>
+              <a:rPr lang="ru-RU" sz="4800" dirty="0" err="1" smtClean="0"/>
+              <a:t>накопл</a:t>
+            </a:r>
+            <a:r>
+              <a:rPr lang="ru-RU" sz="4800" dirty="0" smtClean="0"/>
+              <a:t> + 0,5*О </a:t>
+            </a:r>
+            <a:r>
+              <a:rPr lang="ru-RU" sz="4800" dirty="0" err="1" smtClean="0"/>
+              <a:t>экз</a:t>
+            </a:r>
+            <a:r>
+              <a:rPr lang="ru-RU" sz="4800" dirty="0" smtClean="0"/>
+              <a:t> </a:t>
+            </a:r>
+            <a:endParaRPr lang="en-US" sz="4800" dirty="0" smtClean="0"/>
           </a:p>
           <a:p>
             <a:pPr marL="1143000" indent="-1143000" algn="l">
@@ -4688,7 +4916,7 @@
           </a:ln>
           <a:extLst>
             <a:ext uri="{C572A759-6A51-4108-AA02-DFA0A04FC94B}">
-              <ma14:wrappingTextBoxFlag xmlns="" xmlns:m="http://schemas.openxmlformats.org/officeDocument/2006/math" xmlns:a14="http://schemas.microsoft.com/office/drawing/2010/main" xmlns:ma14="http://schemas.microsoft.com/office/mac/drawingml/2011/main" val="1"/>
+              <ma14:wrappingTextBoxFlag xmlns:ma14="http://schemas.microsoft.com/office/mac/drawingml/2011/main" xmlns:a14="http://schemas.microsoft.com/office/drawing/2010/main" xmlns:m="http://schemas.openxmlformats.org/officeDocument/2006/math" xmlns="" val="1"/>
             </a:ext>
           </a:extLst>
         </p:spPr>
@@ -4747,6 +4975,87 @@
           </a:ln>
         </p:spPr>
       </p:pic>
+      <p:sp>
+        <p:nvSpPr>
+          <p:cNvPr id="7" name="Прямоугольник 6"/>
+          <p:cNvSpPr/>
+          <p:nvPr/>
+        </p:nvSpPr>
+        <p:spPr>
+          <a:xfrm>
+            <a:off x="5783288" y="10602416"/>
+            <a:ext cx="12385376" cy="1944216"/>
+          </a:xfrm>
+          <a:prstGeom prst="rect">
+            <a:avLst/>
+          </a:prstGeom>
+          <a:noFill/>
+          <a:ln w="25400" cap="flat">
+            <a:solidFill>
+              <a:schemeClr val="accent1"/>
+            </a:solidFill>
+            <a:miter lim="400000"/>
+          </a:ln>
+          <a:effectLst>
+            <a:outerShdw blurRad="50800" dist="25400" dir="5400000" rotWithShape="0">
+              <a:srgbClr val="000000">
+                <a:alpha val="50000"/>
+              </a:srgbClr>
+            </a:outerShdw>
+          </a:effectLst>
+          <a:sp3d/>
+        </p:spPr>
+        <p:style>
+          <a:lnRef idx="0">
+            <a:scrgbClr r="0" g="0" b="0"/>
+          </a:lnRef>
+          <a:fillRef idx="0">
+            <a:scrgbClr r="0" g="0" b="0"/>
+          </a:fillRef>
+          <a:effectRef idx="0">
+            <a:scrgbClr r="0" g="0" b="0"/>
+          </a:effectRef>
+          <a:fontRef idx="none"/>
+        </p:style>
+        <p:txBody>
+          <a:bodyPr rot="0" spcFirstLastPara="1" vertOverflow="overflow" horzOverflow="overflow" vert="horz" wrap="square" lIns="71437" tIns="71437" rIns="71437" bIns="71437" numCol="1" spcCol="38100" rtlCol="0" anchor="ctr">
+            <a:spAutoFit/>
+          </a:bodyPr>
+          <a:lstStyle/>
+          <a:p>
+            <a:pPr marL="0" marR="0" indent="0" algn="ctr" defTabSz="821531" rtl="0" fontAlgn="auto" latinLnBrk="0" hangingPunct="0">
+              <a:lnSpc>
+                <a:spcPct val="100000"/>
+              </a:lnSpc>
+              <a:spcBef>
+                <a:spcPts val="0"/>
+              </a:spcBef>
+              <a:spcAft>
+                <a:spcPts val="0"/>
+              </a:spcAft>
+              <a:buClrTx/>
+              <a:buSzTx/>
+              <a:buFontTx/>
+              <a:buNone/>
+              <a:tabLst/>
+            </a:pPr>
+            <a:endParaRPr kumimoji="0" lang="ru-RU" sz="3200" b="0" i="0" u="none" strike="noStrike" cap="none" spc="0" normalizeH="0" baseline="0">
+              <a:ln>
+                <a:noFill/>
+              </a:ln>
+              <a:solidFill>
+                <a:srgbClr val="FFFFFF"/>
+              </a:solidFill>
+              <a:effectLst/>
+              <a:uFillTx/>
+              <a:latin typeface="+mj-lt"/>
+              <a:ea typeface="+mj-ea"/>
+              <a:cs typeface="+mj-cs"/>
+              <a:sym typeface="Helvetica Light"/>
+            </a:endParaRPr>
+          </a:p>
+        </p:txBody>
+      </p:sp>
     </p:spTree>
   </p:cSld>
   <p:clrMapOvr>
@@ -4831,7 +5140,7 @@
           </a:ln>
           <a:extLst>
             <a:ext uri="{C572A759-6A51-4108-AA02-DFA0A04FC94B}">
-              <ma14:wrappingTextBoxFlag xmlns="" xmlns:m="http://schemas.openxmlformats.org/officeDocument/2006/math" xmlns:a14="http://schemas.microsoft.com/office/drawing/2010/main" xmlns:ma14="http://schemas.microsoft.com/office/mac/drawingml/2011/main" val="1"/>
+              <ma14:wrappingTextBoxFlag xmlns:ma14="http://schemas.microsoft.com/office/mac/drawingml/2011/main" xmlns:a14="http://schemas.microsoft.com/office/drawing/2010/main" xmlns:m="http://schemas.openxmlformats.org/officeDocument/2006/math" xmlns="" val="1"/>
             </a:ext>
           </a:extLst>
         </p:spPr>
@@ -4877,7 +5186,7 @@
           </a:ln>
           <a:extLst>
             <a:ext uri="{C572A759-6A51-4108-AA02-DFA0A04FC94B}">
-              <ma14:wrappingTextBoxFlag xmlns="" xmlns:m="http://schemas.openxmlformats.org/officeDocument/2006/math" xmlns:a14="http://schemas.microsoft.com/office/drawing/2010/main" xmlns:ma14="http://schemas.microsoft.com/office/mac/drawingml/2011/main" val="1"/>
+              <ma14:wrappingTextBoxFlag xmlns:ma14="http://schemas.microsoft.com/office/mac/drawingml/2011/main" xmlns:a14="http://schemas.microsoft.com/office/drawing/2010/main" xmlns:m="http://schemas.openxmlformats.org/officeDocument/2006/math" xmlns="" val="1"/>
             </a:ext>
           </a:extLst>
         </p:spPr>
@@ -4897,7 +5206,7 @@
               </a:defRPr>
             </a:pPr>
             <a:r>
-              <a:rPr lang="ru-RU" sz="5400" dirty="0" smtClean="0"/>
+              <a:rPr lang="ru-RU" sz="5400" b="1" i="1" dirty="0" smtClean="0"/>
               <a:t>О группе:</a:t>
             </a:r>
           </a:p>
@@ -4987,10 +5296,9 @@
               </a:defRPr>
             </a:pPr>
             <a:r>
-              <a:rPr lang="ru-RU" sz="5400" dirty="0" smtClean="0"/>
+              <a:rPr lang="ru-RU" sz="5400" b="1" i="1" dirty="0" smtClean="0"/>
               <a:t>О студентах:</a:t>
             </a:r>
-            <a:endParaRPr lang="ru-RU" sz="5400" dirty="0" smtClean="0"/>
           </a:p>
           <a:p>
             <a:pPr marL="1143000" indent="-1143000" algn="l">
@@ -5103,7 +5411,7 @@
           </a:ln>
           <a:extLst>
             <a:ext uri="{C572A759-6A51-4108-AA02-DFA0A04FC94B}">
-              <ma14:wrappingTextBoxFlag xmlns="" xmlns:m="http://schemas.openxmlformats.org/officeDocument/2006/math" xmlns:a14="http://schemas.microsoft.com/office/drawing/2010/main" xmlns:ma14="http://schemas.microsoft.com/office/mac/drawingml/2011/main" val="1"/>
+              <ma14:wrappingTextBoxFlag xmlns:ma14="http://schemas.microsoft.com/office/mac/drawingml/2011/main" xmlns:a14="http://schemas.microsoft.com/office/drawing/2010/main" xmlns:m="http://schemas.openxmlformats.org/officeDocument/2006/math" xmlns="" val="1"/>
             </a:ext>
           </a:extLst>
         </p:spPr>
@@ -5246,7 +5554,7 @@
           </a:ln>
           <a:extLst>
             <a:ext uri="{C572A759-6A51-4108-AA02-DFA0A04FC94B}">
-              <ma14:wrappingTextBoxFlag xmlns="" xmlns:m="http://schemas.openxmlformats.org/officeDocument/2006/math" xmlns:a14="http://schemas.microsoft.com/office/drawing/2010/main" xmlns:ma14="http://schemas.microsoft.com/office/mac/drawingml/2011/main" val="1"/>
+              <ma14:wrappingTextBoxFlag xmlns:ma14="http://schemas.microsoft.com/office/mac/drawingml/2011/main" xmlns:a14="http://schemas.microsoft.com/office/drawing/2010/main" xmlns:m="http://schemas.openxmlformats.org/officeDocument/2006/math" xmlns="" val="1"/>
             </a:ext>
           </a:extLst>
         </p:spPr>
@@ -5267,23 +5575,7 @@
             </a:pPr>
             <a:r>
               <a:rPr lang="ru-RU" dirty="0" smtClean="0"/>
-              <a:t>РОЛИ </a:t>
-            </a:r>
-            <a:r>
-              <a:rPr lang="ru-RU" dirty="0" smtClean="0"/>
-              <a:t>В </a:t>
-            </a:r>
-            <a:r>
-              <a:rPr lang="ru-RU" dirty="0" smtClean="0"/>
-              <a:t>обеспечении </a:t>
-            </a:r>
-            <a:r>
-              <a:rPr lang="ru-RU" dirty="0" smtClean="0"/>
-              <a:t>качества и </a:t>
-            </a:r>
-            <a:r>
-              <a:rPr lang="ru-RU" dirty="0" smtClean="0"/>
-              <a:t>тестировании</a:t>
+              <a:t>РОЛИ В обеспечении качества и тестировании</a:t>
             </a:r>
             <a:endParaRPr dirty="0"/>
           </a:p>
@@ -5308,7 +5600,7 @@
           </a:ln>
           <a:extLst>
             <a:ext uri="{C572A759-6A51-4108-AA02-DFA0A04FC94B}">
-              <ma14:wrappingTextBoxFlag xmlns="" xmlns:m="http://schemas.openxmlformats.org/officeDocument/2006/math" xmlns:a14="http://schemas.microsoft.com/office/drawing/2010/main" xmlns:ma14="http://schemas.microsoft.com/office/mac/drawingml/2011/main" val="1"/>
+              <ma14:wrappingTextBoxFlag xmlns:ma14="http://schemas.microsoft.com/office/mac/drawingml/2011/main" xmlns:a14="http://schemas.microsoft.com/office/drawing/2010/main" xmlns:m="http://schemas.openxmlformats.org/officeDocument/2006/math" xmlns="" val="1"/>
             </a:ext>
           </a:extLst>
         </p:spPr>
@@ -5343,15 +5635,7 @@
             </a:pPr>
             <a:r>
               <a:rPr lang="ru-RU" sz="5400" dirty="0" smtClean="0"/>
-              <a:t>«Качество </a:t>
-            </a:r>
-            <a:r>
-              <a:rPr lang="ru-RU" sz="5400" dirty="0" smtClean="0"/>
-              <a:t>— это проблема всего </a:t>
-            </a:r>
-            <a:r>
-              <a:rPr lang="ru-RU" sz="5400" dirty="0" smtClean="0"/>
-              <a:t>коллектива» </a:t>
+              <a:t>«Качество — это проблема всего коллектива» </a:t>
             </a:r>
           </a:p>
           <a:p>
@@ -5391,16 +5675,7 @@
                 </a:solidFill>
                 <a:sym typeface="Arial Narrow"/>
               </a:rPr>
-              <a:t> - </a:t>
-            </a:r>
-            <a:r>
-              <a:rPr lang="ru-RU" sz="5400" dirty="0" smtClean="0">
-                <a:solidFill>
-                  <a:srgbClr val="253957"/>
-                </a:solidFill>
-                <a:sym typeface="Arial Narrow"/>
-              </a:rPr>
-              <a:t>«Как тестируют в </a:t>
+              <a:t> - «Как тестируют в </a:t>
             </a:r>
             <a:r>
               <a:rPr lang="ru-RU" sz="5400" dirty="0" err="1" smtClean="0">
@@ -5418,16 +5693,7 @@
                 </a:solidFill>
                 <a:sym typeface="Arial Narrow"/>
               </a:rPr>
-              <a:t>»</a:t>
-            </a:r>
-            <a:r>
-              <a:rPr lang="ru-RU" sz="5400" dirty="0" smtClean="0">
-                <a:solidFill>
-                  <a:srgbClr val="253957"/>
-                </a:solidFill>
-                <a:sym typeface="Arial Narrow"/>
-              </a:rPr>
-              <a:t> </a:t>
+              <a:t>» </a:t>
             </a:r>
             <a:endParaRPr lang="en-US" sz="5400" dirty="0" smtClean="0"/>
           </a:p>
@@ -5463,25 +5729,13 @@
               <a:rPr lang="ru-RU" sz="6000" dirty="0" smtClean="0">
                 <a:sym typeface="Arial Narrow"/>
               </a:rPr>
-              <a:t>   Разработчик </a:t>
-            </a:r>
-            <a:r>
-              <a:rPr lang="ru-RU" sz="6000" dirty="0" smtClean="0">
+              <a:t>   Разработчик (</a:t>
+            </a:r>
+            <a:r>
+              <a:rPr lang="en-US" sz="6000" dirty="0" smtClean="0">
                 <a:sym typeface="Arial Narrow"/>
               </a:rPr>
-              <a:t>(</a:t>
-            </a:r>
-            <a:r>
-              <a:rPr lang="en-US" sz="6000" dirty="0" smtClean="0">
-                <a:sym typeface="Arial Narrow"/>
-              </a:rPr>
-              <a:t>Software Engineer, SWE</a:t>
-            </a:r>
-            <a:r>
-              <a:rPr lang="en-US" sz="6000" dirty="0" smtClean="0">
-                <a:sym typeface="Arial Narrow"/>
-              </a:rPr>
-              <a:t>)</a:t>
+              <a:t>Software Engineer, SWE)</a:t>
             </a:r>
           </a:p>
           <a:p>
@@ -5500,11 +5754,7 @@
             </a:pPr>
             <a:r>
               <a:rPr lang="ru-RU" sz="6000" dirty="0" smtClean="0"/>
-              <a:t>   Разработчик </a:t>
-            </a:r>
-            <a:r>
-              <a:rPr lang="ru-RU" sz="6000" dirty="0" smtClean="0"/>
-              <a:t>в тестировании (</a:t>
+              <a:t>   Разработчик в тестировании (</a:t>
             </a:r>
             <a:r>
               <a:rPr lang="ru-RU" sz="6000" dirty="0" err="1" smtClean="0"/>
@@ -5536,11 +5786,7 @@
             </a:r>
             <a:r>
               <a:rPr lang="ru-RU" sz="6000" dirty="0" smtClean="0"/>
-              <a:t>, SET</a:t>
-            </a:r>
-            <a:r>
-              <a:rPr lang="ru-RU" sz="6000" dirty="0" smtClean="0"/>
-              <a:t>)</a:t>
+              <a:t>, SET)</a:t>
             </a:r>
             <a:endParaRPr lang="en-US" sz="6000" dirty="0" smtClean="0"/>
           </a:p>
@@ -5560,11 +5806,7 @@
             </a:pPr>
             <a:r>
               <a:rPr lang="ru-RU" sz="6000" dirty="0" smtClean="0"/>
-              <a:t>   Инженер </a:t>
-            </a:r>
-            <a:r>
-              <a:rPr lang="ru-RU" sz="6000" dirty="0" smtClean="0"/>
-              <a:t>по тестированию (</a:t>
+              <a:t>   Инженер по тестированию (</a:t>
             </a:r>
             <a:r>
               <a:rPr lang="ru-RU" sz="6000" dirty="0" err="1" smtClean="0"/>
@@ -5619,7 +5861,7 @@
           </a:ln>
           <a:extLst>
             <a:ext uri="{C572A759-6A51-4108-AA02-DFA0A04FC94B}">
-              <ma14:wrappingTextBoxFlag xmlns="" xmlns:m="http://schemas.openxmlformats.org/officeDocument/2006/math" xmlns:a14="http://schemas.microsoft.com/office/drawing/2010/main" xmlns:ma14="http://schemas.microsoft.com/office/mac/drawingml/2011/main" val="1"/>
+              <ma14:wrappingTextBoxFlag xmlns:ma14="http://schemas.microsoft.com/office/mac/drawingml/2011/main" xmlns:a14="http://schemas.microsoft.com/office/drawing/2010/main" xmlns:m="http://schemas.openxmlformats.org/officeDocument/2006/math" xmlns="" val="1"/>
             </a:ext>
           </a:extLst>
         </p:spPr>
@@ -5762,7 +6004,7 @@
           </a:ln>
           <a:extLst>
             <a:ext uri="{C572A759-6A51-4108-AA02-DFA0A04FC94B}">
-              <ma14:wrappingTextBoxFlag xmlns="" xmlns:m="http://schemas.openxmlformats.org/officeDocument/2006/math" xmlns:a14="http://schemas.microsoft.com/office/drawing/2010/main" xmlns:ma14="http://schemas.microsoft.com/office/mac/drawingml/2011/main" val="1"/>
+              <ma14:wrappingTextBoxFlag xmlns:ma14="http://schemas.microsoft.com/office/mac/drawingml/2011/main" xmlns:a14="http://schemas.microsoft.com/office/drawing/2010/main" xmlns:m="http://schemas.openxmlformats.org/officeDocument/2006/math" xmlns="" val="1"/>
             </a:ext>
           </a:extLst>
         </p:spPr>
@@ -5808,7 +6050,7 @@
           </a:ln>
           <a:extLst>
             <a:ext uri="{C572A759-6A51-4108-AA02-DFA0A04FC94B}">
-              <ma14:wrappingTextBoxFlag xmlns="" xmlns:m="http://schemas.openxmlformats.org/officeDocument/2006/math" xmlns:a14="http://schemas.microsoft.com/office/drawing/2010/main" xmlns:ma14="http://schemas.microsoft.com/office/mac/drawingml/2011/main" val="1"/>
+              <ma14:wrappingTextBoxFlag xmlns:ma14="http://schemas.microsoft.com/office/mac/drawingml/2011/main" xmlns:a14="http://schemas.microsoft.com/office/drawing/2010/main" xmlns:m="http://schemas.openxmlformats.org/officeDocument/2006/math" xmlns="" val="1"/>
             </a:ext>
           </a:extLst>
         </p:spPr>
@@ -6018,7 +6260,7 @@
           </a:ln>
           <a:extLst>
             <a:ext uri="{C572A759-6A51-4108-AA02-DFA0A04FC94B}">
-              <ma14:wrappingTextBoxFlag xmlns="" xmlns:m="http://schemas.openxmlformats.org/officeDocument/2006/math" xmlns:a14="http://schemas.microsoft.com/office/drawing/2010/main" xmlns:ma14="http://schemas.microsoft.com/office/mac/drawingml/2011/main" val="1"/>
+              <ma14:wrappingTextBoxFlag xmlns:ma14="http://schemas.microsoft.com/office/mac/drawingml/2011/main" xmlns:a14="http://schemas.microsoft.com/office/drawing/2010/main" xmlns:m="http://schemas.openxmlformats.org/officeDocument/2006/math" xmlns="" val="1"/>
             </a:ext>
           </a:extLst>
         </p:spPr>
@@ -6161,7 +6403,7 @@
           </a:ln>
           <a:extLst>
             <a:ext uri="{C572A759-6A51-4108-AA02-DFA0A04FC94B}">
-              <ma14:wrappingTextBoxFlag xmlns="" xmlns:m="http://schemas.openxmlformats.org/officeDocument/2006/math" xmlns:a14="http://schemas.microsoft.com/office/drawing/2010/main" xmlns:ma14="http://schemas.microsoft.com/office/mac/drawingml/2011/main" val="1"/>
+              <ma14:wrappingTextBoxFlag xmlns:ma14="http://schemas.microsoft.com/office/mac/drawingml/2011/main" xmlns:a14="http://schemas.microsoft.com/office/drawing/2010/main" xmlns:m="http://schemas.openxmlformats.org/officeDocument/2006/math" xmlns="" val="1"/>
             </a:ext>
           </a:extLst>
         </p:spPr>
@@ -6207,7 +6449,7 @@
           </a:ln>
           <a:extLst>
             <a:ext uri="{C572A759-6A51-4108-AA02-DFA0A04FC94B}">
-              <ma14:wrappingTextBoxFlag xmlns="" xmlns:m="http://schemas.openxmlformats.org/officeDocument/2006/math" xmlns:a14="http://schemas.microsoft.com/office/drawing/2010/main" xmlns:ma14="http://schemas.microsoft.com/office/mac/drawingml/2011/main" val="1"/>
+              <ma14:wrappingTextBoxFlag xmlns:ma14="http://schemas.microsoft.com/office/mac/drawingml/2011/main" xmlns:a14="http://schemas.microsoft.com/office/drawing/2010/main" xmlns:m="http://schemas.openxmlformats.org/officeDocument/2006/math" xmlns="" val="1"/>
             </a:ext>
           </a:extLst>
         </p:spPr>
@@ -6303,7 +6545,6 @@
               <a:rPr lang="ru-RU" sz="6000" dirty="0" smtClean="0"/>
               <a:t>Функциональные и нефункциональные требования</a:t>
             </a:r>
-            <a:endParaRPr lang="ru-RU" sz="6000" dirty="0" smtClean="0"/>
           </a:p>
           <a:p>
             <a:pPr marL="1143000" indent="-1143000" algn="l">
@@ -6323,7 +6564,6 @@
               <a:rPr lang="ru-RU" sz="6000" dirty="0" smtClean="0"/>
               <a:t>Неполнота / противоречивость</a:t>
             </a:r>
-            <a:endParaRPr lang="ru-RU" sz="6000" dirty="0" smtClean="0"/>
           </a:p>
           <a:p>
             <a:pPr algn="l">
@@ -6360,7 +6600,7 @@
           </a:ln>
           <a:extLst>
             <a:ext uri="{C572A759-6A51-4108-AA02-DFA0A04FC94B}">
-              <ma14:wrappingTextBoxFlag xmlns="" xmlns:m="http://schemas.openxmlformats.org/officeDocument/2006/math" xmlns:a14="http://schemas.microsoft.com/office/drawing/2010/main" xmlns:ma14="http://schemas.microsoft.com/office/mac/drawingml/2011/main" val="1"/>
+              <ma14:wrappingTextBoxFlag xmlns:ma14="http://schemas.microsoft.com/office/mac/drawingml/2011/main" xmlns:a14="http://schemas.microsoft.com/office/drawing/2010/main" xmlns:m="http://schemas.openxmlformats.org/officeDocument/2006/math" xmlns="" val="1"/>
             </a:ext>
           </a:extLst>
         </p:spPr>
@@ -6503,7 +6743,7 @@
           </a:ln>
           <a:extLst>
             <a:ext uri="{C572A759-6A51-4108-AA02-DFA0A04FC94B}">
-              <ma14:wrappingTextBoxFlag xmlns="" xmlns:m="http://schemas.openxmlformats.org/officeDocument/2006/math" xmlns:a14="http://schemas.microsoft.com/office/drawing/2010/main" xmlns:ma14="http://schemas.microsoft.com/office/mac/drawingml/2011/main" val="1"/>
+              <ma14:wrappingTextBoxFlag xmlns:ma14="http://schemas.microsoft.com/office/mac/drawingml/2011/main" xmlns:a14="http://schemas.microsoft.com/office/drawing/2010/main" xmlns:m="http://schemas.openxmlformats.org/officeDocument/2006/math" xmlns="" val="1"/>
             </a:ext>
           </a:extLst>
         </p:spPr>
@@ -6549,7 +6789,7 @@
           </a:ln>
           <a:extLst>
             <a:ext uri="{C572A759-6A51-4108-AA02-DFA0A04FC94B}">
-              <ma14:wrappingTextBoxFlag xmlns="" xmlns:m="http://schemas.openxmlformats.org/officeDocument/2006/math" xmlns:a14="http://schemas.microsoft.com/office/drawing/2010/main" xmlns:ma14="http://schemas.microsoft.com/office/mac/drawingml/2011/main" val="1"/>
+              <ma14:wrappingTextBoxFlag xmlns:ma14="http://schemas.microsoft.com/office/mac/drawingml/2011/main" xmlns:a14="http://schemas.microsoft.com/office/drawing/2010/main" xmlns:m="http://schemas.openxmlformats.org/officeDocument/2006/math" xmlns="" val="1"/>
             </a:ext>
           </a:extLst>
         </p:spPr>
@@ -6715,7 +6955,7 @@
           </a:ln>
           <a:extLst>
             <a:ext uri="{C572A759-6A51-4108-AA02-DFA0A04FC94B}">
-              <ma14:wrappingTextBoxFlag xmlns="" xmlns:m="http://schemas.openxmlformats.org/officeDocument/2006/math" xmlns:a14="http://schemas.microsoft.com/office/drawing/2010/main" xmlns:ma14="http://schemas.microsoft.com/office/mac/drawingml/2011/main" val="1"/>
+              <ma14:wrappingTextBoxFlag xmlns:ma14="http://schemas.microsoft.com/office/mac/drawingml/2011/main" xmlns:a14="http://schemas.microsoft.com/office/drawing/2010/main" xmlns:m="http://schemas.openxmlformats.org/officeDocument/2006/math" xmlns="" val="1"/>
             </a:ext>
           </a:extLst>
         </p:spPr>

--- a/seminars/seminar01/Seminar01.pptx
+++ b/seminars/seminar01/Seminar01.pptx
@@ -5,7 +5,7 @@
     <p:sldMasterId id="2147483648" r:id="rId1"/>
   </p:sldMasterIdLst>
   <p:notesMasterIdLst>
-    <p:notesMasterId r:id="rId12"/>
+    <p:notesMasterId r:id="rId13"/>
   </p:notesMasterIdLst>
   <p:sldIdLst>
     <p:sldId id="256" r:id="rId2"/>
@@ -13,11 +13,12 @@
     <p:sldId id="265" r:id="rId4"/>
     <p:sldId id="268" r:id="rId5"/>
     <p:sldId id="269" r:id="rId6"/>
-    <p:sldId id="270" r:id="rId7"/>
-    <p:sldId id="267" r:id="rId8"/>
-    <p:sldId id="266" r:id="rId9"/>
-    <p:sldId id="264" r:id="rId10"/>
-    <p:sldId id="263" r:id="rId11"/>
+    <p:sldId id="271" r:id="rId7"/>
+    <p:sldId id="270" r:id="rId8"/>
+    <p:sldId id="267" r:id="rId9"/>
+    <p:sldId id="266" r:id="rId10"/>
+    <p:sldId id="264" r:id="rId11"/>
+    <p:sldId id="263" r:id="rId12"/>
   </p:sldIdLst>
   <p:sldSz cx="24384000" cy="13716000"/>
   <p:notesSz cx="6858000" cy="9144000"/>
@@ -401,7 +402,7 @@
     </p:spTree>
     <p:extLst>
       <p:ext uri="{BB962C8B-B14F-4D97-AF65-F5344CB8AC3E}">
-        <p14:creationId xmlns="" xmlns:p14="http://schemas.microsoft.com/office/powerpoint/2010/main" val="1166211256"/>
+        <p14:creationId xmlns:p14="http://schemas.microsoft.com/office/powerpoint/2010/main" xmlns="" val="1166211256"/>
       </p:ext>
     </p:extLst>
   </p:cSld>
@@ -2100,7 +2101,7 @@
           </a:ln>
           <a:extLst>
             <a:ext uri="{C572A759-6A51-4108-AA02-DFA0A04FC94B}">
-              <ma14:wrappingTextBoxFlag xmlns:ma14="http://schemas.microsoft.com/office/mac/drawingml/2011/main" xmlns:a14="http://schemas.microsoft.com/office/drawing/2010/main" xmlns:m="http://schemas.openxmlformats.org/officeDocument/2006/math" xmlns="" val="1"/>
+              <ma14:wrappingTextBoxFlag xmlns="" xmlns:m="http://schemas.openxmlformats.org/officeDocument/2006/math" xmlns:a14="http://schemas.microsoft.com/office/drawing/2010/main" xmlns:ma14="http://schemas.microsoft.com/office/mac/drawingml/2011/main" val="1"/>
             </a:ext>
           </a:extLst>
         </p:spPr>
@@ -2139,7 +2140,7 @@
           </a:ln>
           <a:extLst>
             <a:ext uri="{C572A759-6A51-4108-AA02-DFA0A04FC94B}">
-              <ma14:wrappingTextBoxFlag xmlns:ma14="http://schemas.microsoft.com/office/mac/drawingml/2011/main" xmlns:a14="http://schemas.microsoft.com/office/drawing/2010/main" xmlns:m="http://schemas.openxmlformats.org/officeDocument/2006/math" xmlns="" val="1"/>
+              <ma14:wrappingTextBoxFlag xmlns="" xmlns:m="http://schemas.openxmlformats.org/officeDocument/2006/math" xmlns:a14="http://schemas.microsoft.com/office/drawing/2010/main" xmlns:ma14="http://schemas.microsoft.com/office/mac/drawingml/2011/main" val="1"/>
             </a:ext>
           </a:extLst>
         </p:spPr>
@@ -3100,7 +3101,7 @@
           </a:ln>
           <a:extLst>
             <a:ext uri="{C572A759-6A51-4108-AA02-DFA0A04FC94B}">
-              <ma14:wrappingTextBoxFlag xmlns:ma14="http://schemas.microsoft.com/office/mac/drawingml/2011/main" xmlns:a14="http://schemas.microsoft.com/office/drawing/2010/main" xmlns:m="http://schemas.openxmlformats.org/officeDocument/2006/math" xmlns="" val="1"/>
+              <ma14:wrappingTextBoxFlag xmlns="" xmlns:m="http://schemas.openxmlformats.org/officeDocument/2006/math" xmlns:a14="http://schemas.microsoft.com/office/drawing/2010/main" xmlns:ma14="http://schemas.microsoft.com/office/mac/drawingml/2011/main" val="1"/>
             </a:ext>
           </a:extLst>
         </p:spPr>
@@ -3154,7 +3155,7 @@
           </a:ln>
           <a:extLst>
             <a:ext uri="{C572A759-6A51-4108-AA02-DFA0A04FC94B}">
-              <ma14:wrappingTextBoxFlag xmlns:ma14="http://schemas.microsoft.com/office/mac/drawingml/2011/main" xmlns:a14="http://schemas.microsoft.com/office/drawing/2010/main" xmlns:m="http://schemas.openxmlformats.org/officeDocument/2006/math" xmlns="" val="1"/>
+              <ma14:wrappingTextBoxFlag xmlns="" xmlns:m="http://schemas.openxmlformats.org/officeDocument/2006/math" xmlns:a14="http://schemas.microsoft.com/office/drawing/2010/main" xmlns:ma14="http://schemas.microsoft.com/office/mac/drawingml/2011/main" val="1"/>
             </a:ext>
           </a:extLst>
         </p:spPr>
@@ -3210,7 +3211,7 @@
           </a:ln>
           <a:extLst>
             <a:ext uri="{C572A759-6A51-4108-AA02-DFA0A04FC94B}">
-              <ma14:wrappingTextBoxFlag xmlns:ma14="http://schemas.microsoft.com/office/mac/drawingml/2011/main" xmlns:a14="http://schemas.microsoft.com/office/drawing/2010/main" xmlns:m="http://schemas.openxmlformats.org/officeDocument/2006/math" xmlns="" val="1"/>
+              <ma14:wrappingTextBoxFlag xmlns="" xmlns:m="http://schemas.openxmlformats.org/officeDocument/2006/math" xmlns:a14="http://schemas.microsoft.com/office/drawing/2010/main" xmlns:ma14="http://schemas.microsoft.com/office/mac/drawingml/2011/main" val="1"/>
             </a:ext>
           </a:extLst>
         </p:spPr>
@@ -3289,7 +3290,7 @@
           </a:ln>
           <a:extLst>
             <a:ext uri="{C572A759-6A51-4108-AA02-DFA0A04FC94B}">
-              <ma14:wrappingTextBoxFlag xmlns:ma14="http://schemas.microsoft.com/office/mac/drawingml/2011/main" xmlns:a14="http://schemas.microsoft.com/office/drawing/2010/main" xmlns:m="http://schemas.openxmlformats.org/officeDocument/2006/math" xmlns="" val="1"/>
+              <ma14:wrappingTextBoxFlag xmlns="" xmlns:m="http://schemas.openxmlformats.org/officeDocument/2006/math" xmlns:a14="http://schemas.microsoft.com/office/drawing/2010/main" xmlns:ma14="http://schemas.microsoft.com/office/mac/drawingml/2011/main" val="1"/>
             </a:ext>
           </a:extLst>
         </p:spPr>
@@ -3414,6 +3415,454 @@
           <a:chExt cx="0" cy="0"/>
         </a:xfrm>
       </p:grpSpPr>
+      <p:sp>
+        <p:nvSpPr>
+          <p:cNvPr id="58" name="Линия"/>
+          <p:cNvSpPr/>
+          <p:nvPr/>
+        </p:nvSpPr>
+        <p:spPr>
+          <a:xfrm>
+            <a:off x="1201065" y="2214562"/>
+            <a:ext cx="21506373" cy="1"/>
+          </a:xfrm>
+          <a:prstGeom prst="line">
+            <a:avLst/>
+          </a:prstGeom>
+          <a:ln w="12700">
+            <a:solidFill>
+              <a:srgbClr val="253957"/>
+            </a:solidFill>
+            <a:miter lim="400000"/>
+          </a:ln>
+        </p:spPr>
+        <p:txBody>
+          <a:bodyPr lIns="71437" tIns="71437" rIns="71437" bIns="71437" anchor="ctr"/>
+          <a:lstStyle/>
+          <a:p>
+            <a:pPr>
+              <a:defRPr sz="3200"/>
+            </a:pPr>
+            <a:endParaRPr/>
+          </a:p>
+        </p:txBody>
+      </p:sp>
+      <p:sp>
+        <p:nvSpPr>
+          <p:cNvPr id="59" name="Очень крутой заголовок…"/>
+          <p:cNvSpPr txBox="1"/>
+          <p:nvPr/>
+        </p:nvSpPr>
+        <p:spPr>
+          <a:xfrm>
+            <a:off x="1209448" y="2537520"/>
+            <a:ext cx="21567727" cy="2313227"/>
+          </a:xfrm>
+          <a:prstGeom prst="rect">
+            <a:avLst/>
+          </a:prstGeom>
+          <a:ln w="12700">
+            <a:miter lim="400000"/>
+          </a:ln>
+          <a:extLst>
+            <a:ext uri="{C572A759-6A51-4108-AA02-DFA0A04FC94B}">
+              <ma14:wrappingTextBoxFlag xmlns="" xmlns:m="http://schemas.openxmlformats.org/officeDocument/2006/math" xmlns:a14="http://schemas.microsoft.com/office/drawing/2010/main" xmlns:ma14="http://schemas.microsoft.com/office/mac/drawingml/2011/main" val="1"/>
+            </a:ext>
+          </a:extLst>
+        </p:spPr>
+        <p:txBody>
+          <a:bodyPr lIns="71437" tIns="71437" rIns="71437" bIns="71437"/>
+          <a:lstStyle/>
+          <a:p>
+            <a:pPr>
+              <a:defRPr sz="7000" b="1" cap="all">
+                <a:solidFill>
+                  <a:srgbClr val="253957"/>
+                </a:solidFill>
+                <a:latin typeface="+mn-lt"/>
+                <a:ea typeface="+mn-ea"/>
+                <a:cs typeface="+mn-cs"/>
+                <a:sym typeface="Arial Narrow"/>
+              </a:defRPr>
+            </a:pPr>
+            <a:r>
+              <a:rPr lang="ru-RU" dirty="0" smtClean="0"/>
+              <a:t>литература</a:t>
+            </a:r>
+            <a:endParaRPr dirty="0"/>
+          </a:p>
+        </p:txBody>
+      </p:sp>
+      <p:sp>
+        <p:nvSpPr>
+          <p:cNvPr id="60" name="Text Text Text Text Text Text Text Text Text Text Text Text Text Text Text Text Text Text Text Text Text Text Text Text Text Text Text Text Text Text Text Text Text Text Text Text Text Text Text Text Text Text Text Text Text Text Text Text Text Text Text Text Text Text Text Text Text Text Text Text Text Text Text Text Text Text Text Text Text Text Text Text Text Text Text Text Text Text Text Text Text Text Text Text Text Text Text Text Text Text Text Text Text Text Text Text Text Text Text Text Text Text Text Text Text Text Text Text…"/>
+          <p:cNvSpPr txBox="1"/>
+          <p:nvPr/>
+        </p:nvSpPr>
+        <p:spPr>
+          <a:xfrm>
+            <a:off x="1201065" y="3977680"/>
+            <a:ext cx="21506374" cy="8712968"/>
+          </a:xfrm>
+          <a:prstGeom prst="rect">
+            <a:avLst/>
+          </a:prstGeom>
+          <a:ln w="12700">
+            <a:miter lim="400000"/>
+          </a:ln>
+          <a:extLst>
+            <a:ext uri="{C572A759-6A51-4108-AA02-DFA0A04FC94B}">
+              <ma14:wrappingTextBoxFlag xmlns="" xmlns:m="http://schemas.openxmlformats.org/officeDocument/2006/math" xmlns:a14="http://schemas.microsoft.com/office/drawing/2010/main" xmlns:ma14="http://schemas.microsoft.com/office/mac/drawingml/2011/main" val="1"/>
+            </a:ext>
+          </a:extLst>
+        </p:spPr>
+        <p:txBody>
+          <a:bodyPr lIns="71437" tIns="71437" rIns="71437" bIns="71437"/>
+          <a:lstStyle/>
+          <a:p>
+            <a:pPr marL="1143000" indent="-1143000" algn="l">
+              <a:spcAft>
+                <a:spcPts val="600"/>
+              </a:spcAft>
+              <a:buFont typeface="+mj-lt"/>
+              <a:buAutoNum type="arabicPeriod"/>
+              <a:defRPr sz="2800">
+                <a:solidFill>
+                  <a:srgbClr val="253957"/>
+                </a:solidFill>
+                <a:latin typeface="+mn-lt"/>
+                <a:ea typeface="+mn-ea"/>
+                <a:cs typeface="+mn-cs"/>
+                <a:sym typeface="Arial Narrow"/>
+              </a:defRPr>
+            </a:pPr>
+            <a:r>
+              <a:rPr lang="ru-RU" sz="6000" dirty="0" smtClean="0"/>
+              <a:t>Роман </a:t>
+            </a:r>
+            <a:r>
+              <a:rPr lang="ru-RU" sz="6000" dirty="0" smtClean="0"/>
+              <a:t>Савин – «Тестирование Дот Ком, или Пособие по жестокому обращению с </a:t>
+            </a:r>
+            <a:r>
+              <a:rPr lang="ru-RU" sz="6000" dirty="0" err="1" smtClean="0"/>
+              <a:t>багами</a:t>
+            </a:r>
+            <a:r>
+              <a:rPr lang="ru-RU" sz="6000" dirty="0" smtClean="0"/>
+              <a:t> в </a:t>
+            </a:r>
+            <a:r>
+              <a:rPr lang="ru-RU" sz="6000" dirty="0" err="1" smtClean="0"/>
+              <a:t>интернет-стартапах</a:t>
+            </a:r>
+            <a:r>
+              <a:rPr lang="ru-RU" sz="6000" dirty="0" smtClean="0"/>
+              <a:t>»</a:t>
+            </a:r>
+          </a:p>
+          <a:p>
+            <a:pPr marL="1143000" indent="-1143000" algn="l">
+              <a:spcAft>
+                <a:spcPts val="600"/>
+              </a:spcAft>
+              <a:buFont typeface="+mj-lt"/>
+              <a:buAutoNum type="arabicPeriod"/>
+              <a:defRPr sz="2800">
+                <a:solidFill>
+                  <a:srgbClr val="253957"/>
+                </a:solidFill>
+                <a:latin typeface="+mn-lt"/>
+                <a:ea typeface="+mn-ea"/>
+                <a:cs typeface="+mn-cs"/>
+                <a:sym typeface="Arial Narrow"/>
+              </a:defRPr>
+            </a:pPr>
+            <a:r>
+              <a:rPr lang="ru-RU" sz="6000" dirty="0" smtClean="0">
+                <a:solidFill>
+                  <a:srgbClr val="253957"/>
+                </a:solidFill>
+                <a:sym typeface="Arial Narrow"/>
+              </a:rPr>
+              <a:t>Сэм </a:t>
+            </a:r>
+            <a:r>
+              <a:rPr lang="ru-RU" sz="6000" dirty="0" err="1" smtClean="0"/>
+              <a:t>Канер</a:t>
+            </a:r>
+            <a:r>
+              <a:rPr lang="ru-RU" sz="6000" dirty="0" smtClean="0"/>
+              <a:t> – </a:t>
+            </a:r>
+            <a:r>
+              <a:rPr lang="ru-RU" sz="6000" dirty="0" smtClean="0"/>
+              <a:t>«Тестирование программного обеспечения» </a:t>
+            </a:r>
+            <a:r>
+              <a:rPr lang="ru-RU" sz="6000" dirty="0" smtClean="0"/>
+              <a:t>	</a:t>
+            </a:r>
+          </a:p>
+          <a:p>
+            <a:pPr marL="1143000" indent="-1143000" algn="l">
+              <a:spcAft>
+                <a:spcPts val="600"/>
+              </a:spcAft>
+              <a:buFont typeface="+mj-lt"/>
+              <a:buAutoNum type="arabicPeriod"/>
+              <a:defRPr sz="2800">
+                <a:solidFill>
+                  <a:srgbClr val="253957"/>
+                </a:solidFill>
+                <a:latin typeface="+mn-lt"/>
+                <a:ea typeface="+mn-ea"/>
+                <a:cs typeface="+mn-cs"/>
+                <a:sym typeface="Arial Narrow"/>
+              </a:defRPr>
+            </a:pPr>
+            <a:r>
+              <a:rPr lang="ru-RU" sz="6000" dirty="0" smtClean="0"/>
+              <a:t>Джеймс </a:t>
+            </a:r>
+            <a:r>
+              <a:rPr lang="ru-RU" sz="6000" dirty="0" err="1" smtClean="0"/>
+              <a:t>Уиттакер</a:t>
+            </a:r>
+            <a:r>
+              <a:rPr lang="ru-RU" sz="6000" dirty="0" smtClean="0"/>
+              <a:t> – «Как тестируют в </a:t>
+            </a:r>
+            <a:r>
+              <a:rPr lang="ru-RU" sz="6000" dirty="0" err="1" smtClean="0"/>
+              <a:t>Google</a:t>
+            </a:r>
+            <a:r>
+              <a:rPr lang="ru-RU" sz="6000" dirty="0" smtClean="0"/>
+              <a:t>»</a:t>
+            </a:r>
+          </a:p>
+          <a:p>
+            <a:pPr marL="1143000" indent="-1143000" algn="l">
+              <a:spcAft>
+                <a:spcPts val="600"/>
+              </a:spcAft>
+              <a:buFont typeface="+mj-lt"/>
+              <a:buAutoNum type="arabicPeriod"/>
+              <a:defRPr sz="2800">
+                <a:solidFill>
+                  <a:srgbClr val="253957"/>
+                </a:solidFill>
+                <a:latin typeface="+mn-lt"/>
+                <a:ea typeface="+mn-ea"/>
+                <a:cs typeface="+mn-cs"/>
+                <a:sym typeface="Arial Narrow"/>
+              </a:defRPr>
+            </a:pPr>
+            <a:r>
+              <a:rPr lang="ru-RU" sz="6000" dirty="0" smtClean="0"/>
+              <a:t>Стив </a:t>
+            </a:r>
+            <a:r>
+              <a:rPr lang="ru-RU" sz="6000" dirty="0" err="1" smtClean="0"/>
+              <a:t>Макконнелл</a:t>
+            </a:r>
+            <a:r>
+              <a:rPr lang="ru-RU" sz="6000" dirty="0" smtClean="0"/>
+              <a:t> – «Совершенный код»</a:t>
+            </a:r>
+          </a:p>
+          <a:p>
+            <a:pPr marL="1143000" indent="-1143000" algn="l">
+              <a:spcAft>
+                <a:spcPts val="600"/>
+              </a:spcAft>
+              <a:buFont typeface="+mj-lt"/>
+              <a:buAutoNum type="arabicPeriod"/>
+              <a:defRPr sz="2800">
+                <a:solidFill>
+                  <a:srgbClr val="253957"/>
+                </a:solidFill>
+                <a:latin typeface="+mn-lt"/>
+                <a:ea typeface="+mn-ea"/>
+                <a:cs typeface="+mn-cs"/>
+                <a:sym typeface="Arial Narrow"/>
+              </a:defRPr>
+            </a:pPr>
+            <a:r>
+              <a:rPr lang="ru-RU" sz="6000" dirty="0" smtClean="0"/>
+              <a:t>Борис </a:t>
+            </a:r>
+            <a:r>
+              <a:rPr lang="ru-RU" sz="6000" dirty="0" err="1" smtClean="0"/>
+              <a:t>Бейзер</a:t>
+            </a:r>
+            <a:r>
+              <a:rPr lang="ru-RU" sz="6000" dirty="0" smtClean="0"/>
+              <a:t> – «Тестирование черного ящика. Технологии функционального тестирования программного обеспечения и систем»</a:t>
+            </a:r>
+          </a:p>
+          <a:p>
+            <a:pPr marL="1143000" indent="-1143000" algn="l">
+              <a:spcAft>
+                <a:spcPts val="600"/>
+              </a:spcAft>
+              <a:buFont typeface="+mj-lt"/>
+              <a:buAutoNum type="arabicPeriod"/>
+              <a:defRPr sz="2800">
+                <a:solidFill>
+                  <a:srgbClr val="253957"/>
+                </a:solidFill>
+                <a:latin typeface="+mn-lt"/>
+                <a:ea typeface="+mn-ea"/>
+                <a:cs typeface="+mn-cs"/>
+                <a:sym typeface="Arial Narrow"/>
+              </a:defRPr>
+            </a:pPr>
+            <a:r>
+              <a:rPr lang="ru-RU" sz="6000" dirty="0" err="1" smtClean="0"/>
+              <a:t>Иан</a:t>
+            </a:r>
+            <a:r>
+              <a:rPr lang="ru-RU" sz="6000" dirty="0" smtClean="0"/>
+              <a:t> </a:t>
+            </a:r>
+            <a:r>
+              <a:rPr lang="ru-RU" sz="6000" dirty="0" err="1" smtClean="0"/>
+              <a:t>Соммервилл</a:t>
+            </a:r>
+            <a:r>
+              <a:rPr lang="ru-RU" sz="6000" dirty="0" smtClean="0"/>
+              <a:t> – «Инженерия программного обеспечения»</a:t>
+            </a:r>
+          </a:p>
+          <a:p>
+            <a:pPr algn="l">
+              <a:defRPr sz="2800">
+                <a:solidFill>
+                  <a:srgbClr val="253957"/>
+                </a:solidFill>
+                <a:latin typeface="+mn-lt"/>
+                <a:ea typeface="+mn-ea"/>
+                <a:cs typeface="+mn-cs"/>
+                <a:sym typeface="Arial Narrow"/>
+              </a:defRPr>
+            </a:pPr>
+            <a:endParaRPr lang="ru-RU" dirty="0"/>
+          </a:p>
+        </p:txBody>
+      </p:sp>
+      <p:sp>
+        <p:nvSpPr>
+          <p:cNvPr id="62" name="Название подразделения, лаборатории, факультета и т.д."/>
+          <p:cNvSpPr txBox="1"/>
+          <p:nvPr/>
+        </p:nvSpPr>
+        <p:spPr>
+          <a:xfrm>
+            <a:off x="11338744" y="942364"/>
+            <a:ext cx="11366416" cy="513601"/>
+          </a:xfrm>
+          <a:prstGeom prst="rect">
+            <a:avLst/>
+          </a:prstGeom>
+          <a:ln w="12700">
+            <a:miter lim="400000"/>
+          </a:ln>
+          <a:extLst>
+            <a:ext uri="{C572A759-6A51-4108-AA02-DFA0A04FC94B}">
+              <ma14:wrappingTextBoxFlag xmlns="" xmlns:m="http://schemas.openxmlformats.org/officeDocument/2006/math" xmlns:a14="http://schemas.microsoft.com/office/drawing/2010/main" xmlns:ma14="http://schemas.microsoft.com/office/mac/drawingml/2011/main" val="1"/>
+            </a:ext>
+          </a:extLst>
+        </p:spPr>
+        <p:txBody>
+          <a:bodyPr lIns="71437" tIns="71437" rIns="71437" bIns="71437" anchor="ctr">
+            <a:spAutoFit/>
+          </a:bodyPr>
+          <a:lstStyle>
+            <a:lvl1pPr algn="r">
+              <a:defRPr sz="2400">
+                <a:solidFill>
+                  <a:srgbClr val="253957"/>
+                </a:solidFill>
+                <a:latin typeface="+mn-lt"/>
+                <a:ea typeface="+mn-ea"/>
+                <a:cs typeface="+mn-cs"/>
+                <a:sym typeface="Arial Narrow"/>
+              </a:defRPr>
+            </a:lvl1pPr>
+          </a:lstStyle>
+          <a:p>
+            <a:r>
+              <a:rPr lang="ru-RU" dirty="0" smtClean="0"/>
+              <a:t>Факультет компьютерных наук / Департамент программной инженерии</a:t>
+            </a:r>
+            <a:endParaRPr dirty="0"/>
+          </a:p>
+        </p:txBody>
+      </p:sp>
+      <p:pic>
+        <p:nvPicPr>
+          <p:cNvPr id="63" name="Изображение" descr="Изображение"/>
+          <p:cNvPicPr>
+            <a:picLocks noChangeAspect="1"/>
+          </p:cNvPicPr>
+          <p:nvPr/>
+        </p:nvPicPr>
+        <p:blipFill>
+          <a:blip r:embed="rId2" cstate="print">
+            <a:extLst/>
+          </a:blip>
+          <a:stretch>
+            <a:fillRect/>
+          </a:stretch>
+        </p:blipFill>
+        <p:spPr>
+          <a:xfrm>
+            <a:off x="1226606" y="586180"/>
+            <a:ext cx="1199579" cy="1199579"/>
+          </a:xfrm>
+          <a:prstGeom prst="rect">
+            <a:avLst/>
+          </a:prstGeom>
+          <a:ln w="12700">
+            <a:miter lim="400000"/>
+          </a:ln>
+        </p:spPr>
+      </p:pic>
+    </p:spTree>
+  </p:cSld>
+  <p:clrMapOvr>
+    <a:masterClrMapping/>
+  </p:clrMapOvr>
+  <p:transition spd="med"/>
+  <p:timing>
+    <p:tnLst>
+      <p:par>
+        <p:cTn id="1" dur="indefinite" restart="never" nodeType="tmRoot"/>
+      </p:par>
+    </p:tnLst>
+  </p:timing>
+</p:sld>
+</file>
+
+<file path=ppt/slides/slide11.xml><?xml version="1.0" encoding="utf-8"?>
+<p:sld xmlns:a="http://schemas.openxmlformats.org/drawingml/2006/main" xmlns:r="http://schemas.openxmlformats.org/officeDocument/2006/relationships" xmlns:p="http://schemas.openxmlformats.org/presentationml/2006/main">
+  <p:cSld>
+    <p:spTree>
+      <p:nvGrpSpPr>
+        <p:cNvPr id="1" name=""/>
+        <p:cNvGrpSpPr/>
+        <p:nvPr/>
+      </p:nvGrpSpPr>
+      <p:grpSpPr>
+        <a:xfrm>
+          <a:off x="0" y="0"/>
+          <a:ext cx="0" cy="0"/>
+          <a:chOff x="0" y="0"/>
+          <a:chExt cx="0" cy="0"/>
+        </a:xfrm>
+      </p:grpSpPr>
       <p:pic>
         <p:nvPicPr>
           <p:cNvPr id="103" name="Изображение" descr="Изображение"/>
@@ -3432,7 +3881,7 @@
         </p:blipFill>
         <p:spPr>
           <a:xfrm>
-            <a:off x="11615936" y="5921896"/>
+            <a:off x="10508318" y="5921896"/>
             <a:ext cx="3195850" cy="3090059"/>
           </a:xfrm>
           <a:prstGeom prst="rect">
@@ -3462,7 +3911,7 @@
           </a:ln>
           <a:extLst>
             <a:ext uri="{C572A759-6A51-4108-AA02-DFA0A04FC94B}">
-              <ma14:wrappingTextBoxFlag xmlns:ma14="http://schemas.microsoft.com/office/mac/drawingml/2011/main" xmlns:a14="http://schemas.microsoft.com/office/drawing/2010/main" xmlns:m="http://schemas.openxmlformats.org/officeDocument/2006/math" xmlns="" val="1"/>
+              <ma14:wrappingTextBoxFlag xmlns="" xmlns:m="http://schemas.openxmlformats.org/officeDocument/2006/math" xmlns:a14="http://schemas.microsoft.com/office/drawing/2010/main" xmlns:ma14="http://schemas.microsoft.com/office/mac/drawingml/2011/main" val="1"/>
             </a:ext>
           </a:extLst>
         </p:spPr>
@@ -3589,7 +4038,7 @@
           </a:ln>
           <a:extLst>
             <a:ext uri="{C572A759-6A51-4108-AA02-DFA0A04FC94B}">
-              <ma14:wrappingTextBoxFlag xmlns:ma14="http://schemas.microsoft.com/office/mac/drawingml/2011/main" xmlns:a14="http://schemas.microsoft.com/office/drawing/2010/main" xmlns:m="http://schemas.openxmlformats.org/officeDocument/2006/math" xmlns="" val="1"/>
+              <ma14:wrappingTextBoxFlag xmlns="" xmlns:m="http://schemas.openxmlformats.org/officeDocument/2006/math" xmlns:a14="http://schemas.microsoft.com/office/drawing/2010/main" xmlns:ma14="http://schemas.microsoft.com/office/mac/drawingml/2011/main" val="1"/>
             </a:ext>
           </a:extLst>
         </p:spPr>
@@ -3643,7 +4092,7 @@
           </a:ln>
           <a:extLst>
             <a:ext uri="{C572A759-6A51-4108-AA02-DFA0A04FC94B}">
-              <ma14:wrappingTextBoxFlag xmlns:ma14="http://schemas.microsoft.com/office/mac/drawingml/2011/main" xmlns:a14="http://schemas.microsoft.com/office/drawing/2010/main" xmlns:m="http://schemas.openxmlformats.org/officeDocument/2006/math" xmlns="" val="1"/>
+              <ma14:wrappingTextBoxFlag xmlns="" xmlns:m="http://schemas.openxmlformats.org/officeDocument/2006/math" xmlns:a14="http://schemas.microsoft.com/office/drawing/2010/main" xmlns:ma14="http://schemas.microsoft.com/office/mac/drawingml/2011/main" val="1"/>
             </a:ext>
           </a:extLst>
         </p:spPr>
@@ -3668,15 +4117,7 @@
                   <a:srgbClr val="002060"/>
                 </a:solidFill>
               </a:rPr>
-              <a:t>Татарников Андрей </a:t>
-            </a:r>
-            <a:r>
-              <a:rPr lang="ru-RU" sz="5400" b="1" i="1" dirty="0" smtClean="0">
-                <a:solidFill>
-                  <a:srgbClr val="002060"/>
-                </a:solidFill>
-              </a:rPr>
-              <a:t>Дмитриевич</a:t>
+              <a:t>Татарников Андрей Дмитриевич</a:t>
             </a:r>
           </a:p>
           <a:p>
@@ -3733,13 +4174,8 @@
             </a:pPr>
             <a:r>
               <a:rPr lang="en-US" sz="5400" dirty="0" smtClean="0"/>
-              <a:t>+7 985 170 18 </a:t>
-            </a:r>
-            <a:r>
-              <a:rPr lang="en-US" sz="5400" dirty="0" smtClean="0"/>
-              <a:t>25 (Telegram)</a:t>
-            </a:r>
-            <a:endParaRPr lang="en-US" sz="5400" dirty="0" smtClean="0"/>
+              <a:t>+7 985 170 18 25 (Telegram)</a:t>
+            </a:r>
           </a:p>
           <a:p>
             <a:pPr algn="l">
@@ -3897,11 +4333,7 @@
             </a:r>
             <a:r>
               <a:rPr lang="ru-RU" sz="5400" dirty="0" smtClean="0"/>
-              <a:t>…    </a:t>
-            </a:r>
-            <a:r>
-              <a:rPr lang="ru-RU" sz="5400" dirty="0" smtClean="0"/>
-              <a:t>1С (</a:t>
+              <a:t>…    1С (</a:t>
             </a:r>
             <a:r>
               <a:rPr lang="en-US" sz="5400" dirty="0" smtClean="0">
@@ -3966,7 +4398,7 @@
           </a:ln>
           <a:extLst>
             <a:ext uri="{C572A759-6A51-4108-AA02-DFA0A04FC94B}">
-              <ma14:wrappingTextBoxFlag xmlns:ma14="http://schemas.microsoft.com/office/mac/drawingml/2011/main" xmlns:a14="http://schemas.microsoft.com/office/drawing/2010/main" xmlns:m="http://schemas.openxmlformats.org/officeDocument/2006/math" xmlns="" val="1"/>
+              <ma14:wrappingTextBoxFlag xmlns="" xmlns:m="http://schemas.openxmlformats.org/officeDocument/2006/math" xmlns:a14="http://schemas.microsoft.com/office/drawing/2010/main" xmlns:ma14="http://schemas.microsoft.com/office/mac/drawingml/2011/main" val="1"/>
             </a:ext>
           </a:extLst>
         </p:spPr>
@@ -4109,7 +4541,7 @@
           </a:ln>
           <a:extLst>
             <a:ext uri="{C572A759-6A51-4108-AA02-DFA0A04FC94B}">
-              <ma14:wrappingTextBoxFlag xmlns:ma14="http://schemas.microsoft.com/office/mac/drawingml/2011/main" xmlns:a14="http://schemas.microsoft.com/office/drawing/2010/main" xmlns:m="http://schemas.openxmlformats.org/officeDocument/2006/math" xmlns="" val="1"/>
+              <ma14:wrappingTextBoxFlag xmlns="" xmlns:m="http://schemas.openxmlformats.org/officeDocument/2006/math" xmlns:a14="http://schemas.microsoft.com/office/drawing/2010/main" xmlns:ma14="http://schemas.microsoft.com/office/mac/drawingml/2011/main" val="1"/>
             </a:ext>
           </a:extLst>
         </p:spPr>
@@ -4163,7 +4595,7 @@
           </a:ln>
           <a:extLst>
             <a:ext uri="{C572A759-6A51-4108-AA02-DFA0A04FC94B}">
-              <ma14:wrappingTextBoxFlag xmlns:ma14="http://schemas.microsoft.com/office/mac/drawingml/2011/main" xmlns:a14="http://schemas.microsoft.com/office/drawing/2010/main" xmlns:m="http://schemas.openxmlformats.org/officeDocument/2006/math" xmlns="" val="1"/>
+              <ma14:wrappingTextBoxFlag xmlns="" xmlns:m="http://schemas.openxmlformats.org/officeDocument/2006/math" xmlns:a14="http://schemas.microsoft.com/office/drawing/2010/main" xmlns:ma14="http://schemas.microsoft.com/office/mac/drawingml/2011/main" val="1"/>
             </a:ext>
           </a:extLst>
         </p:spPr>
@@ -4304,11 +4736,7 @@
             </a:r>
             <a:r>
               <a:rPr lang="en-US" sz="6000" dirty="0" smtClean="0"/>
-              <a:t> IDEA / </a:t>
-            </a:r>
-            <a:r>
-              <a:rPr lang="en-US" sz="6000" dirty="0" smtClean="0"/>
-              <a:t>Eclipse / Android Studio, </a:t>
+              <a:t> IDEA / Eclipse / Android Studio, </a:t>
             </a:r>
             <a:r>
               <a:rPr lang="en-US" sz="6000" dirty="0" err="1" smtClean="0"/>
@@ -4443,7 +4871,7 @@
           </a:ln>
           <a:extLst>
             <a:ext uri="{C572A759-6A51-4108-AA02-DFA0A04FC94B}">
-              <ma14:wrappingTextBoxFlag xmlns:ma14="http://schemas.microsoft.com/office/mac/drawingml/2011/main" xmlns:a14="http://schemas.microsoft.com/office/drawing/2010/main" xmlns:m="http://schemas.openxmlformats.org/officeDocument/2006/math" xmlns="" val="1"/>
+              <ma14:wrappingTextBoxFlag xmlns="" xmlns:m="http://schemas.openxmlformats.org/officeDocument/2006/math" xmlns:a14="http://schemas.microsoft.com/office/drawing/2010/main" xmlns:ma14="http://schemas.microsoft.com/office/mac/drawingml/2011/main" val="1"/>
             </a:ext>
           </a:extLst>
         </p:spPr>
@@ -4586,7 +5014,7 @@
           </a:ln>
           <a:extLst>
             <a:ext uri="{C572A759-6A51-4108-AA02-DFA0A04FC94B}">
-              <ma14:wrappingTextBoxFlag xmlns:ma14="http://schemas.microsoft.com/office/mac/drawingml/2011/main" xmlns:a14="http://schemas.microsoft.com/office/drawing/2010/main" xmlns:m="http://schemas.openxmlformats.org/officeDocument/2006/math" xmlns="" val="1"/>
+              <ma14:wrappingTextBoxFlag xmlns="" xmlns:m="http://schemas.openxmlformats.org/officeDocument/2006/math" xmlns:a14="http://schemas.microsoft.com/office/drawing/2010/main" xmlns:ma14="http://schemas.microsoft.com/office/mac/drawingml/2011/main" val="1"/>
             </a:ext>
           </a:extLst>
         </p:spPr>
@@ -4607,7 +5035,19 @@
             </a:pPr>
             <a:r>
               <a:rPr lang="ru-RU" dirty="0" smtClean="0"/>
-              <a:t>СТРУКТУРА занятий</a:t>
+              <a:t>СТРУКТУРА </a:t>
+            </a:r>
+            <a:r>
+              <a:rPr lang="ru-RU" dirty="0" smtClean="0"/>
+              <a:t>занятий</a:t>
+            </a:r>
+            <a:r>
+              <a:rPr lang="en-US" dirty="0" smtClean="0"/>
+              <a:t> / </a:t>
+            </a:r>
+            <a:r>
+              <a:rPr lang="ru-RU" dirty="0" smtClean="0"/>
+              <a:t>БАЛЛЫ</a:t>
             </a:r>
             <a:endParaRPr dirty="0"/>
           </a:p>
@@ -4621,7 +5061,7 @@
         </p:nvSpPr>
         <p:spPr>
           <a:xfrm>
-            <a:off x="1201065" y="4337720"/>
+            <a:off x="1201065" y="4648784"/>
             <a:ext cx="21506374" cy="8185880"/>
           </a:xfrm>
           <a:prstGeom prst="rect">
@@ -4632,7 +5072,7 @@
           </a:ln>
           <a:extLst>
             <a:ext uri="{C572A759-6A51-4108-AA02-DFA0A04FC94B}">
-              <ma14:wrappingTextBoxFlag xmlns:ma14="http://schemas.microsoft.com/office/mac/drawingml/2011/main" xmlns:a14="http://schemas.microsoft.com/office/drawing/2010/main" xmlns:m="http://schemas.openxmlformats.org/officeDocument/2006/math" xmlns="" val="1"/>
+              <ma14:wrappingTextBoxFlag xmlns="" xmlns:m="http://schemas.openxmlformats.org/officeDocument/2006/math" xmlns:a14="http://schemas.microsoft.com/office/drawing/2010/main" xmlns:ma14="http://schemas.microsoft.com/office/mac/drawingml/2011/main" val="1"/>
             </a:ext>
           </a:extLst>
         </p:spPr>
@@ -4653,6 +5093,18 @@
                 <a:sym typeface="Arial Narrow"/>
               </a:defRPr>
             </a:pPr>
+            <a:r>
+              <a:rPr lang="ru-RU" sz="6000" dirty="0" smtClean="0"/>
+              <a:t>Практические </a:t>
+            </a:r>
+            <a:r>
+              <a:rPr lang="ru-RU" sz="6000" dirty="0" smtClean="0"/>
+              <a:t>задания с </a:t>
+            </a:r>
+            <a:r>
+              <a:rPr lang="ru-RU" sz="6000" dirty="0" smtClean="0"/>
+              <a:t>оценкой</a:t>
+            </a:r>
             <a:endParaRPr lang="ru-RU" sz="6000" dirty="0" smtClean="0"/>
           </a:p>
           <a:p>
@@ -4671,7 +5123,7 @@
             </a:pPr>
             <a:r>
               <a:rPr lang="ru-RU" sz="6000" dirty="0" smtClean="0"/>
-              <a:t>Практические задания с оценкой (в том числе домашние)</a:t>
+              <a:t>Сроки выполнения заданий</a:t>
             </a:r>
           </a:p>
           <a:p>
@@ -4690,7 +5142,7 @@
             </a:pPr>
             <a:r>
               <a:rPr lang="ru-RU" sz="6000" dirty="0" smtClean="0"/>
-              <a:t>Сроки выполнения заданий</a:t>
+              <a:t>Работа на занятии</a:t>
             </a:r>
           </a:p>
           <a:p>
@@ -4709,7 +5161,7 @@
             </a:pPr>
             <a:r>
               <a:rPr lang="ru-RU" sz="6000" dirty="0" smtClean="0"/>
-              <a:t>Работа на занятии</a:t>
+              <a:t>Посещаемость</a:t>
             </a:r>
           </a:p>
           <a:p>
@@ -4728,30 +5180,7 @@
             </a:pPr>
             <a:r>
               <a:rPr lang="ru-RU" sz="6000" dirty="0" smtClean="0"/>
-              <a:t>Посещаемость</a:t>
-            </a:r>
-          </a:p>
-          <a:p>
-            <a:pPr marL="1143000" indent="-1143000" algn="l">
-              <a:buFont typeface="+mj-lt"/>
-              <a:buAutoNum type="arabicPeriod"/>
-              <a:defRPr sz="2800">
-                <a:solidFill>
-                  <a:srgbClr val="253957"/>
-                </a:solidFill>
-                <a:latin typeface="+mn-lt"/>
-                <a:ea typeface="+mn-ea"/>
-                <a:cs typeface="+mn-cs"/>
-                <a:sym typeface="Arial Narrow"/>
-              </a:defRPr>
-            </a:pPr>
-            <a:r>
-              <a:rPr lang="ru-RU" sz="6000" dirty="0" smtClean="0"/>
-              <a:t>Выставление </a:t>
-            </a:r>
-            <a:r>
-              <a:rPr lang="ru-RU" sz="6000" dirty="0" smtClean="0"/>
-              <a:t>оценки</a:t>
+              <a:t>Выставление оценки</a:t>
             </a:r>
             <a:endParaRPr lang="en-US" sz="6000" dirty="0" smtClean="0"/>
           </a:p>
@@ -4767,7 +5196,7 @@
                 <a:sym typeface="Arial Narrow"/>
               </a:defRPr>
             </a:pPr>
-            <a:endParaRPr lang="ru-RU" sz="6000" dirty="0" smtClean="0"/>
+            <a:endParaRPr lang="ru-RU" sz="3600" dirty="0" smtClean="0"/>
           </a:p>
           <a:p>
             <a:pPr marL="1143000" indent="-1143000">
@@ -4782,6 +5211,146 @@
               </a:defRPr>
             </a:pPr>
             <a:r>
+              <a:rPr lang="ru-RU" sz="4800" b="1" dirty="0" smtClean="0">
+                <a:solidFill>
+                  <a:srgbClr val="253957"/>
+                </a:solidFill>
+                <a:sym typeface="Arial Narrow"/>
+              </a:rPr>
+              <a:t>О </a:t>
+            </a:r>
+            <a:r>
+              <a:rPr lang="ru-RU" sz="4800" b="1" dirty="0" err="1" smtClean="0">
+                <a:solidFill>
+                  <a:srgbClr val="253957"/>
+                </a:solidFill>
+                <a:sym typeface="Arial Narrow"/>
+              </a:rPr>
+              <a:t>ауд</a:t>
+            </a:r>
+            <a:r>
+              <a:rPr lang="en-US" sz="4800" b="1" dirty="0" smtClean="0">
+                <a:solidFill>
+                  <a:srgbClr val="253957"/>
+                </a:solidFill>
+                <a:sym typeface="Arial Narrow"/>
+              </a:rPr>
+              <a:t>.</a:t>
+            </a:r>
+            <a:r>
+              <a:rPr lang="ru-RU" sz="4800" b="1" dirty="0" smtClean="0">
+                <a:solidFill>
+                  <a:srgbClr val="253957"/>
+                </a:solidFill>
+                <a:sym typeface="Arial Narrow"/>
+              </a:rPr>
+              <a:t> </a:t>
+            </a:r>
+            <a:r>
+              <a:rPr lang="ru-RU" sz="4800" dirty="0" smtClean="0">
+                <a:solidFill>
+                  <a:srgbClr val="253957"/>
+                </a:solidFill>
+                <a:sym typeface="Arial Narrow"/>
+              </a:rPr>
+              <a:t>= 0</a:t>
+            </a:r>
+            <a:r>
+              <a:rPr lang="en-US" sz="4800" dirty="0" smtClean="0">
+                <a:solidFill>
+                  <a:srgbClr val="253957"/>
+                </a:solidFill>
+                <a:sym typeface="Arial Narrow"/>
+              </a:rPr>
+              <a:t>,</a:t>
+            </a:r>
+            <a:r>
+              <a:rPr lang="ru-RU" sz="4800" dirty="0" smtClean="0">
+                <a:solidFill>
+                  <a:srgbClr val="253957"/>
+                </a:solidFill>
+                <a:sym typeface="Arial Narrow"/>
+              </a:rPr>
+              <a:t>8 * </a:t>
+            </a:r>
+            <a:r>
+              <a:rPr lang="ru-RU" sz="4800" b="1" dirty="0" smtClean="0">
+                <a:solidFill>
+                  <a:srgbClr val="253957"/>
+                </a:solidFill>
+                <a:sym typeface="Arial Narrow"/>
+              </a:rPr>
+              <a:t>ДЗ </a:t>
+            </a:r>
+            <a:r>
+              <a:rPr lang="ru-RU" sz="4800" dirty="0" smtClean="0">
+                <a:solidFill>
+                  <a:srgbClr val="253957"/>
+                </a:solidFill>
+                <a:sym typeface="Arial Narrow"/>
+              </a:rPr>
+              <a:t>+ </a:t>
+            </a:r>
+            <a:r>
+              <a:rPr lang="en-US" sz="4800" dirty="0" smtClean="0">
+                <a:solidFill>
+                  <a:srgbClr val="253957"/>
+                </a:solidFill>
+                <a:sym typeface="Arial Narrow"/>
+              </a:rPr>
+              <a:t>0,</a:t>
+            </a:r>
+            <a:r>
+              <a:rPr lang="ru-RU" sz="4800" dirty="0" smtClean="0">
+                <a:solidFill>
+                  <a:srgbClr val="253957"/>
+                </a:solidFill>
+                <a:sym typeface="Arial Narrow"/>
+              </a:rPr>
+              <a:t>2 * </a:t>
+            </a:r>
+            <a:r>
+              <a:rPr lang="ru-RU" sz="4800" b="1" dirty="0" smtClean="0">
+                <a:solidFill>
+                  <a:srgbClr val="253957"/>
+                </a:solidFill>
+                <a:sym typeface="Arial Narrow"/>
+              </a:rPr>
+              <a:t>посещаемость</a:t>
+            </a:r>
+            <a:r>
+              <a:rPr lang="ru-RU" sz="4800" dirty="0" smtClean="0">
+                <a:solidFill>
+                  <a:srgbClr val="253957"/>
+                </a:solidFill>
+                <a:sym typeface="Arial Narrow"/>
+              </a:rPr>
+              <a:t> + </a:t>
+            </a:r>
+            <a:r>
+              <a:rPr lang="ru-RU" sz="4800" b="1" dirty="0" smtClean="0">
+                <a:solidFill>
+                  <a:srgbClr val="253957"/>
+                </a:solidFill>
+                <a:sym typeface="Arial Narrow"/>
+              </a:rPr>
+              <a:t>бонусы</a:t>
+            </a:r>
+            <a:endParaRPr lang="ru-RU" sz="4800" b="1" dirty="0" smtClean="0"/>
+          </a:p>
+          <a:p>
+            <a:pPr marL="1143000" indent="-1143000">
+              <a:defRPr sz="2800">
+                <a:solidFill>
+                  <a:srgbClr val="253957"/>
+                </a:solidFill>
+                <a:latin typeface="+mn-lt"/>
+                <a:ea typeface="+mn-ea"/>
+                <a:cs typeface="+mn-cs"/>
+                <a:sym typeface="Arial Narrow"/>
+              </a:defRPr>
+            </a:pPr>
+            <a:r>
               <a:rPr lang="ru-RU" sz="4800" dirty="0" smtClean="0"/>
               <a:t>О </a:t>
             </a:r>
@@ -4791,27 +5360,31 @@
             </a:r>
             <a:r>
               <a:rPr lang="ru-RU" sz="4800" dirty="0" smtClean="0"/>
-              <a:t>.  = </a:t>
+              <a:t>.  = 0,5</a:t>
             </a:r>
             <a:r>
               <a:rPr lang="ru-RU" sz="4800" b="1" dirty="0" smtClean="0"/>
-              <a:t>0,5 * О </a:t>
+              <a:t> * О </a:t>
             </a:r>
             <a:r>
               <a:rPr lang="ru-RU" sz="4800" b="1" dirty="0" err="1" smtClean="0"/>
               <a:t>ауд</a:t>
             </a:r>
             <a:r>
+              <a:rPr lang="en-US" sz="4800" b="1" dirty="0" smtClean="0"/>
+              <a:t>.</a:t>
+            </a:r>
+            <a:r>
               <a:rPr lang="ru-RU" sz="4800" b="1" dirty="0" smtClean="0"/>
               <a:t> </a:t>
             </a:r>
             <a:r>
               <a:rPr lang="ru-RU" sz="4800" dirty="0" smtClean="0"/>
-              <a:t>+ 0,5*О контр</a:t>
+              <a:t>+ </a:t>
             </a:r>
             <a:r>
               <a:rPr lang="ru-RU" sz="4800" dirty="0" smtClean="0"/>
-              <a:t>.</a:t>
+              <a:t>0,5</a:t>
             </a:r>
             <a:r>
               <a:rPr lang="en-US" sz="4800" dirty="0" smtClean="0"/>
@@ -4819,6 +5392,26 @@
             </a:r>
             <a:r>
               <a:rPr lang="ru-RU" sz="4800" dirty="0" smtClean="0"/>
+              <a:t>*</a:t>
+            </a:r>
+            <a:r>
+              <a:rPr lang="en-US" sz="4800" dirty="0" smtClean="0"/>
+              <a:t> </a:t>
+            </a:r>
+            <a:r>
+              <a:rPr lang="ru-RU" sz="4800" dirty="0" smtClean="0"/>
+              <a:t>О </a:t>
+            </a:r>
+            <a:r>
+              <a:rPr lang="ru-RU" sz="4800" dirty="0" smtClean="0"/>
+              <a:t>контр.</a:t>
+            </a:r>
+            <a:r>
+              <a:rPr lang="en-US" sz="4800" dirty="0" smtClean="0"/>
+              <a:t> </a:t>
+            </a:r>
+            <a:r>
+              <a:rPr lang="ru-RU" sz="4800" dirty="0" smtClean="0"/>
               <a:t>работа</a:t>
             </a:r>
             <a:endParaRPr lang="en-US" sz="4800" dirty="0" smtClean="0"/>
@@ -4844,20 +5437,80 @@
               <a:t>результ</a:t>
             </a:r>
             <a:r>
+              <a:rPr lang="en-US" sz="4800" dirty="0" smtClean="0"/>
+              <a:t>.</a:t>
+            </a:r>
+            <a:r>
               <a:rPr lang="ru-RU" sz="4800" dirty="0" smtClean="0"/>
-              <a:t> = 0,5*О </a:t>
+              <a:t> </a:t>
+            </a:r>
+            <a:r>
+              <a:rPr lang="ru-RU" sz="4800" dirty="0" smtClean="0"/>
+              <a:t>= </a:t>
+            </a:r>
+            <a:r>
+              <a:rPr lang="ru-RU" sz="4800" dirty="0" smtClean="0"/>
+              <a:t>0,5</a:t>
+            </a:r>
+            <a:r>
+              <a:rPr lang="en-US" sz="4800" dirty="0" smtClean="0"/>
+              <a:t> </a:t>
+            </a:r>
+            <a:r>
+              <a:rPr lang="ru-RU" sz="4800" dirty="0" smtClean="0"/>
+              <a:t>*</a:t>
+            </a:r>
+            <a:r>
+              <a:rPr lang="en-US" sz="4800" dirty="0" smtClean="0"/>
+              <a:t> </a:t>
+            </a:r>
+            <a:r>
+              <a:rPr lang="ru-RU" sz="4800" dirty="0" smtClean="0"/>
+              <a:t>О </a:t>
             </a:r>
             <a:r>
               <a:rPr lang="ru-RU" sz="4800" dirty="0" err="1" smtClean="0"/>
               <a:t>накопл</a:t>
             </a:r>
             <a:r>
+              <a:rPr lang="en-US" sz="4800" dirty="0" smtClean="0"/>
+              <a:t>.</a:t>
+            </a:r>
+            <a:r>
               <a:rPr lang="ru-RU" sz="4800" dirty="0" smtClean="0"/>
-              <a:t> + 0,5*О </a:t>
+              <a:t> </a:t>
+            </a:r>
+            <a:r>
+              <a:rPr lang="ru-RU" sz="4800" dirty="0" smtClean="0"/>
+              <a:t>+ </a:t>
+            </a:r>
+            <a:r>
+              <a:rPr lang="ru-RU" sz="4800" dirty="0" smtClean="0"/>
+              <a:t>0,5</a:t>
+            </a:r>
+            <a:r>
+              <a:rPr lang="en-US" sz="4800" dirty="0" smtClean="0"/>
+              <a:t> </a:t>
+            </a:r>
+            <a:r>
+              <a:rPr lang="ru-RU" sz="4800" dirty="0" smtClean="0"/>
+              <a:t>*</a:t>
+            </a:r>
+            <a:r>
+              <a:rPr lang="en-US" sz="4800" dirty="0" smtClean="0"/>
+              <a:t> </a:t>
+            </a:r>
+            <a:r>
+              <a:rPr lang="ru-RU" sz="4800" dirty="0" smtClean="0"/>
+              <a:t>О </a:t>
             </a:r>
             <a:r>
               <a:rPr lang="ru-RU" sz="4800" dirty="0" err="1" smtClean="0"/>
               <a:t>экз</a:t>
+            </a:r>
+            <a:r>
+              <a:rPr lang="en-US" sz="4800" dirty="0" smtClean="0"/>
+              <a:t>.</a:t>
             </a:r>
             <a:r>
               <a:rPr lang="ru-RU" sz="4800" dirty="0" smtClean="0"/>
@@ -4916,7 +5569,7 @@
           </a:ln>
           <a:extLst>
             <a:ext uri="{C572A759-6A51-4108-AA02-DFA0A04FC94B}">
-              <ma14:wrappingTextBoxFlag xmlns:ma14="http://schemas.microsoft.com/office/mac/drawingml/2011/main" xmlns:a14="http://schemas.microsoft.com/office/drawing/2010/main" xmlns:m="http://schemas.openxmlformats.org/officeDocument/2006/math" xmlns="" val="1"/>
+              <ma14:wrappingTextBoxFlag xmlns="" xmlns:m="http://schemas.openxmlformats.org/officeDocument/2006/math" xmlns:a14="http://schemas.microsoft.com/office/drawing/2010/main" xmlns:ma14="http://schemas.microsoft.com/office/mac/drawingml/2011/main" val="1"/>
             </a:ext>
           </a:extLst>
         </p:spPr>
@@ -4983,8 +5636,8 @@
         </p:nvSpPr>
         <p:spPr>
           <a:xfrm>
-            <a:off x="5783288" y="10602416"/>
-            <a:ext cx="12385376" cy="1944216"/>
+            <a:off x="5639272" y="9648069"/>
+            <a:ext cx="12745416" cy="2772000"/>
           </a:xfrm>
           <a:prstGeom prst="rect">
             <a:avLst/>
@@ -5140,7 +5793,7 @@
           </a:ln>
           <a:extLst>
             <a:ext uri="{C572A759-6A51-4108-AA02-DFA0A04FC94B}">
-              <ma14:wrappingTextBoxFlag xmlns:ma14="http://schemas.microsoft.com/office/mac/drawingml/2011/main" xmlns:a14="http://schemas.microsoft.com/office/drawing/2010/main" xmlns:m="http://schemas.openxmlformats.org/officeDocument/2006/math" xmlns="" val="1"/>
+              <ma14:wrappingTextBoxFlag xmlns="" xmlns:m="http://schemas.openxmlformats.org/officeDocument/2006/math" xmlns:a14="http://schemas.microsoft.com/office/drawing/2010/main" xmlns:ma14="http://schemas.microsoft.com/office/mac/drawingml/2011/main" val="1"/>
             </a:ext>
           </a:extLst>
         </p:spPr>
@@ -5186,7 +5839,7 @@
           </a:ln>
           <a:extLst>
             <a:ext uri="{C572A759-6A51-4108-AA02-DFA0A04FC94B}">
-              <ma14:wrappingTextBoxFlag xmlns:ma14="http://schemas.microsoft.com/office/mac/drawingml/2011/main" xmlns:a14="http://schemas.microsoft.com/office/drawing/2010/main" xmlns:m="http://schemas.openxmlformats.org/officeDocument/2006/math" xmlns="" val="1"/>
+              <ma14:wrappingTextBoxFlag xmlns="" xmlns:m="http://schemas.openxmlformats.org/officeDocument/2006/math" xmlns:a14="http://schemas.microsoft.com/office/drawing/2010/main" xmlns:ma14="http://schemas.microsoft.com/office/mac/drawingml/2011/main" val="1"/>
             </a:ext>
           </a:extLst>
         </p:spPr>
@@ -5411,7 +6064,7 @@
           </a:ln>
           <a:extLst>
             <a:ext uri="{C572A759-6A51-4108-AA02-DFA0A04FC94B}">
-              <ma14:wrappingTextBoxFlag xmlns:ma14="http://schemas.microsoft.com/office/mac/drawingml/2011/main" xmlns:a14="http://schemas.microsoft.com/office/drawing/2010/main" xmlns:m="http://schemas.openxmlformats.org/officeDocument/2006/math" xmlns="" val="1"/>
+              <ma14:wrappingTextBoxFlag xmlns="" xmlns:m="http://schemas.openxmlformats.org/officeDocument/2006/math" xmlns:a14="http://schemas.microsoft.com/office/drawing/2010/main" xmlns:ma14="http://schemas.microsoft.com/office/mac/drawingml/2011/main" val="1"/>
             </a:ext>
           </a:extLst>
         </p:spPr>
@@ -5554,7 +6207,7 @@
           </a:ln>
           <a:extLst>
             <a:ext uri="{C572A759-6A51-4108-AA02-DFA0A04FC94B}">
-              <ma14:wrappingTextBoxFlag xmlns:ma14="http://schemas.microsoft.com/office/mac/drawingml/2011/main" xmlns:a14="http://schemas.microsoft.com/office/drawing/2010/main" xmlns:m="http://schemas.openxmlformats.org/officeDocument/2006/math" xmlns="" val="1"/>
+              <ma14:wrappingTextBoxFlag xmlns="" xmlns:m="http://schemas.openxmlformats.org/officeDocument/2006/math" xmlns:a14="http://schemas.microsoft.com/office/drawing/2010/main" xmlns:ma14="http://schemas.microsoft.com/office/mac/drawingml/2011/main" val="1"/>
             </a:ext>
           </a:extLst>
         </p:spPr>
@@ -5575,7 +6228,15 @@
             </a:pPr>
             <a:r>
               <a:rPr lang="ru-RU" dirty="0" smtClean="0"/>
-              <a:t>РОЛИ В обеспечении качества и тестировании</a:t>
+              <a:t>обеспечение </a:t>
+            </a:r>
+            <a:r>
+              <a:rPr lang="ru-RU" dirty="0" smtClean="0"/>
+              <a:t>качества и </a:t>
+            </a:r>
+            <a:r>
+              <a:rPr lang="ru-RU" dirty="0" smtClean="0"/>
+              <a:t>тестирование</a:t>
             </a:r>
             <a:endParaRPr dirty="0"/>
           </a:p>
@@ -5600,7 +6261,7 @@
           </a:ln>
           <a:extLst>
             <a:ext uri="{C572A759-6A51-4108-AA02-DFA0A04FC94B}">
-              <ma14:wrappingTextBoxFlag xmlns:ma14="http://schemas.microsoft.com/office/mac/drawingml/2011/main" xmlns:a14="http://schemas.microsoft.com/office/drawing/2010/main" xmlns:m="http://schemas.openxmlformats.org/officeDocument/2006/math" xmlns="" val="1"/>
+              <ma14:wrappingTextBoxFlag xmlns="" xmlns:m="http://schemas.openxmlformats.org/officeDocument/2006/math" xmlns:a14="http://schemas.microsoft.com/office/drawing/2010/main" xmlns:ma14="http://schemas.microsoft.com/office/mac/drawingml/2011/main" val="1"/>
             </a:ext>
           </a:extLst>
         </p:spPr>
@@ -5712,9 +6373,7 @@
             <a:endParaRPr lang="en-US" sz="6000" dirty="0" smtClean="0"/>
           </a:p>
           <a:p>
-            <a:pPr lvl="1" algn="l">
-              <a:buFont typeface="Arial" pitchFamily="34" charset="0"/>
-              <a:buChar char="•"/>
+            <a:pPr>
               <a:defRPr sz="2800">
                 <a:solidFill>
                   <a:srgbClr val="253957"/>
@@ -5726,103 +6385,84 @@
               </a:defRPr>
             </a:pPr>
             <a:r>
+              <a:rPr lang="ru-RU" sz="6000" b="1" i="1" dirty="0" smtClean="0"/>
+              <a:t>Тестирование</a:t>
+            </a:r>
+            <a:r>
+              <a:rPr lang="ru-RU" sz="6000" dirty="0" smtClean="0"/>
+              <a:t> – выполнение программы с целью найти </a:t>
+            </a:r>
+            <a:r>
+              <a:rPr lang="ru-RU" sz="6000" dirty="0" err="1" smtClean="0"/>
+              <a:t>баги</a:t>
+            </a:r>
+            <a:endParaRPr lang="ru-RU" sz="6000" dirty="0" smtClean="0"/>
+          </a:p>
+          <a:p>
+            <a:pPr lvl="1">
+              <a:defRPr sz="2800">
+                <a:solidFill>
+                  <a:srgbClr val="253957"/>
+                </a:solidFill>
+                <a:latin typeface="+mn-lt"/>
+                <a:ea typeface="+mn-ea"/>
+                <a:cs typeface="+mn-cs"/>
+                <a:sym typeface="Arial Narrow"/>
+              </a:defRPr>
+            </a:pPr>
+            <a:endParaRPr lang="ru-RU" sz="6000" dirty="0" smtClean="0"/>
+          </a:p>
+          <a:p>
+            <a:pPr>
+              <a:defRPr sz="2800">
+                <a:solidFill>
+                  <a:srgbClr val="253957"/>
+                </a:solidFill>
+                <a:latin typeface="+mn-lt"/>
+                <a:ea typeface="+mn-ea"/>
+                <a:cs typeface="+mn-cs"/>
+                <a:sym typeface="Arial Narrow"/>
+              </a:defRPr>
+            </a:pPr>
+            <a:r>
+              <a:rPr lang="ru-RU" sz="6000" b="1" i="1" dirty="0" smtClean="0"/>
+              <a:t>Обеспечение качества </a:t>
+            </a:r>
+            <a:r>
               <a:rPr lang="ru-RU" sz="6000" dirty="0" smtClean="0">
+                <a:solidFill>
+                  <a:srgbClr val="253957"/>
+                </a:solidFill>
                 <a:sym typeface="Arial Narrow"/>
               </a:rPr>
-              <a:t>   Разработчик (</a:t>
-            </a:r>
-            <a:r>
-              <a:rPr lang="en-US" sz="6000" dirty="0" smtClean="0">
+              <a:t>– </a:t>
+            </a:r>
+            <a:r>
+              <a:rPr lang="ru-RU" sz="6000" dirty="0" smtClean="0">
+                <a:solidFill>
+                  <a:srgbClr val="253957"/>
+                </a:solidFill>
                 <a:sym typeface="Arial Narrow"/>
               </a:rPr>
-              <a:t>Software Engineer, SWE)</a:t>
-            </a:r>
-          </a:p>
-          <a:p>
-            <a:pPr lvl="1" algn="l">
-              <a:buFont typeface="Arial" pitchFamily="34" charset="0"/>
-              <a:buChar char="•"/>
-              <a:defRPr sz="2800">
-                <a:solidFill>
-                  <a:srgbClr val="253957"/>
-                </a:solidFill>
-                <a:latin typeface="+mn-lt"/>
-                <a:ea typeface="+mn-ea"/>
-                <a:cs typeface="+mn-cs"/>
-                <a:sym typeface="Arial Narrow"/>
-              </a:defRPr>
-            </a:pPr>
-            <a:r>
-              <a:rPr lang="ru-RU" sz="6000" dirty="0" smtClean="0"/>
-              <a:t>   Разработчик в тестировании (</a:t>
-            </a:r>
-            <a:r>
-              <a:rPr lang="ru-RU" sz="6000" dirty="0" err="1" smtClean="0"/>
-              <a:t>Software</a:t>
-            </a:r>
-            <a:r>
-              <a:rPr lang="ru-RU" sz="6000" dirty="0" smtClean="0"/>
-              <a:t> </a:t>
-            </a:r>
-            <a:r>
-              <a:rPr lang="ru-RU" sz="6000" dirty="0" err="1" smtClean="0"/>
-              <a:t>Engineer</a:t>
-            </a:r>
-            <a:r>
-              <a:rPr lang="ru-RU" sz="6000" dirty="0" smtClean="0"/>
-              <a:t> </a:t>
-            </a:r>
-            <a:r>
-              <a:rPr lang="ru-RU" sz="6000" dirty="0" err="1" smtClean="0"/>
-              <a:t>in</a:t>
-            </a:r>
-            <a:r>
-              <a:rPr lang="ru-RU" sz="6000" dirty="0" smtClean="0"/>
-              <a:t> </a:t>
-            </a:r>
-            <a:r>
-              <a:rPr lang="ru-RU" sz="6000" dirty="0" err="1" smtClean="0"/>
-              <a:t>Test</a:t>
-            </a:r>
-            <a:r>
-              <a:rPr lang="ru-RU" sz="6000" dirty="0" smtClean="0"/>
-              <a:t>, SET)</a:t>
-            </a:r>
-            <a:endParaRPr lang="en-US" sz="6000" dirty="0" smtClean="0"/>
-          </a:p>
-          <a:p>
-            <a:pPr lvl="1" algn="l">
-              <a:buFont typeface="Arial" pitchFamily="34" charset="0"/>
-              <a:buChar char="•"/>
-              <a:defRPr sz="2800">
-                <a:solidFill>
-                  <a:srgbClr val="253957"/>
-                </a:solidFill>
-                <a:latin typeface="+mn-lt"/>
-                <a:ea typeface="+mn-ea"/>
-                <a:cs typeface="+mn-cs"/>
-                <a:sym typeface="Arial Narrow"/>
-              </a:defRPr>
-            </a:pPr>
-            <a:r>
-              <a:rPr lang="ru-RU" sz="6000" dirty="0" smtClean="0"/>
-              <a:t>   Инженер по тестированию (</a:t>
-            </a:r>
-            <a:r>
-              <a:rPr lang="ru-RU" sz="6000" dirty="0" err="1" smtClean="0"/>
-              <a:t>Test</a:t>
-            </a:r>
-            <a:r>
-              <a:rPr lang="ru-RU" sz="6000" dirty="0" smtClean="0"/>
-              <a:t> </a:t>
-            </a:r>
-            <a:r>
-              <a:rPr lang="ru-RU" sz="6000" dirty="0" err="1" smtClean="0"/>
-              <a:t>Engineer</a:t>
-            </a:r>
-            <a:r>
-              <a:rPr lang="ru-RU" sz="6000" dirty="0" smtClean="0"/>
-              <a:t>, TE)</a:t>
+              <a:t>процессы, позволяющие предотвратить появление </a:t>
+            </a:r>
+            <a:r>
+              <a:rPr lang="ru-RU" sz="6000" dirty="0" err="1" smtClean="0">
+                <a:solidFill>
+                  <a:srgbClr val="253957"/>
+                </a:solidFill>
+                <a:sym typeface="Arial Narrow"/>
+              </a:rPr>
+              <a:t>багов</a:t>
+            </a:r>
+            <a:r>
+              <a:rPr lang="ru-RU" sz="6000" dirty="0" smtClean="0">
+                <a:solidFill>
+                  <a:srgbClr val="253957"/>
+                </a:solidFill>
+                <a:sym typeface="Arial Narrow"/>
+              </a:rPr>
+              <a:t> или обнаружить как можно раньше</a:t>
             </a:r>
             <a:endParaRPr lang="en-US" sz="6000" dirty="0" smtClean="0"/>
           </a:p>
@@ -5861,7 +6501,7 @@
           </a:ln>
           <a:extLst>
             <a:ext uri="{C572A759-6A51-4108-AA02-DFA0A04FC94B}">
-              <ma14:wrappingTextBoxFlag xmlns:ma14="http://schemas.microsoft.com/office/mac/drawingml/2011/main" xmlns:a14="http://schemas.microsoft.com/office/drawing/2010/main" xmlns:m="http://schemas.openxmlformats.org/officeDocument/2006/math" xmlns="" val="1"/>
+              <ma14:wrappingTextBoxFlag xmlns="" xmlns:m="http://schemas.openxmlformats.org/officeDocument/2006/math" xmlns:a14="http://schemas.microsoft.com/office/drawing/2010/main" xmlns:ma14="http://schemas.microsoft.com/office/mac/drawingml/2011/main" val="1"/>
             </a:ext>
           </a:extLst>
         </p:spPr>
@@ -5994,7 +6634,7 @@
         <p:spPr>
           <a:xfrm>
             <a:off x="1209448" y="2972787"/>
-            <a:ext cx="21423711" cy="1580958"/>
+            <a:ext cx="21351703" cy="1580958"/>
           </a:xfrm>
           <a:prstGeom prst="rect">
             <a:avLst/>
@@ -6004,7 +6644,7 @@
           </a:ln>
           <a:extLst>
             <a:ext uri="{C572A759-6A51-4108-AA02-DFA0A04FC94B}">
-              <ma14:wrappingTextBoxFlag xmlns:ma14="http://schemas.microsoft.com/office/mac/drawingml/2011/main" xmlns:a14="http://schemas.microsoft.com/office/drawing/2010/main" xmlns:m="http://schemas.openxmlformats.org/officeDocument/2006/math" xmlns="" val="1"/>
+              <ma14:wrappingTextBoxFlag xmlns="" xmlns:m="http://schemas.openxmlformats.org/officeDocument/2006/math" xmlns:a14="http://schemas.microsoft.com/office/drawing/2010/main" xmlns:ma14="http://schemas.microsoft.com/office/mac/drawingml/2011/main" val="1"/>
             </a:ext>
           </a:extLst>
         </p:spPr>
@@ -6025,7 +6665,7 @@
             </a:pPr>
             <a:r>
               <a:rPr lang="ru-RU" dirty="0" smtClean="0"/>
-              <a:t>МЕТОДЫ обеспечения качества и тестирования</a:t>
+              <a:t>РОЛИ В обеспечении качества и тестировании</a:t>
             </a:r>
             <a:endParaRPr dirty="0"/>
           </a:p>
@@ -6039,8 +6679,8 @@
         </p:nvSpPr>
         <p:spPr>
           <a:xfrm>
-            <a:off x="1201065" y="4504768"/>
-            <a:ext cx="21506374" cy="8401904"/>
+            <a:off x="1201065" y="4409728"/>
+            <a:ext cx="21506374" cy="8352928"/>
           </a:xfrm>
           <a:prstGeom prst="rect">
             <a:avLst/>
@@ -6050,7 +6690,7 @@
           </a:ln>
           <a:extLst>
             <a:ext uri="{C572A759-6A51-4108-AA02-DFA0A04FC94B}">
-              <ma14:wrappingTextBoxFlag xmlns:ma14="http://schemas.microsoft.com/office/mac/drawingml/2011/main" xmlns:a14="http://schemas.microsoft.com/office/drawing/2010/main" xmlns:m="http://schemas.openxmlformats.org/officeDocument/2006/math" xmlns="" val="1"/>
+              <ma14:wrappingTextBoxFlag xmlns="" xmlns:m="http://schemas.openxmlformats.org/officeDocument/2006/math" xmlns:a14="http://schemas.microsoft.com/office/drawing/2010/main" xmlns:ma14="http://schemas.microsoft.com/office/mac/drawingml/2011/main" val="1"/>
             </a:ext>
           </a:extLst>
         </p:spPr>
@@ -6058,7 +6698,7 @@
           <a:bodyPr lIns="71437" tIns="71437" rIns="71437" bIns="71437"/>
           <a:lstStyle/>
           <a:p>
-            <a:pPr marL="1143000" indent="-1143000" algn="l">
+            <a:pPr algn="l">
               <a:defRPr sz="2800">
                 <a:solidFill>
                   <a:srgbClr val="253957"/>
@@ -6069,13 +6709,10 @@
                 <a:sym typeface="Arial Narrow"/>
               </a:defRPr>
             </a:pPr>
-            <a:r>
-              <a:rPr lang="ru-RU" sz="5400" dirty="0" smtClean="0"/>
-              <a:t>1.  Анализ требований</a:t>
-            </a:r>
-          </a:p>
-          <a:p>
-            <a:pPr marL="1143000" indent="-1143000" algn="l">
+            <a:endParaRPr lang="ru-RU" sz="6000" dirty="0" smtClean="0"/>
+          </a:p>
+          <a:p>
+            <a:pPr algn="l">
               <a:defRPr sz="2800">
                 <a:solidFill>
                   <a:srgbClr val="253957"/>
@@ -6086,13 +6723,15 @@
                 <a:sym typeface="Arial Narrow"/>
               </a:defRPr>
             </a:pPr>
-            <a:r>
-              <a:rPr lang="ru-RU" sz="5400" dirty="0" smtClean="0"/>
-              <a:t>2.  Инспекции кода</a:t>
-            </a:r>
-          </a:p>
-          <a:p>
-            <a:pPr marL="1143000" indent="-1143000" algn="l">
+            <a:endParaRPr lang="en-US" sz="6000" dirty="0" smtClean="0"/>
+          </a:p>
+          <a:p>
+            <a:pPr lvl="1" algn="l">
+              <a:lnSpc>
+                <a:spcPct val="200000"/>
+              </a:lnSpc>
+              <a:buFont typeface="Arial" pitchFamily="34" charset="0"/>
+              <a:buChar char="•"/>
               <a:defRPr sz="2800">
                 <a:solidFill>
                   <a:srgbClr val="253957"/>
@@ -6104,12 +6743,37 @@
               </a:defRPr>
             </a:pPr>
             <a:r>
-              <a:rPr lang="ru-RU" sz="5400" dirty="0" smtClean="0"/>
-              <a:t>3.  Статический анализ</a:t>
-            </a:r>
-          </a:p>
-          <a:p>
-            <a:pPr marL="1143000" indent="-1143000" algn="l">
+              <a:rPr lang="ru-RU" sz="6000" dirty="0" smtClean="0">
+                <a:sym typeface="Arial Narrow"/>
+              </a:rPr>
+              <a:t>   </a:t>
+            </a:r>
+            <a:r>
+              <a:rPr lang="ru-RU" sz="6000" b="1" i="1" dirty="0" smtClean="0">
+                <a:sym typeface="Arial Narrow"/>
+              </a:rPr>
+              <a:t>Разработчик</a:t>
+            </a:r>
+            <a:r>
+              <a:rPr lang="ru-RU" sz="6000" dirty="0" smtClean="0">
+                <a:sym typeface="Arial Narrow"/>
+              </a:rPr>
+              <a:t> (</a:t>
+            </a:r>
+            <a:r>
+              <a:rPr lang="en-US" sz="6000" dirty="0" smtClean="0">
+                <a:sym typeface="Arial Narrow"/>
+              </a:rPr>
+              <a:t>Software Engineer, SWE)</a:t>
+            </a:r>
+          </a:p>
+          <a:p>
+            <a:pPr lvl="1" algn="l">
+              <a:lnSpc>
+                <a:spcPct val="200000"/>
+              </a:lnSpc>
+              <a:buFont typeface="Arial" pitchFamily="34" charset="0"/>
+              <a:buChar char="•"/>
               <a:defRPr sz="2800">
                 <a:solidFill>
                   <a:srgbClr val="253957"/>
@@ -6121,12 +6785,58 @@
               </a:defRPr>
             </a:pPr>
             <a:r>
-              <a:rPr lang="ru-RU" sz="5400" dirty="0" smtClean="0"/>
-              <a:t>4.  Функциональное тестирование</a:t>
-            </a:r>
-          </a:p>
-          <a:p>
-            <a:pPr marL="1143000" lvl="1" indent="-1143000" algn="l">
+              <a:rPr lang="ru-RU" sz="6000" dirty="0" smtClean="0"/>
+              <a:t>   </a:t>
+            </a:r>
+            <a:r>
+              <a:rPr lang="ru-RU" sz="6000" b="1" i="1" dirty="0" smtClean="0"/>
+              <a:t>Разработчик в тестировании </a:t>
+            </a:r>
+            <a:r>
+              <a:rPr lang="ru-RU" sz="6000" dirty="0" smtClean="0"/>
+              <a:t>(</a:t>
+            </a:r>
+            <a:r>
+              <a:rPr lang="ru-RU" sz="6000" dirty="0" err="1" smtClean="0"/>
+              <a:t>Software</a:t>
+            </a:r>
+            <a:r>
+              <a:rPr lang="ru-RU" sz="6000" dirty="0" smtClean="0"/>
+              <a:t> </a:t>
+            </a:r>
+            <a:r>
+              <a:rPr lang="ru-RU" sz="6000" dirty="0" err="1" smtClean="0"/>
+              <a:t>Engineer</a:t>
+            </a:r>
+            <a:r>
+              <a:rPr lang="ru-RU" sz="6000" dirty="0" smtClean="0"/>
+              <a:t> </a:t>
+            </a:r>
+            <a:r>
+              <a:rPr lang="ru-RU" sz="6000" dirty="0" err="1" smtClean="0"/>
+              <a:t>in</a:t>
+            </a:r>
+            <a:r>
+              <a:rPr lang="ru-RU" sz="6000" dirty="0" smtClean="0"/>
+              <a:t> </a:t>
+            </a:r>
+            <a:r>
+              <a:rPr lang="ru-RU" sz="6000" dirty="0" err="1" smtClean="0"/>
+              <a:t>Test</a:t>
+            </a:r>
+            <a:r>
+              <a:rPr lang="ru-RU" sz="6000" dirty="0" smtClean="0"/>
+              <a:t>, SET)</a:t>
+            </a:r>
+            <a:endParaRPr lang="en-US" sz="6000" dirty="0" smtClean="0"/>
+          </a:p>
+          <a:p>
+            <a:pPr lvl="1" algn="l">
+              <a:lnSpc>
+                <a:spcPct val="200000"/>
+              </a:lnSpc>
+              <a:buFont typeface="Arial" pitchFamily="34" charset="0"/>
+              <a:buChar char="•"/>
               <a:defRPr sz="2800">
                 <a:solidFill>
                   <a:srgbClr val="253957"/>
@@ -6138,12 +6848,37 @@
               </a:defRPr>
             </a:pPr>
             <a:r>
-              <a:rPr lang="ru-RU" sz="5400" dirty="0" smtClean="0"/>
-              <a:t>        		4.1.  Ручное</a:t>
-            </a:r>
-          </a:p>
-          <a:p>
-            <a:pPr marL="1143000" indent="-1143000" algn="l">
+              <a:rPr lang="ru-RU" sz="6000" dirty="0" smtClean="0"/>
+              <a:t>   </a:t>
+            </a:r>
+            <a:r>
+              <a:rPr lang="ru-RU" sz="6000" b="1" i="1" dirty="0" smtClean="0"/>
+              <a:t>Инженер по тестированию </a:t>
+            </a:r>
+            <a:r>
+              <a:rPr lang="ru-RU" sz="6000" dirty="0" smtClean="0"/>
+              <a:t>(</a:t>
+            </a:r>
+            <a:r>
+              <a:rPr lang="ru-RU" sz="6000" dirty="0" err="1" smtClean="0"/>
+              <a:t>Test</a:t>
+            </a:r>
+            <a:r>
+              <a:rPr lang="ru-RU" sz="6000" dirty="0" smtClean="0"/>
+              <a:t> </a:t>
+            </a:r>
+            <a:r>
+              <a:rPr lang="ru-RU" sz="6000" dirty="0" err="1" smtClean="0"/>
+              <a:t>Engineer</a:t>
+            </a:r>
+            <a:r>
+              <a:rPr lang="ru-RU" sz="6000" dirty="0" smtClean="0"/>
+              <a:t>, TE)</a:t>
+            </a:r>
+            <a:endParaRPr lang="en-US" sz="6000" dirty="0" smtClean="0"/>
+          </a:p>
+          <a:p>
+            <a:pPr algn="l">
               <a:defRPr sz="2800">
                 <a:solidFill>
                   <a:srgbClr val="253957"/>
@@ -6154,90 +6889,7 @@
                 <a:sym typeface="Arial Narrow"/>
               </a:defRPr>
             </a:pPr>
-            <a:r>
-              <a:rPr lang="ru-RU" sz="5400" dirty="0" smtClean="0"/>
-              <a:t>       		     4.2.  </a:t>
-            </a:r>
-            <a:r>
-              <a:rPr lang="ru-RU" sz="5400" dirty="0" err="1" smtClean="0"/>
-              <a:t>Автоматизированое</a:t>
-            </a:r>
-            <a:endParaRPr lang="ru-RU" sz="5400" dirty="0" smtClean="0"/>
-          </a:p>
-          <a:p>
-            <a:pPr marL="1143000" indent="-1143000" algn="l">
-              <a:defRPr sz="2800">
-                <a:solidFill>
-                  <a:srgbClr val="253957"/>
-                </a:solidFill>
-                <a:latin typeface="+mn-lt"/>
-                <a:ea typeface="+mn-ea"/>
-                <a:cs typeface="+mn-cs"/>
-                <a:sym typeface="Arial Narrow"/>
-              </a:defRPr>
-            </a:pPr>
-            <a:r>
-              <a:rPr lang="ru-RU" sz="5400" dirty="0" smtClean="0"/>
-              <a:t>                             4.2.1.  Модульное</a:t>
-            </a:r>
-          </a:p>
-          <a:p>
-            <a:pPr marL="1143000" indent="-1143000" algn="l">
-              <a:defRPr sz="2800">
-                <a:solidFill>
-                  <a:srgbClr val="253957"/>
-                </a:solidFill>
-                <a:latin typeface="+mn-lt"/>
-                <a:ea typeface="+mn-ea"/>
-                <a:cs typeface="+mn-cs"/>
-                <a:sym typeface="Arial Narrow"/>
-              </a:defRPr>
-            </a:pPr>
-            <a:r>
-              <a:rPr lang="ru-RU" sz="5400" dirty="0" smtClean="0">
-                <a:solidFill>
-                  <a:srgbClr val="253957"/>
-                </a:solidFill>
-                <a:sym typeface="Arial Narrow"/>
-              </a:rPr>
-              <a:t>                             4.2.2.  Интеграционное</a:t>
-            </a:r>
-            <a:endParaRPr lang="ru-RU" sz="5400" dirty="0" smtClean="0"/>
-          </a:p>
-          <a:p>
-            <a:pPr marL="1143000" indent="-1143000" algn="l">
-              <a:defRPr sz="2800">
-                <a:solidFill>
-                  <a:srgbClr val="253957"/>
-                </a:solidFill>
-                <a:latin typeface="+mn-lt"/>
-                <a:ea typeface="+mn-ea"/>
-                <a:cs typeface="+mn-cs"/>
-                <a:sym typeface="Arial Narrow"/>
-              </a:defRPr>
-            </a:pPr>
-            <a:r>
-              <a:rPr lang="ru-RU" sz="5400" dirty="0" smtClean="0"/>
-              <a:t>                             4.2.3.  Системное</a:t>
-            </a:r>
-          </a:p>
-          <a:p>
-            <a:pPr marL="1143000" indent="-1143000" algn="l">
-              <a:defRPr sz="2800">
-                <a:solidFill>
-                  <a:srgbClr val="253957"/>
-                </a:solidFill>
-                <a:latin typeface="+mn-lt"/>
-                <a:ea typeface="+mn-ea"/>
-                <a:cs typeface="+mn-cs"/>
-                <a:sym typeface="Arial Narrow"/>
-              </a:defRPr>
-            </a:pPr>
-            <a:r>
-              <a:rPr lang="ru-RU" sz="5400" dirty="0" smtClean="0"/>
-              <a:t>5. Тестирование производительности / нагрузочное тестирование</a:t>
-            </a:r>
-            <a:endParaRPr sz="5400" dirty="0"/>
+            <a:endParaRPr sz="6000" dirty="0"/>
           </a:p>
         </p:txBody>
       </p:sp>
@@ -6260,7 +6912,7 @@
           </a:ln>
           <a:extLst>
             <a:ext uri="{C572A759-6A51-4108-AA02-DFA0A04FC94B}">
-              <ma14:wrappingTextBoxFlag xmlns:ma14="http://schemas.microsoft.com/office/mac/drawingml/2011/main" xmlns:a14="http://schemas.microsoft.com/office/drawing/2010/main" xmlns:m="http://schemas.openxmlformats.org/officeDocument/2006/math" xmlns="" val="1"/>
+              <ma14:wrappingTextBoxFlag xmlns="" xmlns:m="http://schemas.openxmlformats.org/officeDocument/2006/math" xmlns:a14="http://schemas.microsoft.com/office/drawing/2010/main" xmlns:ma14="http://schemas.microsoft.com/office/mac/drawingml/2011/main" val="1"/>
             </a:ext>
           </a:extLst>
         </p:spPr>
@@ -6392,8 +7044,8 @@
         </p:nvSpPr>
         <p:spPr>
           <a:xfrm>
-            <a:off x="1209449" y="2972787"/>
-            <a:ext cx="16073440" cy="1580958"/>
+            <a:off x="1209448" y="2972787"/>
+            <a:ext cx="21423711" cy="1580958"/>
           </a:xfrm>
           <a:prstGeom prst="rect">
             <a:avLst/>
@@ -6403,7 +7055,7 @@
           </a:ln>
           <a:extLst>
             <a:ext uri="{C572A759-6A51-4108-AA02-DFA0A04FC94B}">
-              <ma14:wrappingTextBoxFlag xmlns:ma14="http://schemas.microsoft.com/office/mac/drawingml/2011/main" xmlns:a14="http://schemas.microsoft.com/office/drawing/2010/main" xmlns:m="http://schemas.openxmlformats.org/officeDocument/2006/math" xmlns="" val="1"/>
+              <ma14:wrappingTextBoxFlag xmlns="" xmlns:m="http://schemas.openxmlformats.org/officeDocument/2006/math" xmlns:a14="http://schemas.microsoft.com/office/drawing/2010/main" xmlns:ma14="http://schemas.microsoft.com/office/mac/drawingml/2011/main" val="1"/>
             </a:ext>
           </a:extLst>
         </p:spPr>
@@ -6424,7 +7076,7 @@
             </a:pPr>
             <a:r>
               <a:rPr lang="ru-RU" dirty="0" smtClean="0"/>
-              <a:t>РАБОТА С требованиями</a:t>
+              <a:t>МЕТОДЫ обеспечения качества и тестирования</a:t>
             </a:r>
             <a:endParaRPr dirty="0"/>
           </a:p>
@@ -6438,8 +7090,8 @@
         </p:nvSpPr>
         <p:spPr>
           <a:xfrm>
-            <a:off x="1201065" y="4409728"/>
-            <a:ext cx="21506374" cy="8352928"/>
+            <a:off x="1201065" y="4504768"/>
+            <a:ext cx="21506374" cy="8401904"/>
           </a:xfrm>
           <a:prstGeom prst="rect">
             <a:avLst/>
@@ -6449,7 +7101,7 @@
           </a:ln>
           <a:extLst>
             <a:ext uri="{C572A759-6A51-4108-AA02-DFA0A04FC94B}">
-              <ma14:wrappingTextBoxFlag xmlns:ma14="http://schemas.microsoft.com/office/mac/drawingml/2011/main" xmlns:a14="http://schemas.microsoft.com/office/drawing/2010/main" xmlns:m="http://schemas.openxmlformats.org/officeDocument/2006/math" xmlns="" val="1"/>
+              <ma14:wrappingTextBoxFlag xmlns="" xmlns:m="http://schemas.openxmlformats.org/officeDocument/2006/math" xmlns:a14="http://schemas.microsoft.com/office/drawing/2010/main" xmlns:ma14="http://schemas.microsoft.com/office/mac/drawingml/2011/main" val="1"/>
             </a:ext>
           </a:extLst>
         </p:spPr>
@@ -6457,7 +7109,7 @@
           <a:bodyPr lIns="71437" tIns="71437" rIns="71437" bIns="71437"/>
           <a:lstStyle/>
           <a:p>
-            <a:pPr algn="l">
+            <a:pPr marL="1143000" indent="-1143000" algn="l">
               <a:defRPr sz="2800">
                 <a:solidFill>
                   <a:srgbClr val="253957"/>
@@ -6468,12 +7120,17 @@
                 <a:sym typeface="Arial Narrow"/>
               </a:defRPr>
             </a:pPr>
-            <a:endParaRPr lang="ru-RU" sz="6000" dirty="0" smtClean="0"/>
+            <a:r>
+              <a:rPr lang="ru-RU" sz="5400" dirty="0" smtClean="0">
+                <a:solidFill>
+                  <a:srgbClr val="002060"/>
+                </a:solidFill>
+              </a:rPr>
+              <a:t>1.  Анализ требований</a:t>
+            </a:r>
           </a:p>
           <a:p>
             <a:pPr marL="1143000" indent="-1143000" algn="l">
-              <a:buFont typeface="+mj-lt"/>
-              <a:buAutoNum type="arabicPeriod"/>
               <a:defRPr sz="2800">
                 <a:solidFill>
                   <a:srgbClr val="253957"/>
@@ -6485,14 +7142,29 @@
               </a:defRPr>
             </a:pPr>
             <a:r>
-              <a:rPr lang="ru-RU" sz="6000" dirty="0" smtClean="0"/>
-              <a:t>Спецификация требований</a:t>
-            </a:r>
+              <a:rPr lang="ru-RU" sz="5400" dirty="0" smtClean="0">
+                <a:solidFill>
+                  <a:srgbClr val="002060"/>
+                </a:solidFill>
+              </a:rPr>
+              <a:t>2.  Инспекции </a:t>
+            </a:r>
+            <a:r>
+              <a:rPr lang="ru-RU" sz="5400" dirty="0" smtClean="0">
+                <a:solidFill>
+                  <a:srgbClr val="002060"/>
+                </a:solidFill>
+              </a:rPr>
+              <a:t>кода </a:t>
+            </a:r>
+            <a:endParaRPr lang="ru-RU" sz="5400" dirty="0" smtClean="0">
+              <a:solidFill>
+                <a:srgbClr val="002060"/>
+              </a:solidFill>
+            </a:endParaRPr>
           </a:p>
           <a:p>
             <a:pPr marL="1143000" indent="-1143000" algn="l">
-              <a:buFont typeface="+mj-lt"/>
-              <a:buAutoNum type="arabicPeriod"/>
               <a:defRPr sz="2800">
                 <a:solidFill>
                   <a:srgbClr val="253957"/>
@@ -6504,14 +7176,24 @@
               </a:defRPr>
             </a:pPr>
             <a:r>
-              <a:rPr lang="ru-RU" sz="6000" dirty="0" smtClean="0"/>
-              <a:t>Цель проекта</a:t>
+              <a:rPr lang="ru-RU" sz="5400" dirty="0" smtClean="0">
+                <a:solidFill>
+                  <a:srgbClr val="002060"/>
+                </a:solidFill>
+              </a:rPr>
+              <a:t>3.  </a:t>
+            </a:r>
+            <a:r>
+              <a:rPr lang="ru-RU" sz="5400" dirty="0" smtClean="0">
+                <a:solidFill>
+                  <a:srgbClr val="002060"/>
+                </a:solidFill>
+              </a:rPr>
+              <a:t>Статический анализ</a:t>
             </a:r>
           </a:p>
           <a:p>
             <a:pPr marL="1143000" indent="-1143000" algn="l">
-              <a:buFont typeface="+mj-lt"/>
-              <a:buAutoNum type="arabicPeriod"/>
               <a:defRPr sz="2800">
                 <a:solidFill>
                   <a:srgbClr val="253957"/>
@@ -6523,14 +7205,45 @@
               </a:defRPr>
             </a:pPr>
             <a:r>
-              <a:rPr lang="ru-RU" sz="6000" dirty="0" smtClean="0"/>
-              <a:t>Архитектура</a:t>
+              <a:rPr lang="ru-RU" sz="5400" dirty="0" smtClean="0">
+                <a:solidFill>
+                  <a:srgbClr val="002060"/>
+                </a:solidFill>
+              </a:rPr>
+              <a:t>4.  Функциональное тестирование</a:t>
+            </a:r>
+          </a:p>
+          <a:p>
+            <a:pPr marL="1143000" lvl="1" indent="-1143000" algn="l">
+              <a:defRPr sz="2800">
+                <a:solidFill>
+                  <a:srgbClr val="253957"/>
+                </a:solidFill>
+                <a:latin typeface="+mn-lt"/>
+                <a:ea typeface="+mn-ea"/>
+                <a:cs typeface="+mn-cs"/>
+                <a:sym typeface="Arial Narrow"/>
+              </a:defRPr>
+            </a:pPr>
+            <a:r>
+              <a:rPr lang="ru-RU" sz="5400" dirty="0" smtClean="0">
+                <a:solidFill>
+                  <a:srgbClr val="002060"/>
+                </a:solidFill>
+              </a:rPr>
+              <a:t>        </a:t>
+            </a:r>
+            <a:r>
+              <a:rPr lang="ru-RU" sz="5400" dirty="0" smtClean="0">
+                <a:solidFill>
+                  <a:srgbClr val="002060"/>
+                </a:solidFill>
+              </a:rPr>
+              <a:t>		4.1.  Ручное</a:t>
             </a:r>
           </a:p>
           <a:p>
             <a:pPr marL="1143000" indent="-1143000" algn="l">
-              <a:buFont typeface="+mj-lt"/>
-              <a:buAutoNum type="arabicPeriod"/>
               <a:defRPr sz="2800">
                 <a:solidFill>
                   <a:srgbClr val="253957"/>
@@ -6542,14 +7255,45 @@
               </a:defRPr>
             </a:pPr>
             <a:r>
-              <a:rPr lang="ru-RU" sz="6000" dirty="0" smtClean="0"/>
-              <a:t>Функциональные и нефункциональные требования</a:t>
-            </a:r>
+              <a:rPr lang="ru-RU" sz="5400" dirty="0" smtClean="0">
+                <a:solidFill>
+                  <a:srgbClr val="002060"/>
+                </a:solidFill>
+              </a:rPr>
+              <a:t>       		     4.2.  </a:t>
+            </a:r>
+            <a:r>
+              <a:rPr lang="ru-RU" sz="5400" dirty="0" smtClean="0">
+                <a:solidFill>
+                  <a:srgbClr val="002060"/>
+                </a:solidFill>
+              </a:rPr>
+              <a:t>Автоматизирова</a:t>
+            </a:r>
+            <a:r>
+              <a:rPr lang="ru-RU" sz="5400" dirty="0" smtClean="0">
+                <a:solidFill>
+                  <a:srgbClr val="002060"/>
+                </a:solidFill>
+              </a:rPr>
+              <a:t>н</a:t>
+            </a:r>
+            <a:r>
+              <a:rPr lang="ru-RU" sz="5400" dirty="0" smtClean="0">
+                <a:solidFill>
+                  <a:srgbClr val="002060"/>
+                </a:solidFill>
+              </a:rPr>
+              <a:t>ное</a:t>
+            </a:r>
+            <a:endParaRPr lang="ru-RU" sz="5400" dirty="0" smtClean="0">
+              <a:solidFill>
+                <a:srgbClr val="002060"/>
+              </a:solidFill>
+            </a:endParaRPr>
           </a:p>
           <a:p>
             <a:pPr marL="1143000" indent="-1143000" algn="l">
-              <a:buFont typeface="+mj-lt"/>
-              <a:buAutoNum type="arabicPeriod"/>
               <a:defRPr sz="2800">
                 <a:solidFill>
                   <a:srgbClr val="253957"/>
@@ -6561,12 +7305,16 @@
               </a:defRPr>
             </a:pPr>
             <a:r>
-              <a:rPr lang="ru-RU" sz="6000" dirty="0" smtClean="0"/>
-              <a:t>Неполнота / противоречивость</a:t>
-            </a:r>
-          </a:p>
-          <a:p>
-            <a:pPr algn="l">
+              <a:rPr lang="ru-RU" sz="5400" dirty="0" smtClean="0">
+                <a:solidFill>
+                  <a:srgbClr val="002060"/>
+                </a:solidFill>
+              </a:rPr>
+              <a:t>                             4.2.1.  Модульное</a:t>
+            </a:r>
+          </a:p>
+          <a:p>
+            <a:pPr marL="1143000" indent="-1143000" algn="l">
               <a:defRPr sz="2800">
                 <a:solidFill>
                   <a:srgbClr val="253957"/>
@@ -6577,7 +7325,67 @@
                 <a:sym typeface="Arial Narrow"/>
               </a:defRPr>
             </a:pPr>
-            <a:endParaRPr sz="6000" dirty="0"/>
+            <a:r>
+              <a:rPr lang="ru-RU" sz="5400" dirty="0" smtClean="0">
+                <a:solidFill>
+                  <a:srgbClr val="002060"/>
+                </a:solidFill>
+                <a:sym typeface="Arial Narrow"/>
+              </a:rPr>
+              <a:t>                             4.2.2.  Интеграционное</a:t>
+            </a:r>
+            <a:endParaRPr lang="ru-RU" sz="5400" dirty="0" smtClean="0">
+              <a:solidFill>
+                <a:srgbClr val="002060"/>
+              </a:solidFill>
+            </a:endParaRPr>
+          </a:p>
+          <a:p>
+            <a:pPr marL="1143000" indent="-1143000" algn="l">
+              <a:defRPr sz="2800">
+                <a:solidFill>
+                  <a:srgbClr val="253957"/>
+                </a:solidFill>
+                <a:latin typeface="+mn-lt"/>
+                <a:ea typeface="+mn-ea"/>
+                <a:cs typeface="+mn-cs"/>
+                <a:sym typeface="Arial Narrow"/>
+              </a:defRPr>
+            </a:pPr>
+            <a:r>
+              <a:rPr lang="ru-RU" sz="5400" dirty="0" smtClean="0">
+                <a:solidFill>
+                  <a:srgbClr val="002060"/>
+                </a:solidFill>
+              </a:rPr>
+              <a:t>                             4.2.3.  Системное</a:t>
+            </a:r>
+          </a:p>
+          <a:p>
+            <a:pPr marL="1143000" indent="-1143000" algn="l">
+              <a:defRPr sz="2800">
+                <a:solidFill>
+                  <a:srgbClr val="253957"/>
+                </a:solidFill>
+                <a:latin typeface="+mn-lt"/>
+                <a:ea typeface="+mn-ea"/>
+                <a:cs typeface="+mn-cs"/>
+                <a:sym typeface="Arial Narrow"/>
+              </a:defRPr>
+            </a:pPr>
+            <a:r>
+              <a:rPr lang="ru-RU" sz="5400" dirty="0" smtClean="0">
+                <a:solidFill>
+                  <a:srgbClr val="002060"/>
+                </a:solidFill>
+              </a:rPr>
+              <a:t>5. Тестирование производительности / нагрузочное тестирование</a:t>
+            </a:r>
+            <a:endParaRPr sz="5400" dirty="0">
+              <a:solidFill>
+                <a:srgbClr val="002060"/>
+              </a:solidFill>
+            </a:endParaRPr>
           </a:p>
         </p:txBody>
       </p:sp>
@@ -6600,7 +7408,7 @@
           </a:ln>
           <a:extLst>
             <a:ext uri="{C572A759-6A51-4108-AA02-DFA0A04FC94B}">
-              <ma14:wrappingTextBoxFlag xmlns:ma14="http://schemas.microsoft.com/office/mac/drawingml/2011/main" xmlns:a14="http://schemas.microsoft.com/office/drawing/2010/main" xmlns:m="http://schemas.openxmlformats.org/officeDocument/2006/math" xmlns="" val="1"/>
+              <ma14:wrappingTextBoxFlag xmlns="" xmlns:m="http://schemas.openxmlformats.org/officeDocument/2006/math" xmlns:a14="http://schemas.microsoft.com/office/drawing/2010/main" xmlns:ma14="http://schemas.microsoft.com/office/mac/drawingml/2011/main" val="1"/>
             </a:ext>
           </a:extLst>
         </p:spPr>
@@ -6732,8 +7540,8 @@
         </p:nvSpPr>
         <p:spPr>
           <a:xfrm>
-            <a:off x="1209448" y="2972786"/>
-            <a:ext cx="21567727" cy="2313227"/>
+            <a:off x="1209449" y="2972787"/>
+            <a:ext cx="16073440" cy="1580958"/>
           </a:xfrm>
           <a:prstGeom prst="rect">
             <a:avLst/>
@@ -6743,7 +7551,7 @@
           </a:ln>
           <a:extLst>
             <a:ext uri="{C572A759-6A51-4108-AA02-DFA0A04FC94B}">
-              <ma14:wrappingTextBoxFlag xmlns:ma14="http://schemas.microsoft.com/office/mac/drawingml/2011/main" xmlns:a14="http://schemas.microsoft.com/office/drawing/2010/main" xmlns:m="http://schemas.openxmlformats.org/officeDocument/2006/math" xmlns="" val="1"/>
+              <ma14:wrappingTextBoxFlag xmlns="" xmlns:m="http://schemas.openxmlformats.org/officeDocument/2006/math" xmlns:a14="http://schemas.microsoft.com/office/drawing/2010/main" xmlns:ma14="http://schemas.microsoft.com/office/mac/drawingml/2011/main" val="1"/>
             </a:ext>
           </a:extLst>
         </p:spPr>
@@ -6751,7 +7559,7 @@
           <a:bodyPr lIns="71437" tIns="71437" rIns="71437" bIns="71437"/>
           <a:lstStyle/>
           <a:p>
-            <a:pPr>
+            <a:pPr algn="l">
               <a:defRPr sz="7000" b="1" cap="all">
                 <a:solidFill>
                   <a:srgbClr val="253957"/>
@@ -6764,7 +7572,7 @@
             </a:pPr>
             <a:r>
               <a:rPr lang="ru-RU" dirty="0" smtClean="0"/>
-              <a:t>литература</a:t>
+              <a:t>РАБОТА С требованиями</a:t>
             </a:r>
             <a:endParaRPr dirty="0"/>
           </a:p>
@@ -6778,8 +7586,8 @@
         </p:nvSpPr>
         <p:spPr>
           <a:xfrm>
-            <a:off x="1201065" y="5777880"/>
-            <a:ext cx="21506374" cy="6745720"/>
+            <a:off x="1201065" y="4409728"/>
+            <a:ext cx="21506374" cy="8352928"/>
           </a:xfrm>
           <a:prstGeom prst="rect">
             <a:avLst/>
@@ -6789,7 +7597,7 @@
           </a:ln>
           <a:extLst>
             <a:ext uri="{C572A759-6A51-4108-AA02-DFA0A04FC94B}">
-              <ma14:wrappingTextBoxFlag xmlns:ma14="http://schemas.microsoft.com/office/mac/drawingml/2011/main" xmlns:a14="http://schemas.microsoft.com/office/drawing/2010/main" xmlns:m="http://schemas.openxmlformats.org/officeDocument/2006/math" xmlns="" val="1"/>
+              <ma14:wrappingTextBoxFlag xmlns="" xmlns:m="http://schemas.openxmlformats.org/officeDocument/2006/math" xmlns:a14="http://schemas.microsoft.com/office/drawing/2010/main" xmlns:ma14="http://schemas.microsoft.com/office/mac/drawingml/2011/main" val="1"/>
             </a:ext>
           </a:extLst>
         </p:spPr>
@@ -6797,7 +7605,21 @@
           <a:bodyPr lIns="71437" tIns="71437" rIns="71437" bIns="71437"/>
           <a:lstStyle/>
           <a:p>
-            <a:pPr marL="514350" indent="-514350" algn="l">
+            <a:pPr algn="l">
+              <a:defRPr sz="2800">
+                <a:solidFill>
+                  <a:srgbClr val="253957"/>
+                </a:solidFill>
+                <a:latin typeface="+mn-lt"/>
+                <a:ea typeface="+mn-ea"/>
+                <a:cs typeface="+mn-cs"/>
+                <a:sym typeface="Arial Narrow"/>
+              </a:defRPr>
+            </a:pPr>
+            <a:endParaRPr lang="ru-RU" sz="6000" dirty="0" smtClean="0"/>
+          </a:p>
+          <a:p>
+            <a:pPr marL="1143000" indent="-1143000" algn="l">
               <a:buFont typeface="+mj-lt"/>
               <a:buAutoNum type="arabicPeriod"/>
               <a:defRPr sz="2800">
@@ -6812,27 +7634,11 @@
             </a:pPr>
             <a:r>
               <a:rPr lang="ru-RU" sz="6000" dirty="0" smtClean="0"/>
-              <a:t>	Джеймс </a:t>
-            </a:r>
-            <a:r>
-              <a:rPr lang="ru-RU" sz="6000" dirty="0" err="1" smtClean="0"/>
-              <a:t>Уиттакер</a:t>
-            </a:r>
-            <a:r>
-              <a:rPr lang="ru-RU" sz="6000" dirty="0" smtClean="0"/>
-              <a:t> – «Как тестируют в </a:t>
-            </a:r>
-            <a:r>
-              <a:rPr lang="ru-RU" sz="6000" dirty="0" err="1" smtClean="0"/>
-              <a:t>Google</a:t>
-            </a:r>
-            <a:r>
-              <a:rPr lang="ru-RU" sz="6000" dirty="0" smtClean="0"/>
-              <a:t>»</a:t>
-            </a:r>
-          </a:p>
-          <a:p>
-            <a:pPr marL="514350" indent="-514350" algn="l">
+              <a:t>Спецификация требований</a:t>
+            </a:r>
+          </a:p>
+          <a:p>
+            <a:pPr marL="1143000" indent="-1143000" algn="l">
               <a:buFont typeface="+mj-lt"/>
               <a:buAutoNum type="arabicPeriod"/>
               <a:defRPr sz="2800">
@@ -6847,19 +7653,11 @@
             </a:pPr>
             <a:r>
               <a:rPr lang="ru-RU" sz="6000" dirty="0" smtClean="0"/>
-              <a:t>	Стив </a:t>
-            </a:r>
-            <a:r>
-              <a:rPr lang="ru-RU" sz="6000" dirty="0" err="1" smtClean="0"/>
-              <a:t>Макконнелл</a:t>
-            </a:r>
-            <a:r>
-              <a:rPr lang="ru-RU" sz="6000" dirty="0" smtClean="0"/>
-              <a:t> – «Совершенный код»</a:t>
-            </a:r>
-          </a:p>
-          <a:p>
-            <a:pPr marL="514350" indent="-514350" algn="l">
+              <a:t>Цель проекта</a:t>
+            </a:r>
+          </a:p>
+          <a:p>
+            <a:pPr marL="1143000" indent="-1143000" algn="l">
               <a:buFont typeface="+mj-lt"/>
               <a:buAutoNum type="arabicPeriod"/>
               <a:defRPr sz="2800">
@@ -6874,19 +7672,11 @@
             </a:pPr>
             <a:r>
               <a:rPr lang="ru-RU" sz="6000" dirty="0" smtClean="0"/>
-              <a:t>	Борис </a:t>
-            </a:r>
-            <a:r>
-              <a:rPr lang="ru-RU" sz="6000" dirty="0" err="1" smtClean="0"/>
-              <a:t>Бейзер</a:t>
-            </a:r>
-            <a:r>
-              <a:rPr lang="ru-RU" sz="6000" dirty="0" smtClean="0"/>
-              <a:t> – «Тестирование черного ящика. Технологии функционального тестирования программного обеспечения и систем»</a:t>
-            </a:r>
-          </a:p>
-          <a:p>
-            <a:pPr marL="514350" indent="-514350" algn="l">
+              <a:t>Архитектура</a:t>
+            </a:r>
+          </a:p>
+          <a:p>
+            <a:pPr marL="1143000" indent="-1143000" algn="l">
               <a:buFont typeface="+mj-lt"/>
               <a:buAutoNum type="arabicPeriod"/>
               <a:defRPr sz="2800">
@@ -6901,23 +7691,26 @@
             </a:pPr>
             <a:r>
               <a:rPr lang="ru-RU" sz="6000" dirty="0" smtClean="0"/>
-              <a:t>	</a:t>
-            </a:r>
-            <a:r>
-              <a:rPr lang="ru-RU" sz="6000" dirty="0" err="1" smtClean="0"/>
-              <a:t>Иан</a:t>
-            </a:r>
+              <a:t>Функциональные и нефункциональные требования</a:t>
+            </a:r>
+          </a:p>
+          <a:p>
+            <a:pPr marL="1143000" indent="-1143000" algn="l">
+              <a:buFont typeface="+mj-lt"/>
+              <a:buAutoNum type="arabicPeriod"/>
+              <a:defRPr sz="2800">
+                <a:solidFill>
+                  <a:srgbClr val="253957"/>
+                </a:solidFill>
+                <a:latin typeface="+mn-lt"/>
+                <a:ea typeface="+mn-ea"/>
+                <a:cs typeface="+mn-cs"/>
+                <a:sym typeface="Arial Narrow"/>
+              </a:defRPr>
+            </a:pPr>
             <a:r>
               <a:rPr lang="ru-RU" sz="6000" dirty="0" smtClean="0"/>
-              <a:t> </a:t>
-            </a:r>
-            <a:r>
-              <a:rPr lang="ru-RU" sz="6000" dirty="0" err="1" smtClean="0"/>
-              <a:t>Соммервилл</a:t>
-            </a:r>
-            <a:r>
-              <a:rPr lang="ru-RU" sz="6000" dirty="0" smtClean="0"/>
-              <a:t> – «Инженерия программного обеспечения»</a:t>
+              <a:t>Неполнота / противоречивость</a:t>
             </a:r>
           </a:p>
           <a:p>
@@ -6932,7 +7725,7 @@
                 <a:sym typeface="Arial Narrow"/>
               </a:defRPr>
             </a:pPr>
-            <a:endParaRPr lang="ru-RU" dirty="0"/>
+            <a:endParaRPr sz="6000" dirty="0"/>
           </a:p>
         </p:txBody>
       </p:sp>
@@ -6955,7 +7748,7 @@
           </a:ln>
           <a:extLst>
             <a:ext uri="{C572A759-6A51-4108-AA02-DFA0A04FC94B}">
-              <ma14:wrappingTextBoxFlag xmlns:ma14="http://schemas.microsoft.com/office/mac/drawingml/2011/main" xmlns:a14="http://schemas.microsoft.com/office/drawing/2010/main" xmlns:m="http://schemas.openxmlformats.org/officeDocument/2006/math" xmlns="" val="1"/>
+              <ma14:wrappingTextBoxFlag xmlns="" xmlns:m="http://schemas.openxmlformats.org/officeDocument/2006/math" xmlns:a14="http://schemas.microsoft.com/office/drawing/2010/main" xmlns:ma14="http://schemas.microsoft.com/office/mac/drawingml/2011/main" val="1"/>
             </a:ext>
           </a:extLst>
         </p:spPr>

--- a/seminars/seminar01/Seminar01.pptx
+++ b/seminars/seminar01/Seminar01.pptx
@@ -5,7 +5,7 @@
     <p:sldMasterId id="2147483648" r:id="rId1"/>
   </p:sldMasterIdLst>
   <p:notesMasterIdLst>
-    <p:notesMasterId r:id="rId13"/>
+    <p:notesMasterId r:id="rId14"/>
   </p:notesMasterIdLst>
   <p:sldIdLst>
     <p:sldId id="256" r:id="rId2"/>
@@ -14,11 +14,12 @@
     <p:sldId id="268" r:id="rId5"/>
     <p:sldId id="269" r:id="rId6"/>
     <p:sldId id="271" r:id="rId7"/>
-    <p:sldId id="270" r:id="rId8"/>
-    <p:sldId id="267" r:id="rId9"/>
-    <p:sldId id="266" r:id="rId10"/>
-    <p:sldId id="264" r:id="rId11"/>
-    <p:sldId id="263" r:id="rId12"/>
+    <p:sldId id="267" r:id="rId8"/>
+    <p:sldId id="270" r:id="rId9"/>
+    <p:sldId id="272" r:id="rId10"/>
+    <p:sldId id="266" r:id="rId11"/>
+    <p:sldId id="264" r:id="rId12"/>
+    <p:sldId id="263" r:id="rId13"/>
   </p:sldIdLst>
   <p:sldSz cx="24384000" cy="13716000"/>
   <p:notesSz cx="6858000" cy="9144000"/>
@@ -3455,8 +3456,8 @@
         </p:nvSpPr>
         <p:spPr>
           <a:xfrm>
-            <a:off x="1209448" y="2537520"/>
-            <a:ext cx="21567727" cy="2313227"/>
+            <a:off x="1209449" y="2972787"/>
+            <a:ext cx="16073440" cy="1580958"/>
           </a:xfrm>
           <a:prstGeom prst="rect">
             <a:avLst/>
@@ -3474,7 +3475,7 @@
           <a:bodyPr lIns="71437" tIns="71437" rIns="71437" bIns="71437"/>
           <a:lstStyle/>
           <a:p>
-            <a:pPr>
+            <a:pPr algn="l">
               <a:defRPr sz="7000" b="1" cap="all">
                 <a:solidFill>
                   <a:srgbClr val="253957"/>
@@ -3487,7 +3488,7 @@
             </a:pPr>
             <a:r>
               <a:rPr lang="ru-RU" dirty="0" smtClean="0"/>
-              <a:t>литература</a:t>
+              <a:t>РАБОТА С требованиями</a:t>
             </a:r>
             <a:endParaRPr dirty="0"/>
           </a:p>
@@ -3501,8 +3502,8 @@
         </p:nvSpPr>
         <p:spPr>
           <a:xfrm>
-            <a:off x="1201065" y="3977680"/>
-            <a:ext cx="21506374" cy="8712968"/>
+            <a:off x="1201065" y="4409728"/>
+            <a:ext cx="21506374" cy="8352928"/>
           </a:xfrm>
           <a:prstGeom prst="rect">
             <a:avLst/>
@@ -3520,10 +3521,24 @@
           <a:bodyPr lIns="71437" tIns="71437" rIns="71437" bIns="71437"/>
           <a:lstStyle/>
           <a:p>
+            <a:pPr algn="l">
+              <a:defRPr sz="2800">
+                <a:solidFill>
+                  <a:srgbClr val="253957"/>
+                </a:solidFill>
+                <a:latin typeface="+mn-lt"/>
+                <a:ea typeface="+mn-ea"/>
+                <a:cs typeface="+mn-cs"/>
+                <a:sym typeface="Arial Narrow"/>
+              </a:defRPr>
+            </a:pPr>
+            <a:endParaRPr lang="ru-RU" sz="6000" dirty="0" smtClean="0"/>
+          </a:p>
+          <a:p>
             <a:pPr marL="1143000" indent="-1143000" algn="l">
-              <a:spcAft>
-                <a:spcPts val="600"/>
-              </a:spcAft>
+              <a:lnSpc>
+                <a:spcPct val="150000"/>
+              </a:lnSpc>
               <a:buFont typeface="+mj-lt"/>
               <a:buAutoNum type="arabicPeriod"/>
               <a:defRPr sz="2800">
@@ -3538,34 +3553,14 @@
             </a:pPr>
             <a:r>
               <a:rPr lang="ru-RU" sz="6000" dirty="0" smtClean="0"/>
-              <a:t>Роман </a:t>
-            </a:r>
-            <a:r>
-              <a:rPr lang="ru-RU" sz="6000" dirty="0" smtClean="0"/>
-              <a:t>Савин – «Тестирование Дот Ком, или Пособие по жестокому обращению с </a:t>
-            </a:r>
-            <a:r>
-              <a:rPr lang="ru-RU" sz="6000" dirty="0" err="1" smtClean="0"/>
-              <a:t>багами</a:t>
-            </a:r>
-            <a:r>
-              <a:rPr lang="ru-RU" sz="6000" dirty="0" smtClean="0"/>
-              <a:t> в </a:t>
-            </a:r>
-            <a:r>
-              <a:rPr lang="ru-RU" sz="6000" dirty="0" err="1" smtClean="0"/>
-              <a:t>интернет-стартапах</a:t>
-            </a:r>
-            <a:r>
-              <a:rPr lang="ru-RU" sz="6000" dirty="0" smtClean="0"/>
-              <a:t>»</a:t>
+              <a:t>Спецификация требований</a:t>
             </a:r>
           </a:p>
           <a:p>
             <a:pPr marL="1143000" indent="-1143000" algn="l">
-              <a:spcAft>
-                <a:spcPts val="600"/>
-              </a:spcAft>
+              <a:lnSpc>
+                <a:spcPct val="150000"/>
+              </a:lnSpc>
               <a:buFont typeface="+mj-lt"/>
               <a:buAutoNum type="arabicPeriod"/>
               <a:defRPr sz="2800">
@@ -3579,36 +3574,15 @@
               </a:defRPr>
             </a:pPr>
             <a:r>
-              <a:rPr lang="ru-RU" sz="6000" dirty="0" smtClean="0">
-                <a:solidFill>
-                  <a:srgbClr val="253957"/>
-                </a:solidFill>
-                <a:sym typeface="Arial Narrow"/>
-              </a:rPr>
-              <a:t>Сэм </a:t>
-            </a:r>
-            <a:r>
-              <a:rPr lang="ru-RU" sz="6000" dirty="0" err="1" smtClean="0"/>
-              <a:t>Канер</a:t>
-            </a:r>
-            <a:r>
               <a:rPr lang="ru-RU" sz="6000" dirty="0" smtClean="0"/>
-              <a:t> – </a:t>
-            </a:r>
-            <a:r>
-              <a:rPr lang="ru-RU" sz="6000" dirty="0" smtClean="0"/>
-              <a:t>«Тестирование программного обеспечения» </a:t>
-            </a:r>
-            <a:r>
-              <a:rPr lang="ru-RU" sz="6000" dirty="0" smtClean="0"/>
-              <a:t>	</a:t>
+              <a:t>Цель проекта</a:t>
             </a:r>
           </a:p>
           <a:p>
             <a:pPr marL="1143000" indent="-1143000" algn="l">
-              <a:spcAft>
-                <a:spcPts val="600"/>
-              </a:spcAft>
+              <a:lnSpc>
+                <a:spcPct val="150000"/>
+              </a:lnSpc>
               <a:buFont typeface="+mj-lt"/>
               <a:buAutoNum type="arabicPeriod"/>
               <a:defRPr sz="2800">
@@ -3623,30 +3597,14 @@
             </a:pPr>
             <a:r>
               <a:rPr lang="ru-RU" sz="6000" dirty="0" smtClean="0"/>
-              <a:t>Джеймс </a:t>
-            </a:r>
-            <a:r>
-              <a:rPr lang="ru-RU" sz="6000" dirty="0" err="1" smtClean="0"/>
-              <a:t>Уиттакер</a:t>
-            </a:r>
-            <a:r>
-              <a:rPr lang="ru-RU" sz="6000" dirty="0" smtClean="0"/>
-              <a:t> – «Как тестируют в </a:t>
-            </a:r>
-            <a:r>
-              <a:rPr lang="ru-RU" sz="6000" dirty="0" err="1" smtClean="0"/>
-              <a:t>Google</a:t>
-            </a:r>
-            <a:r>
-              <a:rPr lang="ru-RU" sz="6000" dirty="0" smtClean="0"/>
-              <a:t>»</a:t>
+              <a:t>Архитектура</a:t>
             </a:r>
           </a:p>
           <a:p>
             <a:pPr marL="1143000" indent="-1143000" algn="l">
-              <a:spcAft>
-                <a:spcPts val="600"/>
-              </a:spcAft>
+              <a:lnSpc>
+                <a:spcPct val="150000"/>
+              </a:lnSpc>
               <a:buFont typeface="+mj-lt"/>
               <a:buAutoNum type="arabicPeriod"/>
               <a:defRPr sz="2800">
@@ -3661,22 +3619,14 @@
             </a:pPr>
             <a:r>
               <a:rPr lang="ru-RU" sz="6000" dirty="0" smtClean="0"/>
-              <a:t>Стив </a:t>
-            </a:r>
-            <a:r>
-              <a:rPr lang="ru-RU" sz="6000" dirty="0" err="1" smtClean="0"/>
-              <a:t>Макконнелл</a:t>
-            </a:r>
-            <a:r>
-              <a:rPr lang="ru-RU" sz="6000" dirty="0" smtClean="0"/>
-              <a:t> – «Совершенный код»</a:t>
+              <a:t>Функциональные и нефункциональные требования</a:t>
             </a:r>
           </a:p>
           <a:p>
             <a:pPr marL="1143000" indent="-1143000" algn="l">
-              <a:spcAft>
-                <a:spcPts val="600"/>
-              </a:spcAft>
+              <a:lnSpc>
+                <a:spcPct val="150000"/>
+              </a:lnSpc>
               <a:buFont typeface="+mj-lt"/>
               <a:buAutoNum type="arabicPeriod"/>
               <a:defRPr sz="2800">
@@ -3691,49 +3641,7 @@
             </a:pPr>
             <a:r>
               <a:rPr lang="ru-RU" sz="6000" dirty="0" smtClean="0"/>
-              <a:t>Борис </a:t>
-            </a:r>
-            <a:r>
-              <a:rPr lang="ru-RU" sz="6000" dirty="0" err="1" smtClean="0"/>
-              <a:t>Бейзер</a:t>
-            </a:r>
-            <a:r>
-              <a:rPr lang="ru-RU" sz="6000" dirty="0" smtClean="0"/>
-              <a:t> – «Тестирование черного ящика. Технологии функционального тестирования программного обеспечения и систем»</a:t>
-            </a:r>
-          </a:p>
-          <a:p>
-            <a:pPr marL="1143000" indent="-1143000" algn="l">
-              <a:spcAft>
-                <a:spcPts val="600"/>
-              </a:spcAft>
-              <a:buFont typeface="+mj-lt"/>
-              <a:buAutoNum type="arabicPeriod"/>
-              <a:defRPr sz="2800">
-                <a:solidFill>
-                  <a:srgbClr val="253957"/>
-                </a:solidFill>
-                <a:latin typeface="+mn-lt"/>
-                <a:ea typeface="+mn-ea"/>
-                <a:cs typeface="+mn-cs"/>
-                <a:sym typeface="Arial Narrow"/>
-              </a:defRPr>
-            </a:pPr>
-            <a:r>
-              <a:rPr lang="ru-RU" sz="6000" dirty="0" err="1" smtClean="0"/>
-              <a:t>Иан</a:t>
-            </a:r>
-            <a:r>
-              <a:rPr lang="ru-RU" sz="6000" dirty="0" smtClean="0"/>
-              <a:t> </a:t>
-            </a:r>
-            <a:r>
-              <a:rPr lang="ru-RU" sz="6000" dirty="0" err="1" smtClean="0"/>
-              <a:t>Соммервилл</a:t>
-            </a:r>
-            <a:r>
-              <a:rPr lang="ru-RU" sz="6000" dirty="0" smtClean="0"/>
-              <a:t> – «Инженерия программного обеспечения»</a:t>
+              <a:t>Неполнота / противоречивость</a:t>
             </a:r>
           </a:p>
           <a:p>
@@ -3748,7 +3656,7 @@
                 <a:sym typeface="Arial Narrow"/>
               </a:defRPr>
             </a:pPr>
-            <a:endParaRPr lang="ru-RU" dirty="0"/>
+            <a:endParaRPr sz="6000" dirty="0"/>
           </a:p>
         </p:txBody>
       </p:sp>
@@ -3847,6 +3755,454 @@
 </file>
 
 <file path=ppt/slides/slide11.xml><?xml version="1.0" encoding="utf-8"?>
+<p:sld xmlns:a="http://schemas.openxmlformats.org/drawingml/2006/main" xmlns:r="http://schemas.openxmlformats.org/officeDocument/2006/relationships" xmlns:p="http://schemas.openxmlformats.org/presentationml/2006/main">
+  <p:cSld>
+    <p:spTree>
+      <p:nvGrpSpPr>
+        <p:cNvPr id="1" name=""/>
+        <p:cNvGrpSpPr/>
+        <p:nvPr/>
+      </p:nvGrpSpPr>
+      <p:grpSpPr>
+        <a:xfrm>
+          <a:off x="0" y="0"/>
+          <a:ext cx="0" cy="0"/>
+          <a:chOff x="0" y="0"/>
+          <a:chExt cx="0" cy="0"/>
+        </a:xfrm>
+      </p:grpSpPr>
+      <p:sp>
+        <p:nvSpPr>
+          <p:cNvPr id="58" name="Линия"/>
+          <p:cNvSpPr/>
+          <p:nvPr/>
+        </p:nvSpPr>
+        <p:spPr>
+          <a:xfrm>
+            <a:off x="1201065" y="2214562"/>
+            <a:ext cx="21506373" cy="1"/>
+          </a:xfrm>
+          <a:prstGeom prst="line">
+            <a:avLst/>
+          </a:prstGeom>
+          <a:ln w="12700">
+            <a:solidFill>
+              <a:srgbClr val="253957"/>
+            </a:solidFill>
+            <a:miter lim="400000"/>
+          </a:ln>
+        </p:spPr>
+        <p:txBody>
+          <a:bodyPr lIns="71437" tIns="71437" rIns="71437" bIns="71437" anchor="ctr"/>
+          <a:lstStyle/>
+          <a:p>
+            <a:pPr>
+              <a:defRPr sz="3200"/>
+            </a:pPr>
+            <a:endParaRPr/>
+          </a:p>
+        </p:txBody>
+      </p:sp>
+      <p:sp>
+        <p:nvSpPr>
+          <p:cNvPr id="59" name="Очень крутой заголовок…"/>
+          <p:cNvSpPr txBox="1"/>
+          <p:nvPr/>
+        </p:nvSpPr>
+        <p:spPr>
+          <a:xfrm>
+            <a:off x="1209448" y="2537520"/>
+            <a:ext cx="21567727" cy="2313227"/>
+          </a:xfrm>
+          <a:prstGeom prst="rect">
+            <a:avLst/>
+          </a:prstGeom>
+          <a:ln w="12700">
+            <a:miter lim="400000"/>
+          </a:ln>
+          <a:extLst>
+            <a:ext uri="{C572A759-6A51-4108-AA02-DFA0A04FC94B}">
+              <ma14:wrappingTextBoxFlag xmlns="" xmlns:m="http://schemas.openxmlformats.org/officeDocument/2006/math" xmlns:a14="http://schemas.microsoft.com/office/drawing/2010/main" xmlns:ma14="http://schemas.microsoft.com/office/mac/drawingml/2011/main" val="1"/>
+            </a:ext>
+          </a:extLst>
+        </p:spPr>
+        <p:txBody>
+          <a:bodyPr lIns="71437" tIns="71437" rIns="71437" bIns="71437"/>
+          <a:lstStyle/>
+          <a:p>
+            <a:pPr>
+              <a:defRPr sz="7000" b="1" cap="all">
+                <a:solidFill>
+                  <a:srgbClr val="253957"/>
+                </a:solidFill>
+                <a:latin typeface="+mn-lt"/>
+                <a:ea typeface="+mn-ea"/>
+                <a:cs typeface="+mn-cs"/>
+                <a:sym typeface="Arial Narrow"/>
+              </a:defRPr>
+            </a:pPr>
+            <a:r>
+              <a:rPr lang="ru-RU" dirty="0" smtClean="0"/>
+              <a:t>литература</a:t>
+            </a:r>
+            <a:endParaRPr dirty="0"/>
+          </a:p>
+        </p:txBody>
+      </p:sp>
+      <p:sp>
+        <p:nvSpPr>
+          <p:cNvPr id="60" name="Text Text Text Text Text Text Text Text Text Text Text Text Text Text Text Text Text Text Text Text Text Text Text Text Text Text Text Text Text Text Text Text Text Text Text Text Text Text Text Text Text Text Text Text Text Text Text Text Text Text Text Text Text Text Text Text Text Text Text Text Text Text Text Text Text Text Text Text Text Text Text Text Text Text Text Text Text Text Text Text Text Text Text Text Text Text Text Text Text Text Text Text Text Text Text Text Text Text Text Text Text Text Text Text Text Text Text Text…"/>
+          <p:cNvSpPr txBox="1"/>
+          <p:nvPr/>
+        </p:nvSpPr>
+        <p:spPr>
+          <a:xfrm>
+            <a:off x="1201065" y="3977680"/>
+            <a:ext cx="21506374" cy="8712968"/>
+          </a:xfrm>
+          <a:prstGeom prst="rect">
+            <a:avLst/>
+          </a:prstGeom>
+          <a:ln w="12700">
+            <a:miter lim="400000"/>
+          </a:ln>
+          <a:extLst>
+            <a:ext uri="{C572A759-6A51-4108-AA02-DFA0A04FC94B}">
+              <ma14:wrappingTextBoxFlag xmlns="" xmlns:m="http://schemas.openxmlformats.org/officeDocument/2006/math" xmlns:a14="http://schemas.microsoft.com/office/drawing/2010/main" xmlns:ma14="http://schemas.microsoft.com/office/mac/drawingml/2011/main" val="1"/>
+            </a:ext>
+          </a:extLst>
+        </p:spPr>
+        <p:txBody>
+          <a:bodyPr lIns="71437" tIns="71437" rIns="71437" bIns="71437"/>
+          <a:lstStyle/>
+          <a:p>
+            <a:pPr marL="1143000" indent="-1143000" algn="l">
+              <a:spcAft>
+                <a:spcPts val="600"/>
+              </a:spcAft>
+              <a:buFont typeface="+mj-lt"/>
+              <a:buAutoNum type="arabicPeriod"/>
+              <a:defRPr sz="2800">
+                <a:solidFill>
+                  <a:srgbClr val="253957"/>
+                </a:solidFill>
+                <a:latin typeface="+mn-lt"/>
+                <a:ea typeface="+mn-ea"/>
+                <a:cs typeface="+mn-cs"/>
+                <a:sym typeface="Arial Narrow"/>
+              </a:defRPr>
+            </a:pPr>
+            <a:r>
+              <a:rPr lang="ru-RU" sz="6000" dirty="0" smtClean="0"/>
+              <a:t>Роман </a:t>
+            </a:r>
+            <a:r>
+              <a:rPr lang="ru-RU" sz="6000" dirty="0" smtClean="0"/>
+              <a:t>Савин – «Тестирование Дот Ком, или Пособие по жестокому обращению с </a:t>
+            </a:r>
+            <a:r>
+              <a:rPr lang="ru-RU" sz="6000" dirty="0" err="1" smtClean="0"/>
+              <a:t>багами</a:t>
+            </a:r>
+            <a:r>
+              <a:rPr lang="ru-RU" sz="6000" dirty="0" smtClean="0"/>
+              <a:t> в </a:t>
+            </a:r>
+            <a:r>
+              <a:rPr lang="ru-RU" sz="6000" dirty="0" err="1" smtClean="0"/>
+              <a:t>интернет-стартапах</a:t>
+            </a:r>
+            <a:r>
+              <a:rPr lang="ru-RU" sz="6000" dirty="0" smtClean="0"/>
+              <a:t>»</a:t>
+            </a:r>
+          </a:p>
+          <a:p>
+            <a:pPr marL="1143000" indent="-1143000" algn="l">
+              <a:spcAft>
+                <a:spcPts val="600"/>
+              </a:spcAft>
+              <a:buFont typeface="+mj-lt"/>
+              <a:buAutoNum type="arabicPeriod"/>
+              <a:defRPr sz="2800">
+                <a:solidFill>
+                  <a:srgbClr val="253957"/>
+                </a:solidFill>
+                <a:latin typeface="+mn-lt"/>
+                <a:ea typeface="+mn-ea"/>
+                <a:cs typeface="+mn-cs"/>
+                <a:sym typeface="Arial Narrow"/>
+              </a:defRPr>
+            </a:pPr>
+            <a:r>
+              <a:rPr lang="ru-RU" sz="6000" dirty="0" smtClean="0">
+                <a:solidFill>
+                  <a:srgbClr val="253957"/>
+                </a:solidFill>
+                <a:sym typeface="Arial Narrow"/>
+              </a:rPr>
+              <a:t>Сэм </a:t>
+            </a:r>
+            <a:r>
+              <a:rPr lang="ru-RU" sz="6000" dirty="0" err="1" smtClean="0"/>
+              <a:t>Канер</a:t>
+            </a:r>
+            <a:r>
+              <a:rPr lang="ru-RU" sz="6000" dirty="0" smtClean="0"/>
+              <a:t> – </a:t>
+            </a:r>
+            <a:r>
+              <a:rPr lang="ru-RU" sz="6000" dirty="0" smtClean="0"/>
+              <a:t>«Тестирование программного обеспечения» </a:t>
+            </a:r>
+            <a:r>
+              <a:rPr lang="ru-RU" sz="6000" dirty="0" smtClean="0"/>
+              <a:t>	</a:t>
+            </a:r>
+          </a:p>
+          <a:p>
+            <a:pPr marL="1143000" indent="-1143000" algn="l">
+              <a:spcAft>
+                <a:spcPts val="600"/>
+              </a:spcAft>
+              <a:buFont typeface="+mj-lt"/>
+              <a:buAutoNum type="arabicPeriod"/>
+              <a:defRPr sz="2800">
+                <a:solidFill>
+                  <a:srgbClr val="253957"/>
+                </a:solidFill>
+                <a:latin typeface="+mn-lt"/>
+                <a:ea typeface="+mn-ea"/>
+                <a:cs typeface="+mn-cs"/>
+                <a:sym typeface="Arial Narrow"/>
+              </a:defRPr>
+            </a:pPr>
+            <a:r>
+              <a:rPr lang="ru-RU" sz="6000" dirty="0" smtClean="0"/>
+              <a:t>Джеймс </a:t>
+            </a:r>
+            <a:r>
+              <a:rPr lang="ru-RU" sz="6000" dirty="0" err="1" smtClean="0"/>
+              <a:t>Уиттакер</a:t>
+            </a:r>
+            <a:r>
+              <a:rPr lang="ru-RU" sz="6000" dirty="0" smtClean="0"/>
+              <a:t> – «Как тестируют в </a:t>
+            </a:r>
+            <a:r>
+              <a:rPr lang="ru-RU" sz="6000" dirty="0" err="1" smtClean="0"/>
+              <a:t>Google</a:t>
+            </a:r>
+            <a:r>
+              <a:rPr lang="ru-RU" sz="6000" dirty="0" smtClean="0"/>
+              <a:t>»</a:t>
+            </a:r>
+          </a:p>
+          <a:p>
+            <a:pPr marL="1143000" indent="-1143000" algn="l">
+              <a:spcAft>
+                <a:spcPts val="600"/>
+              </a:spcAft>
+              <a:buFont typeface="+mj-lt"/>
+              <a:buAutoNum type="arabicPeriod"/>
+              <a:defRPr sz="2800">
+                <a:solidFill>
+                  <a:srgbClr val="253957"/>
+                </a:solidFill>
+                <a:latin typeface="+mn-lt"/>
+                <a:ea typeface="+mn-ea"/>
+                <a:cs typeface="+mn-cs"/>
+                <a:sym typeface="Arial Narrow"/>
+              </a:defRPr>
+            </a:pPr>
+            <a:r>
+              <a:rPr lang="ru-RU" sz="6000" dirty="0" smtClean="0"/>
+              <a:t>Стив </a:t>
+            </a:r>
+            <a:r>
+              <a:rPr lang="ru-RU" sz="6000" dirty="0" err="1" smtClean="0"/>
+              <a:t>Макконнелл</a:t>
+            </a:r>
+            <a:r>
+              <a:rPr lang="ru-RU" sz="6000" dirty="0" smtClean="0"/>
+              <a:t> – «Совершенный код»</a:t>
+            </a:r>
+          </a:p>
+          <a:p>
+            <a:pPr marL="1143000" indent="-1143000" algn="l">
+              <a:spcAft>
+                <a:spcPts val="600"/>
+              </a:spcAft>
+              <a:buFont typeface="+mj-lt"/>
+              <a:buAutoNum type="arabicPeriod"/>
+              <a:defRPr sz="2800">
+                <a:solidFill>
+                  <a:srgbClr val="253957"/>
+                </a:solidFill>
+                <a:latin typeface="+mn-lt"/>
+                <a:ea typeface="+mn-ea"/>
+                <a:cs typeface="+mn-cs"/>
+                <a:sym typeface="Arial Narrow"/>
+              </a:defRPr>
+            </a:pPr>
+            <a:r>
+              <a:rPr lang="ru-RU" sz="6000" dirty="0" smtClean="0"/>
+              <a:t>Борис </a:t>
+            </a:r>
+            <a:r>
+              <a:rPr lang="ru-RU" sz="6000" dirty="0" err="1" smtClean="0"/>
+              <a:t>Бейзер</a:t>
+            </a:r>
+            <a:r>
+              <a:rPr lang="ru-RU" sz="6000" dirty="0" smtClean="0"/>
+              <a:t> – «Тестирование черного ящика. Технологии функционального тестирования программного обеспечения и систем»</a:t>
+            </a:r>
+          </a:p>
+          <a:p>
+            <a:pPr marL="1143000" indent="-1143000" algn="l">
+              <a:spcAft>
+                <a:spcPts val="600"/>
+              </a:spcAft>
+              <a:buFont typeface="+mj-lt"/>
+              <a:buAutoNum type="arabicPeriod"/>
+              <a:defRPr sz="2800">
+                <a:solidFill>
+                  <a:srgbClr val="253957"/>
+                </a:solidFill>
+                <a:latin typeface="+mn-lt"/>
+                <a:ea typeface="+mn-ea"/>
+                <a:cs typeface="+mn-cs"/>
+                <a:sym typeface="Arial Narrow"/>
+              </a:defRPr>
+            </a:pPr>
+            <a:r>
+              <a:rPr lang="ru-RU" sz="6000" dirty="0" err="1" smtClean="0"/>
+              <a:t>Иан</a:t>
+            </a:r>
+            <a:r>
+              <a:rPr lang="ru-RU" sz="6000" dirty="0" smtClean="0"/>
+              <a:t> </a:t>
+            </a:r>
+            <a:r>
+              <a:rPr lang="ru-RU" sz="6000" dirty="0" err="1" smtClean="0"/>
+              <a:t>Соммервилл</a:t>
+            </a:r>
+            <a:r>
+              <a:rPr lang="ru-RU" sz="6000" dirty="0" smtClean="0"/>
+              <a:t> – «Инженерия программного обеспечения»</a:t>
+            </a:r>
+          </a:p>
+          <a:p>
+            <a:pPr algn="l">
+              <a:defRPr sz="2800">
+                <a:solidFill>
+                  <a:srgbClr val="253957"/>
+                </a:solidFill>
+                <a:latin typeface="+mn-lt"/>
+                <a:ea typeface="+mn-ea"/>
+                <a:cs typeface="+mn-cs"/>
+                <a:sym typeface="Arial Narrow"/>
+              </a:defRPr>
+            </a:pPr>
+            <a:endParaRPr lang="ru-RU" dirty="0"/>
+          </a:p>
+        </p:txBody>
+      </p:sp>
+      <p:sp>
+        <p:nvSpPr>
+          <p:cNvPr id="62" name="Название подразделения, лаборатории, факультета и т.д."/>
+          <p:cNvSpPr txBox="1"/>
+          <p:nvPr/>
+        </p:nvSpPr>
+        <p:spPr>
+          <a:xfrm>
+            <a:off x="11338744" y="942364"/>
+            <a:ext cx="11366416" cy="513601"/>
+          </a:xfrm>
+          <a:prstGeom prst="rect">
+            <a:avLst/>
+          </a:prstGeom>
+          <a:ln w="12700">
+            <a:miter lim="400000"/>
+          </a:ln>
+          <a:extLst>
+            <a:ext uri="{C572A759-6A51-4108-AA02-DFA0A04FC94B}">
+              <ma14:wrappingTextBoxFlag xmlns="" xmlns:m="http://schemas.openxmlformats.org/officeDocument/2006/math" xmlns:a14="http://schemas.microsoft.com/office/drawing/2010/main" xmlns:ma14="http://schemas.microsoft.com/office/mac/drawingml/2011/main" val="1"/>
+            </a:ext>
+          </a:extLst>
+        </p:spPr>
+        <p:txBody>
+          <a:bodyPr lIns="71437" tIns="71437" rIns="71437" bIns="71437" anchor="ctr">
+            <a:spAutoFit/>
+          </a:bodyPr>
+          <a:lstStyle>
+            <a:lvl1pPr algn="r">
+              <a:defRPr sz="2400">
+                <a:solidFill>
+                  <a:srgbClr val="253957"/>
+                </a:solidFill>
+                <a:latin typeface="+mn-lt"/>
+                <a:ea typeface="+mn-ea"/>
+                <a:cs typeface="+mn-cs"/>
+                <a:sym typeface="Arial Narrow"/>
+              </a:defRPr>
+            </a:lvl1pPr>
+          </a:lstStyle>
+          <a:p>
+            <a:r>
+              <a:rPr lang="ru-RU" dirty="0" smtClean="0"/>
+              <a:t>Факультет компьютерных наук / Департамент программной инженерии</a:t>
+            </a:r>
+            <a:endParaRPr dirty="0"/>
+          </a:p>
+        </p:txBody>
+      </p:sp>
+      <p:pic>
+        <p:nvPicPr>
+          <p:cNvPr id="63" name="Изображение" descr="Изображение"/>
+          <p:cNvPicPr>
+            <a:picLocks noChangeAspect="1"/>
+          </p:cNvPicPr>
+          <p:nvPr/>
+        </p:nvPicPr>
+        <p:blipFill>
+          <a:blip r:embed="rId2" cstate="print">
+            <a:extLst/>
+          </a:blip>
+          <a:stretch>
+            <a:fillRect/>
+          </a:stretch>
+        </p:blipFill>
+        <p:spPr>
+          <a:xfrm>
+            <a:off x="1226606" y="586180"/>
+            <a:ext cx="1199579" cy="1199579"/>
+          </a:xfrm>
+          <a:prstGeom prst="rect">
+            <a:avLst/>
+          </a:prstGeom>
+          <a:ln w="12700">
+            <a:miter lim="400000"/>
+          </a:ln>
+        </p:spPr>
+      </p:pic>
+    </p:spTree>
+  </p:cSld>
+  <p:clrMapOvr>
+    <a:masterClrMapping/>
+  </p:clrMapOvr>
+  <p:transition spd="med"/>
+  <p:timing>
+    <p:tnLst>
+      <p:par>
+        <p:cTn id="1" dur="indefinite" restart="never" nodeType="tmRoot"/>
+      </p:par>
+    </p:tnLst>
+  </p:timing>
+</p:sld>
+</file>
+
+<file path=ppt/slides/slide12.xml><?xml version="1.0" encoding="utf-8"?>
 <p:sld xmlns:a="http://schemas.openxmlformats.org/drawingml/2006/main" xmlns:r="http://schemas.openxmlformats.org/officeDocument/2006/relationships" xmlns:p="http://schemas.openxmlformats.org/presentationml/2006/main">
   <p:cSld>
     <p:spTree>
@@ -6634,7 +6990,7 @@
         <p:spPr>
           <a:xfrm>
             <a:off x="1209448" y="2972787"/>
-            <a:ext cx="21351703" cy="1580958"/>
+            <a:ext cx="21423711" cy="1580958"/>
           </a:xfrm>
           <a:prstGeom prst="rect">
             <a:avLst/>
@@ -6665,7 +7021,7 @@
             </a:pPr>
             <a:r>
               <a:rPr lang="ru-RU" dirty="0" smtClean="0"/>
-              <a:t>РОЛИ В обеспечении качества и тестировании</a:t>
+              <a:t>ТЕСТИРОВАНИЕ в процессе разработки</a:t>
             </a:r>
             <a:endParaRPr dirty="0"/>
           </a:p>
@@ -6679,8 +7035,8 @@
         </p:nvSpPr>
         <p:spPr>
           <a:xfrm>
-            <a:off x="1201065" y="4409728"/>
-            <a:ext cx="21506374" cy="8352928"/>
+            <a:off x="1201065" y="4504768"/>
+            <a:ext cx="21506374" cy="8401904"/>
           </a:xfrm>
           <a:prstGeom prst="rect">
             <a:avLst/>
@@ -6698,40 +7054,10 @@
           <a:bodyPr lIns="71437" tIns="71437" rIns="71437" bIns="71437"/>
           <a:lstStyle/>
           <a:p>
-            <a:pPr algn="l">
-              <a:defRPr sz="2800">
-                <a:solidFill>
-                  <a:srgbClr val="253957"/>
-                </a:solidFill>
-                <a:latin typeface="+mn-lt"/>
-                <a:ea typeface="+mn-ea"/>
-                <a:cs typeface="+mn-cs"/>
-                <a:sym typeface="Arial Narrow"/>
-              </a:defRPr>
-            </a:pPr>
-            <a:endParaRPr lang="ru-RU" sz="6000" dirty="0" smtClean="0"/>
-          </a:p>
-          <a:p>
-            <a:pPr algn="l">
-              <a:defRPr sz="2800">
-                <a:solidFill>
-                  <a:srgbClr val="253957"/>
-                </a:solidFill>
-                <a:latin typeface="+mn-lt"/>
-                <a:ea typeface="+mn-ea"/>
-                <a:cs typeface="+mn-cs"/>
-                <a:sym typeface="Arial Narrow"/>
-              </a:defRPr>
-            </a:pPr>
-            <a:endParaRPr lang="en-US" sz="6000" dirty="0" smtClean="0"/>
-          </a:p>
-          <a:p>
-            <a:pPr lvl="1" algn="l">
+            <a:pPr marL="1143000" indent="-1143000" algn="l">
               <a:lnSpc>
                 <a:spcPct val="200000"/>
               </a:lnSpc>
-              <a:buFont typeface="Arial" pitchFamily="34" charset="0"/>
-              <a:buChar char="•"/>
               <a:defRPr sz="2800">
                 <a:solidFill>
                   <a:srgbClr val="253957"/>
@@ -6743,37 +7069,44 @@
               </a:defRPr>
             </a:pPr>
             <a:r>
-              <a:rPr lang="ru-RU" sz="6000" dirty="0" smtClean="0">
-                <a:sym typeface="Arial Narrow"/>
+              <a:rPr lang="ru-RU" sz="5400" dirty="0" smtClean="0">
+                <a:solidFill>
+                  <a:srgbClr val="002060"/>
+                </a:solidFill>
               </a:rPr>
-              <a:t>   </a:t>
-            </a:r>
-            <a:r>
-              <a:rPr lang="ru-RU" sz="6000" b="1" i="1" dirty="0" smtClean="0">
-                <a:sym typeface="Arial Narrow"/>
+              <a:t>1.  </a:t>
+            </a:r>
+            <a:r>
+              <a:rPr lang="ru-RU" sz="5400" dirty="0" smtClean="0">
+                <a:solidFill>
+                  <a:srgbClr val="002060"/>
+                </a:solidFill>
               </a:rPr>
-              <a:t>Разработчик</a:t>
-            </a:r>
-            <a:r>
-              <a:rPr lang="ru-RU" sz="6000" dirty="0" smtClean="0">
-                <a:sym typeface="Arial Narrow"/>
+              <a:t>	А</a:t>
+            </a:r>
+            <a:r>
+              <a:rPr lang="ru-RU" sz="5400" dirty="0" smtClean="0">
+                <a:solidFill>
+                  <a:srgbClr val="002060"/>
+                </a:solidFill>
               </a:rPr>
-              <a:t> (</a:t>
-            </a:r>
-            <a:r>
-              <a:rPr lang="en-US" sz="6000" dirty="0" smtClean="0">
-                <a:sym typeface="Arial Narrow"/>
+              <a:t>нализ </a:t>
+            </a:r>
+            <a:r>
+              <a:rPr lang="ru-RU" sz="5400" dirty="0" smtClean="0">
+                <a:solidFill>
+                  <a:srgbClr val="002060"/>
+                </a:solidFill>
               </a:rPr>
-              <a:t>Software Engineer, SWE)</a:t>
-            </a:r>
-          </a:p>
-          <a:p>
-            <a:pPr lvl="1" algn="l">
+              <a:t>требований</a:t>
+            </a:r>
+          </a:p>
+          <a:p>
+            <a:pPr marL="1143000" indent="-1143000" algn="l">
               <a:lnSpc>
                 <a:spcPct val="200000"/>
               </a:lnSpc>
-              <a:buFont typeface="Arial" pitchFamily="34" charset="0"/>
-              <a:buChar char="•"/>
+              <a:buAutoNum type="arabicPeriod" startAt="2"/>
               <a:defRPr sz="2800">
                 <a:solidFill>
                   <a:srgbClr val="253957"/>
@@ -6785,58 +7118,20 @@
               </a:defRPr>
             </a:pPr>
             <a:r>
-              <a:rPr lang="ru-RU" sz="6000" dirty="0" smtClean="0"/>
-              <a:t>   </a:t>
-            </a:r>
-            <a:r>
-              <a:rPr lang="ru-RU" sz="6000" b="1" i="1" dirty="0" smtClean="0"/>
-              <a:t>Разработчик в тестировании </a:t>
-            </a:r>
-            <a:r>
-              <a:rPr lang="ru-RU" sz="6000" dirty="0" smtClean="0"/>
-              <a:t>(</a:t>
-            </a:r>
-            <a:r>
-              <a:rPr lang="ru-RU" sz="6000" dirty="0" err="1" smtClean="0"/>
-              <a:t>Software</a:t>
-            </a:r>
-            <a:r>
-              <a:rPr lang="ru-RU" sz="6000" dirty="0" smtClean="0"/>
-              <a:t> </a:t>
-            </a:r>
-            <a:r>
-              <a:rPr lang="ru-RU" sz="6000" dirty="0" err="1" smtClean="0"/>
-              <a:t>Engineer</a:t>
-            </a:r>
-            <a:r>
-              <a:rPr lang="ru-RU" sz="6000" dirty="0" smtClean="0"/>
-              <a:t> </a:t>
-            </a:r>
-            <a:r>
-              <a:rPr lang="ru-RU" sz="6000" dirty="0" err="1" smtClean="0"/>
-              <a:t>in</a:t>
-            </a:r>
-            <a:r>
-              <a:rPr lang="ru-RU" sz="6000" dirty="0" smtClean="0"/>
-              <a:t> </a:t>
-            </a:r>
-            <a:r>
-              <a:rPr lang="ru-RU" sz="6000" dirty="0" err="1" smtClean="0"/>
-              <a:t>Test</a:t>
-            </a:r>
-            <a:r>
-              <a:rPr lang="ru-RU" sz="6000" dirty="0" smtClean="0"/>
-              <a:t>, SET)</a:t>
-            </a:r>
-            <a:endParaRPr lang="en-US" sz="6000" dirty="0" smtClean="0"/>
-          </a:p>
-          <a:p>
-            <a:pPr lvl="1" algn="l">
+              <a:rPr lang="ru-RU" sz="5400" dirty="0" smtClean="0">
+                <a:solidFill>
+                  <a:srgbClr val="002060"/>
+                </a:solidFill>
+              </a:rPr>
+              <a:t>Разработка тестового плана</a:t>
+            </a:r>
+          </a:p>
+          <a:p>
+            <a:pPr marL="1143000" indent="-1143000" algn="l">
               <a:lnSpc>
                 <a:spcPct val="200000"/>
               </a:lnSpc>
-              <a:buFont typeface="Arial" pitchFamily="34" charset="0"/>
-              <a:buChar char="•"/>
+              <a:buAutoNum type="arabicPeriod" startAt="2"/>
               <a:defRPr sz="2800">
                 <a:solidFill>
                   <a:srgbClr val="253957"/>
@@ -6848,37 +7143,20 @@
               </a:defRPr>
             </a:pPr>
             <a:r>
-              <a:rPr lang="ru-RU" sz="6000" dirty="0" smtClean="0"/>
-              <a:t>   </a:t>
-            </a:r>
-            <a:r>
-              <a:rPr lang="ru-RU" sz="6000" b="1" i="1" dirty="0" smtClean="0"/>
-              <a:t>Инженер по тестированию </a:t>
-            </a:r>
-            <a:r>
-              <a:rPr lang="ru-RU" sz="6000" dirty="0" smtClean="0"/>
-              <a:t>(</a:t>
-            </a:r>
-            <a:r>
-              <a:rPr lang="ru-RU" sz="6000" dirty="0" err="1" smtClean="0"/>
-              <a:t>Test</a:t>
-            </a:r>
-            <a:r>
-              <a:rPr lang="ru-RU" sz="6000" dirty="0" smtClean="0"/>
-              <a:t> </a:t>
-            </a:r>
-            <a:r>
-              <a:rPr lang="ru-RU" sz="6000" dirty="0" err="1" smtClean="0"/>
-              <a:t>Engineer</a:t>
-            </a:r>
-            <a:r>
-              <a:rPr lang="ru-RU" sz="6000" dirty="0" smtClean="0"/>
-              <a:t>, TE)</a:t>
-            </a:r>
-            <a:endParaRPr lang="en-US" sz="6000" dirty="0" smtClean="0"/>
-          </a:p>
-          <a:p>
-            <a:pPr algn="l">
+              <a:rPr lang="ru-RU" sz="5400" dirty="0" smtClean="0">
+                <a:solidFill>
+                  <a:srgbClr val="002060"/>
+                </a:solidFill>
+              </a:rPr>
+              <a:t>Разработка тестов разного уровня</a:t>
+            </a:r>
+          </a:p>
+          <a:p>
+            <a:pPr marL="1143000" indent="-1143000" algn="l">
+              <a:lnSpc>
+                <a:spcPct val="200000"/>
+              </a:lnSpc>
+              <a:buAutoNum type="arabicPeriod" startAt="2"/>
               <a:defRPr sz="2800">
                 <a:solidFill>
                   <a:srgbClr val="253957"/>
@@ -6889,7 +7167,44 @@
                 <a:sym typeface="Arial Narrow"/>
               </a:defRPr>
             </a:pPr>
-            <a:endParaRPr sz="6000" dirty="0"/>
+            <a:r>
+              <a:rPr lang="ru-RU" sz="5400" dirty="0" smtClean="0">
+                <a:solidFill>
+                  <a:srgbClr val="002060"/>
+                </a:solidFill>
+              </a:rPr>
+              <a:t>Тестирование</a:t>
+            </a:r>
+          </a:p>
+          <a:p>
+            <a:pPr marL="1143000" indent="-1143000" algn="l">
+              <a:lnSpc>
+                <a:spcPct val="200000"/>
+              </a:lnSpc>
+              <a:buAutoNum type="arabicPeriod" startAt="2"/>
+              <a:defRPr sz="2800">
+                <a:solidFill>
+                  <a:srgbClr val="253957"/>
+                </a:solidFill>
+                <a:latin typeface="+mn-lt"/>
+                <a:ea typeface="+mn-ea"/>
+                <a:cs typeface="+mn-cs"/>
+                <a:sym typeface="Arial Narrow"/>
+              </a:defRPr>
+            </a:pPr>
+            <a:r>
+              <a:rPr lang="ru-RU" sz="5400" dirty="0" smtClean="0">
+                <a:solidFill>
+                  <a:srgbClr val="002060"/>
+                </a:solidFill>
+              </a:rPr>
+              <a:t>Анализ результатов тестирования</a:t>
+            </a:r>
+            <a:endParaRPr sz="5400" dirty="0">
+              <a:solidFill>
+                <a:srgbClr val="002060"/>
+              </a:solidFill>
+            </a:endParaRPr>
           </a:p>
         </p:txBody>
       </p:sp>
@@ -7045,7 +7360,7 @@
         <p:spPr>
           <a:xfrm>
             <a:off x="1209448" y="2972787"/>
-            <a:ext cx="21423711" cy="1580958"/>
+            <a:ext cx="21351703" cy="1580958"/>
           </a:xfrm>
           <a:prstGeom prst="rect">
             <a:avLst/>
@@ -7076,7 +7391,7 @@
             </a:pPr>
             <a:r>
               <a:rPr lang="ru-RU" dirty="0" smtClean="0"/>
-              <a:t>МЕТОДЫ обеспечения качества и тестирования</a:t>
+              <a:t>РОЛИ В обеспечении качества и тестировании</a:t>
             </a:r>
             <a:endParaRPr dirty="0"/>
           </a:p>
@@ -7090,8 +7405,8 @@
         </p:nvSpPr>
         <p:spPr>
           <a:xfrm>
-            <a:off x="1201065" y="4504768"/>
-            <a:ext cx="21506374" cy="8401904"/>
+            <a:off x="1201065" y="4409728"/>
+            <a:ext cx="21506374" cy="8352928"/>
           </a:xfrm>
           <a:prstGeom prst="rect">
             <a:avLst/>
@@ -7109,7 +7424,7 @@
           <a:bodyPr lIns="71437" tIns="71437" rIns="71437" bIns="71437"/>
           <a:lstStyle/>
           <a:p>
-            <a:pPr marL="1143000" indent="-1143000" algn="l">
+            <a:pPr algn="l">
               <a:defRPr sz="2800">
                 <a:solidFill>
                   <a:srgbClr val="253957"/>
@@ -7120,17 +7435,71 @@
                 <a:sym typeface="Arial Narrow"/>
               </a:defRPr>
             </a:pPr>
-            <a:r>
-              <a:rPr lang="ru-RU" sz="5400" dirty="0" smtClean="0">
-                <a:solidFill>
-                  <a:srgbClr val="002060"/>
-                </a:solidFill>
+            <a:endParaRPr lang="ru-RU" sz="6000" dirty="0" smtClean="0"/>
+          </a:p>
+          <a:p>
+            <a:pPr algn="l">
+              <a:defRPr sz="2800">
+                <a:solidFill>
+                  <a:srgbClr val="253957"/>
+                </a:solidFill>
+                <a:latin typeface="+mn-lt"/>
+                <a:ea typeface="+mn-ea"/>
+                <a:cs typeface="+mn-cs"/>
+                <a:sym typeface="Arial Narrow"/>
+              </a:defRPr>
+            </a:pPr>
+            <a:endParaRPr lang="en-US" sz="6000" dirty="0" smtClean="0"/>
+          </a:p>
+          <a:p>
+            <a:pPr lvl="1" algn="l">
+              <a:lnSpc>
+                <a:spcPct val="200000"/>
+              </a:lnSpc>
+              <a:buFont typeface="Arial" pitchFamily="34" charset="0"/>
+              <a:buChar char="•"/>
+              <a:defRPr sz="2800">
+                <a:solidFill>
+                  <a:srgbClr val="253957"/>
+                </a:solidFill>
+                <a:latin typeface="+mn-lt"/>
+                <a:ea typeface="+mn-ea"/>
+                <a:cs typeface="+mn-cs"/>
+                <a:sym typeface="Arial Narrow"/>
+              </a:defRPr>
+            </a:pPr>
+            <a:r>
+              <a:rPr lang="ru-RU" sz="6000" dirty="0" smtClean="0">
+                <a:sym typeface="Arial Narrow"/>
               </a:rPr>
-              <a:t>1.  Анализ требований</a:t>
-            </a:r>
-          </a:p>
-          <a:p>
-            <a:pPr marL="1143000" indent="-1143000" algn="l">
+              <a:t>   </a:t>
+            </a:r>
+            <a:r>
+              <a:rPr lang="ru-RU" sz="6000" b="1" i="1" dirty="0" smtClean="0">
+                <a:sym typeface="Arial Narrow"/>
+              </a:rPr>
+              <a:t>Разработчик</a:t>
+            </a:r>
+            <a:r>
+              <a:rPr lang="ru-RU" sz="6000" dirty="0" smtClean="0">
+                <a:sym typeface="Arial Narrow"/>
+              </a:rPr>
+              <a:t> (</a:t>
+            </a:r>
+            <a:r>
+              <a:rPr lang="en-US" sz="6000" dirty="0" smtClean="0">
+                <a:sym typeface="Arial Narrow"/>
+              </a:rPr>
+              <a:t>Software Engineer, SWE)</a:t>
+            </a:r>
+          </a:p>
+          <a:p>
+            <a:pPr lvl="1" algn="l">
+              <a:lnSpc>
+                <a:spcPct val="200000"/>
+              </a:lnSpc>
+              <a:buFont typeface="Arial" pitchFamily="34" charset="0"/>
+              <a:buChar char="•"/>
               <a:defRPr sz="2800">
                 <a:solidFill>
                   <a:srgbClr val="253957"/>
@@ -7142,29 +7511,58 @@
               </a:defRPr>
             </a:pPr>
             <a:r>
-              <a:rPr lang="ru-RU" sz="5400" dirty="0" smtClean="0">
-                <a:solidFill>
-                  <a:srgbClr val="002060"/>
-                </a:solidFill>
-              </a:rPr>
-              <a:t>2.  Инспекции </a:t>
-            </a:r>
-            <a:r>
-              <a:rPr lang="ru-RU" sz="5400" dirty="0" smtClean="0">
-                <a:solidFill>
-                  <a:srgbClr val="002060"/>
-                </a:solidFill>
-              </a:rPr>
-              <a:t>кода </a:t>
-            </a:r>
-            <a:endParaRPr lang="ru-RU" sz="5400" dirty="0" smtClean="0">
-              <a:solidFill>
-                <a:srgbClr val="002060"/>
-              </a:solidFill>
-            </a:endParaRPr>
-          </a:p>
-          <a:p>
-            <a:pPr marL="1143000" indent="-1143000" algn="l">
+              <a:rPr lang="ru-RU" sz="6000" dirty="0" smtClean="0"/>
+              <a:t>   </a:t>
+            </a:r>
+            <a:r>
+              <a:rPr lang="ru-RU" sz="6000" b="1" i="1" dirty="0" smtClean="0"/>
+              <a:t>Разработчик в тестировании </a:t>
+            </a:r>
+            <a:r>
+              <a:rPr lang="ru-RU" sz="6000" dirty="0" smtClean="0"/>
+              <a:t>(</a:t>
+            </a:r>
+            <a:r>
+              <a:rPr lang="ru-RU" sz="6000" dirty="0" err="1" smtClean="0"/>
+              <a:t>Software</a:t>
+            </a:r>
+            <a:r>
+              <a:rPr lang="ru-RU" sz="6000" dirty="0" smtClean="0"/>
+              <a:t> </a:t>
+            </a:r>
+            <a:r>
+              <a:rPr lang="ru-RU" sz="6000" dirty="0" err="1" smtClean="0"/>
+              <a:t>Engineer</a:t>
+            </a:r>
+            <a:r>
+              <a:rPr lang="ru-RU" sz="6000" dirty="0" smtClean="0"/>
+              <a:t> </a:t>
+            </a:r>
+            <a:r>
+              <a:rPr lang="ru-RU" sz="6000" dirty="0" err="1" smtClean="0"/>
+              <a:t>in</a:t>
+            </a:r>
+            <a:r>
+              <a:rPr lang="ru-RU" sz="6000" dirty="0" smtClean="0"/>
+              <a:t> </a:t>
+            </a:r>
+            <a:r>
+              <a:rPr lang="ru-RU" sz="6000" dirty="0" err="1" smtClean="0"/>
+              <a:t>Test</a:t>
+            </a:r>
+            <a:r>
+              <a:rPr lang="ru-RU" sz="6000" dirty="0" smtClean="0"/>
+              <a:t>, SET)</a:t>
+            </a:r>
+            <a:endParaRPr lang="en-US" sz="6000" dirty="0" smtClean="0"/>
+          </a:p>
+          <a:p>
+            <a:pPr lvl="1" algn="l">
+              <a:lnSpc>
+                <a:spcPct val="200000"/>
+              </a:lnSpc>
+              <a:buFont typeface="Arial" pitchFamily="34" charset="0"/>
+              <a:buChar char="•"/>
               <a:defRPr sz="2800">
                 <a:solidFill>
                   <a:srgbClr val="253957"/>
@@ -7176,24 +7574,37 @@
               </a:defRPr>
             </a:pPr>
             <a:r>
-              <a:rPr lang="ru-RU" sz="5400" dirty="0" smtClean="0">
-                <a:solidFill>
-                  <a:srgbClr val="002060"/>
-                </a:solidFill>
-              </a:rPr>
-              <a:t>3.  </a:t>
-            </a:r>
-            <a:r>
-              <a:rPr lang="ru-RU" sz="5400" dirty="0" smtClean="0">
-                <a:solidFill>
-                  <a:srgbClr val="002060"/>
-                </a:solidFill>
-              </a:rPr>
-              <a:t>Статический анализ</a:t>
-            </a:r>
-          </a:p>
-          <a:p>
-            <a:pPr marL="1143000" indent="-1143000" algn="l">
+              <a:rPr lang="ru-RU" sz="6000" dirty="0" smtClean="0"/>
+              <a:t>   </a:t>
+            </a:r>
+            <a:r>
+              <a:rPr lang="ru-RU" sz="6000" b="1" i="1" dirty="0" smtClean="0"/>
+              <a:t>Инженер по тестированию </a:t>
+            </a:r>
+            <a:r>
+              <a:rPr lang="ru-RU" sz="6000" dirty="0" smtClean="0"/>
+              <a:t>(</a:t>
+            </a:r>
+            <a:r>
+              <a:rPr lang="ru-RU" sz="6000" dirty="0" err="1" smtClean="0"/>
+              <a:t>Test</a:t>
+            </a:r>
+            <a:r>
+              <a:rPr lang="ru-RU" sz="6000" dirty="0" smtClean="0"/>
+              <a:t> </a:t>
+            </a:r>
+            <a:r>
+              <a:rPr lang="ru-RU" sz="6000" dirty="0" err="1" smtClean="0"/>
+              <a:t>Engineer</a:t>
+            </a:r>
+            <a:r>
+              <a:rPr lang="ru-RU" sz="6000" dirty="0" smtClean="0"/>
+              <a:t>, TE)</a:t>
+            </a:r>
+            <a:endParaRPr lang="en-US" sz="6000" dirty="0" smtClean="0"/>
+          </a:p>
+          <a:p>
+            <a:pPr algn="l">
               <a:defRPr sz="2800">
                 <a:solidFill>
                   <a:srgbClr val="253957"/>
@@ -7204,188 +7615,7 @@
                 <a:sym typeface="Arial Narrow"/>
               </a:defRPr>
             </a:pPr>
-            <a:r>
-              <a:rPr lang="ru-RU" sz="5400" dirty="0" smtClean="0">
-                <a:solidFill>
-                  <a:srgbClr val="002060"/>
-                </a:solidFill>
-              </a:rPr>
-              <a:t>4.  Функциональное тестирование</a:t>
-            </a:r>
-          </a:p>
-          <a:p>
-            <a:pPr marL="1143000" lvl="1" indent="-1143000" algn="l">
-              <a:defRPr sz="2800">
-                <a:solidFill>
-                  <a:srgbClr val="253957"/>
-                </a:solidFill>
-                <a:latin typeface="+mn-lt"/>
-                <a:ea typeface="+mn-ea"/>
-                <a:cs typeface="+mn-cs"/>
-                <a:sym typeface="Arial Narrow"/>
-              </a:defRPr>
-            </a:pPr>
-            <a:r>
-              <a:rPr lang="ru-RU" sz="5400" dirty="0" smtClean="0">
-                <a:solidFill>
-                  <a:srgbClr val="002060"/>
-                </a:solidFill>
-              </a:rPr>
-              <a:t>        </a:t>
-            </a:r>
-            <a:r>
-              <a:rPr lang="ru-RU" sz="5400" dirty="0" smtClean="0">
-                <a:solidFill>
-                  <a:srgbClr val="002060"/>
-                </a:solidFill>
-              </a:rPr>
-              <a:t>		4.1.  Ручное</a:t>
-            </a:r>
-          </a:p>
-          <a:p>
-            <a:pPr marL="1143000" indent="-1143000" algn="l">
-              <a:defRPr sz="2800">
-                <a:solidFill>
-                  <a:srgbClr val="253957"/>
-                </a:solidFill>
-                <a:latin typeface="+mn-lt"/>
-                <a:ea typeface="+mn-ea"/>
-                <a:cs typeface="+mn-cs"/>
-                <a:sym typeface="Arial Narrow"/>
-              </a:defRPr>
-            </a:pPr>
-            <a:r>
-              <a:rPr lang="ru-RU" sz="5400" dirty="0" smtClean="0">
-                <a:solidFill>
-                  <a:srgbClr val="002060"/>
-                </a:solidFill>
-              </a:rPr>
-              <a:t>       		     4.2.  </a:t>
-            </a:r>
-            <a:r>
-              <a:rPr lang="ru-RU" sz="5400" dirty="0" smtClean="0">
-                <a:solidFill>
-                  <a:srgbClr val="002060"/>
-                </a:solidFill>
-              </a:rPr>
-              <a:t>Автоматизирова</a:t>
-            </a:r>
-            <a:r>
-              <a:rPr lang="ru-RU" sz="5400" dirty="0" smtClean="0">
-                <a:solidFill>
-                  <a:srgbClr val="002060"/>
-                </a:solidFill>
-              </a:rPr>
-              <a:t>н</a:t>
-            </a:r>
-            <a:r>
-              <a:rPr lang="ru-RU" sz="5400" dirty="0" smtClean="0">
-                <a:solidFill>
-                  <a:srgbClr val="002060"/>
-                </a:solidFill>
-              </a:rPr>
-              <a:t>ное</a:t>
-            </a:r>
-            <a:endParaRPr lang="ru-RU" sz="5400" dirty="0" smtClean="0">
-              <a:solidFill>
-                <a:srgbClr val="002060"/>
-              </a:solidFill>
-            </a:endParaRPr>
-          </a:p>
-          <a:p>
-            <a:pPr marL="1143000" indent="-1143000" algn="l">
-              <a:defRPr sz="2800">
-                <a:solidFill>
-                  <a:srgbClr val="253957"/>
-                </a:solidFill>
-                <a:latin typeface="+mn-lt"/>
-                <a:ea typeface="+mn-ea"/>
-                <a:cs typeface="+mn-cs"/>
-                <a:sym typeface="Arial Narrow"/>
-              </a:defRPr>
-            </a:pPr>
-            <a:r>
-              <a:rPr lang="ru-RU" sz="5400" dirty="0" smtClean="0">
-                <a:solidFill>
-                  <a:srgbClr val="002060"/>
-                </a:solidFill>
-              </a:rPr>
-              <a:t>                             4.2.1.  Модульное</a:t>
-            </a:r>
-          </a:p>
-          <a:p>
-            <a:pPr marL="1143000" indent="-1143000" algn="l">
-              <a:defRPr sz="2800">
-                <a:solidFill>
-                  <a:srgbClr val="253957"/>
-                </a:solidFill>
-                <a:latin typeface="+mn-lt"/>
-                <a:ea typeface="+mn-ea"/>
-                <a:cs typeface="+mn-cs"/>
-                <a:sym typeface="Arial Narrow"/>
-              </a:defRPr>
-            </a:pPr>
-            <a:r>
-              <a:rPr lang="ru-RU" sz="5400" dirty="0" smtClean="0">
-                <a:solidFill>
-                  <a:srgbClr val="002060"/>
-                </a:solidFill>
-                <a:sym typeface="Arial Narrow"/>
-              </a:rPr>
-              <a:t>                             4.2.2.  Интеграционное</a:t>
-            </a:r>
-            <a:endParaRPr lang="ru-RU" sz="5400" dirty="0" smtClean="0">
-              <a:solidFill>
-                <a:srgbClr val="002060"/>
-              </a:solidFill>
-            </a:endParaRPr>
-          </a:p>
-          <a:p>
-            <a:pPr marL="1143000" indent="-1143000" algn="l">
-              <a:defRPr sz="2800">
-                <a:solidFill>
-                  <a:srgbClr val="253957"/>
-                </a:solidFill>
-                <a:latin typeface="+mn-lt"/>
-                <a:ea typeface="+mn-ea"/>
-                <a:cs typeface="+mn-cs"/>
-                <a:sym typeface="Arial Narrow"/>
-              </a:defRPr>
-            </a:pPr>
-            <a:r>
-              <a:rPr lang="ru-RU" sz="5400" dirty="0" smtClean="0">
-                <a:solidFill>
-                  <a:srgbClr val="002060"/>
-                </a:solidFill>
-              </a:rPr>
-              <a:t>                             4.2.3.  Системное</a:t>
-            </a:r>
-          </a:p>
-          <a:p>
-            <a:pPr marL="1143000" indent="-1143000" algn="l">
-              <a:defRPr sz="2800">
-                <a:solidFill>
-                  <a:srgbClr val="253957"/>
-                </a:solidFill>
-                <a:latin typeface="+mn-lt"/>
-                <a:ea typeface="+mn-ea"/>
-                <a:cs typeface="+mn-cs"/>
-                <a:sym typeface="Arial Narrow"/>
-              </a:defRPr>
-            </a:pPr>
-            <a:r>
-              <a:rPr lang="ru-RU" sz="5400" dirty="0" smtClean="0">
-                <a:solidFill>
-                  <a:srgbClr val="002060"/>
-                </a:solidFill>
-              </a:rPr>
-              <a:t>5. Тестирование производительности / нагрузочное тестирование</a:t>
-            </a:r>
-            <a:endParaRPr sz="5400" dirty="0">
-              <a:solidFill>
-                <a:srgbClr val="002060"/>
-              </a:solidFill>
-            </a:endParaRPr>
+            <a:endParaRPr sz="6000" dirty="0"/>
           </a:p>
         </p:txBody>
       </p:sp>
@@ -7540,8 +7770,8 @@
         </p:nvSpPr>
         <p:spPr>
           <a:xfrm>
-            <a:off x="1209449" y="2972787"/>
-            <a:ext cx="16073440" cy="1580958"/>
+            <a:off x="1209448" y="2972787"/>
+            <a:ext cx="21423711" cy="1580958"/>
           </a:xfrm>
           <a:prstGeom prst="rect">
             <a:avLst/>
@@ -7572,7 +7802,7 @@
             </a:pPr>
             <a:r>
               <a:rPr lang="ru-RU" dirty="0" smtClean="0"/>
-              <a:t>РАБОТА С требованиями</a:t>
+              <a:t>МЕТОДЫ обеспечения качества и тестирования</a:t>
             </a:r>
             <a:endParaRPr dirty="0"/>
           </a:p>
@@ -7586,8 +7816,8 @@
         </p:nvSpPr>
         <p:spPr>
           <a:xfrm>
-            <a:off x="1201065" y="4409728"/>
-            <a:ext cx="21506374" cy="8352928"/>
+            <a:off x="1201065" y="4504768"/>
+            <a:ext cx="21506374" cy="8401904"/>
           </a:xfrm>
           <a:prstGeom prst="rect">
             <a:avLst/>
@@ -7605,7 +7835,7 @@
           <a:bodyPr lIns="71437" tIns="71437" rIns="71437" bIns="71437"/>
           <a:lstStyle/>
           <a:p>
-            <a:pPr algn="l">
+            <a:pPr marL="1143000" indent="-1143000" algn="l">
               <a:defRPr sz="2800">
                 <a:solidFill>
                   <a:srgbClr val="253957"/>
@@ -7616,12 +7846,17 @@
                 <a:sym typeface="Arial Narrow"/>
               </a:defRPr>
             </a:pPr>
-            <a:endParaRPr lang="ru-RU" sz="6000" dirty="0" smtClean="0"/>
+            <a:r>
+              <a:rPr lang="ru-RU" sz="5400" dirty="0" smtClean="0">
+                <a:solidFill>
+                  <a:srgbClr val="002060"/>
+                </a:solidFill>
+              </a:rPr>
+              <a:t>1.  Анализ требований</a:t>
+            </a:r>
           </a:p>
           <a:p>
             <a:pPr marL="1143000" indent="-1143000" algn="l">
-              <a:buFont typeface="+mj-lt"/>
-              <a:buAutoNum type="arabicPeriod"/>
               <a:defRPr sz="2800">
                 <a:solidFill>
                   <a:srgbClr val="253957"/>
@@ -7633,14 +7868,29 @@
               </a:defRPr>
             </a:pPr>
             <a:r>
-              <a:rPr lang="ru-RU" sz="6000" dirty="0" smtClean="0"/>
-              <a:t>Спецификация требований</a:t>
-            </a:r>
+              <a:rPr lang="ru-RU" sz="5400" dirty="0" smtClean="0">
+                <a:solidFill>
+                  <a:srgbClr val="002060"/>
+                </a:solidFill>
+              </a:rPr>
+              <a:t>2.  Инспекции </a:t>
+            </a:r>
+            <a:r>
+              <a:rPr lang="ru-RU" sz="5400" dirty="0" smtClean="0">
+                <a:solidFill>
+                  <a:srgbClr val="002060"/>
+                </a:solidFill>
+              </a:rPr>
+              <a:t>кода </a:t>
+            </a:r>
+            <a:endParaRPr lang="ru-RU" sz="5400" dirty="0" smtClean="0">
+              <a:solidFill>
+                <a:srgbClr val="002060"/>
+              </a:solidFill>
+            </a:endParaRPr>
           </a:p>
           <a:p>
             <a:pPr marL="1143000" indent="-1143000" algn="l">
-              <a:buFont typeface="+mj-lt"/>
-              <a:buAutoNum type="arabicPeriod"/>
               <a:defRPr sz="2800">
                 <a:solidFill>
                   <a:srgbClr val="253957"/>
@@ -7652,14 +7902,24 @@
               </a:defRPr>
             </a:pPr>
             <a:r>
-              <a:rPr lang="ru-RU" sz="6000" dirty="0" smtClean="0"/>
-              <a:t>Цель проекта</a:t>
+              <a:rPr lang="ru-RU" sz="5400" dirty="0" smtClean="0">
+                <a:solidFill>
+                  <a:srgbClr val="002060"/>
+                </a:solidFill>
+              </a:rPr>
+              <a:t>3.  </a:t>
+            </a:r>
+            <a:r>
+              <a:rPr lang="ru-RU" sz="5400" dirty="0" smtClean="0">
+                <a:solidFill>
+                  <a:srgbClr val="002060"/>
+                </a:solidFill>
+              </a:rPr>
+              <a:t>Статический анализ</a:t>
             </a:r>
           </a:p>
           <a:p>
             <a:pPr marL="1143000" indent="-1143000" algn="l">
-              <a:buFont typeface="+mj-lt"/>
-              <a:buAutoNum type="arabicPeriod"/>
               <a:defRPr sz="2800">
                 <a:solidFill>
                   <a:srgbClr val="253957"/>
@@ -7671,14 +7931,45 @@
               </a:defRPr>
             </a:pPr>
             <a:r>
-              <a:rPr lang="ru-RU" sz="6000" dirty="0" smtClean="0"/>
-              <a:t>Архитектура</a:t>
+              <a:rPr lang="ru-RU" sz="5400" dirty="0" smtClean="0">
+                <a:solidFill>
+                  <a:srgbClr val="002060"/>
+                </a:solidFill>
+              </a:rPr>
+              <a:t>4.  Функциональное тестирование</a:t>
+            </a:r>
+          </a:p>
+          <a:p>
+            <a:pPr marL="1143000" lvl="1" indent="-1143000" algn="l">
+              <a:defRPr sz="2800">
+                <a:solidFill>
+                  <a:srgbClr val="253957"/>
+                </a:solidFill>
+                <a:latin typeface="+mn-lt"/>
+                <a:ea typeface="+mn-ea"/>
+                <a:cs typeface="+mn-cs"/>
+                <a:sym typeface="Arial Narrow"/>
+              </a:defRPr>
+            </a:pPr>
+            <a:r>
+              <a:rPr lang="ru-RU" sz="5400" dirty="0" smtClean="0">
+                <a:solidFill>
+                  <a:srgbClr val="002060"/>
+                </a:solidFill>
+              </a:rPr>
+              <a:t>        </a:t>
+            </a:r>
+            <a:r>
+              <a:rPr lang="ru-RU" sz="5400" dirty="0" smtClean="0">
+                <a:solidFill>
+                  <a:srgbClr val="002060"/>
+                </a:solidFill>
+              </a:rPr>
+              <a:t>		4.1.  Ручное</a:t>
             </a:r>
           </a:p>
           <a:p>
             <a:pPr marL="1143000" indent="-1143000" algn="l">
-              <a:buFont typeface="+mj-lt"/>
-              <a:buAutoNum type="arabicPeriod"/>
               <a:defRPr sz="2800">
                 <a:solidFill>
                   <a:srgbClr val="253957"/>
@@ -7690,14 +7981,45 @@
               </a:defRPr>
             </a:pPr>
             <a:r>
-              <a:rPr lang="ru-RU" sz="6000" dirty="0" smtClean="0"/>
-              <a:t>Функциональные и нефункциональные требования</a:t>
-            </a:r>
+              <a:rPr lang="ru-RU" sz="5400" dirty="0" smtClean="0">
+                <a:solidFill>
+                  <a:srgbClr val="002060"/>
+                </a:solidFill>
+              </a:rPr>
+              <a:t>       		     4.2.  </a:t>
+            </a:r>
+            <a:r>
+              <a:rPr lang="ru-RU" sz="5400" dirty="0" smtClean="0">
+                <a:solidFill>
+                  <a:srgbClr val="002060"/>
+                </a:solidFill>
+              </a:rPr>
+              <a:t>Автоматизирова</a:t>
+            </a:r>
+            <a:r>
+              <a:rPr lang="ru-RU" sz="5400" dirty="0" smtClean="0">
+                <a:solidFill>
+                  <a:srgbClr val="002060"/>
+                </a:solidFill>
+              </a:rPr>
+              <a:t>н</a:t>
+            </a:r>
+            <a:r>
+              <a:rPr lang="ru-RU" sz="5400" dirty="0" smtClean="0">
+                <a:solidFill>
+                  <a:srgbClr val="002060"/>
+                </a:solidFill>
+              </a:rPr>
+              <a:t>ное</a:t>
+            </a:r>
+            <a:endParaRPr lang="ru-RU" sz="5400" dirty="0" smtClean="0">
+              <a:solidFill>
+                <a:srgbClr val="002060"/>
+              </a:solidFill>
+            </a:endParaRPr>
           </a:p>
           <a:p>
             <a:pPr marL="1143000" indent="-1143000" algn="l">
-              <a:buFont typeface="+mj-lt"/>
-              <a:buAutoNum type="arabicPeriod"/>
               <a:defRPr sz="2800">
                 <a:solidFill>
                   <a:srgbClr val="253957"/>
@@ -7709,12 +8031,16 @@
               </a:defRPr>
             </a:pPr>
             <a:r>
-              <a:rPr lang="ru-RU" sz="6000" dirty="0" smtClean="0"/>
-              <a:t>Неполнота / противоречивость</a:t>
-            </a:r>
-          </a:p>
-          <a:p>
-            <a:pPr algn="l">
+              <a:rPr lang="ru-RU" sz="5400" dirty="0" smtClean="0">
+                <a:solidFill>
+                  <a:srgbClr val="002060"/>
+                </a:solidFill>
+              </a:rPr>
+              <a:t>                             4.2.1.  Модульное</a:t>
+            </a:r>
+          </a:p>
+          <a:p>
+            <a:pPr marL="1143000" indent="-1143000" algn="l">
               <a:defRPr sz="2800">
                 <a:solidFill>
                   <a:srgbClr val="253957"/>
@@ -7725,7 +8051,67 @@
                 <a:sym typeface="Arial Narrow"/>
               </a:defRPr>
             </a:pPr>
-            <a:endParaRPr sz="6000" dirty="0"/>
+            <a:r>
+              <a:rPr lang="ru-RU" sz="5400" dirty="0" smtClean="0">
+                <a:solidFill>
+                  <a:srgbClr val="002060"/>
+                </a:solidFill>
+                <a:sym typeface="Arial Narrow"/>
+              </a:rPr>
+              <a:t>                             4.2.2.  Интеграционное</a:t>
+            </a:r>
+            <a:endParaRPr lang="ru-RU" sz="5400" dirty="0" smtClean="0">
+              <a:solidFill>
+                <a:srgbClr val="002060"/>
+              </a:solidFill>
+            </a:endParaRPr>
+          </a:p>
+          <a:p>
+            <a:pPr marL="1143000" indent="-1143000" algn="l">
+              <a:defRPr sz="2800">
+                <a:solidFill>
+                  <a:srgbClr val="253957"/>
+                </a:solidFill>
+                <a:latin typeface="+mn-lt"/>
+                <a:ea typeface="+mn-ea"/>
+                <a:cs typeface="+mn-cs"/>
+                <a:sym typeface="Arial Narrow"/>
+              </a:defRPr>
+            </a:pPr>
+            <a:r>
+              <a:rPr lang="ru-RU" sz="5400" dirty="0" smtClean="0">
+                <a:solidFill>
+                  <a:srgbClr val="002060"/>
+                </a:solidFill>
+              </a:rPr>
+              <a:t>                             4.2.3.  Системное</a:t>
+            </a:r>
+          </a:p>
+          <a:p>
+            <a:pPr marL="1143000" indent="-1143000" algn="l">
+              <a:defRPr sz="2800">
+                <a:solidFill>
+                  <a:srgbClr val="253957"/>
+                </a:solidFill>
+                <a:latin typeface="+mn-lt"/>
+                <a:ea typeface="+mn-ea"/>
+                <a:cs typeface="+mn-cs"/>
+                <a:sym typeface="Arial Narrow"/>
+              </a:defRPr>
+            </a:pPr>
+            <a:r>
+              <a:rPr lang="ru-RU" sz="5400" dirty="0" smtClean="0">
+                <a:solidFill>
+                  <a:srgbClr val="002060"/>
+                </a:solidFill>
+              </a:rPr>
+              <a:t>5. Тестирование производительности / нагрузочное тестирование</a:t>
+            </a:r>
+            <a:endParaRPr sz="5400" dirty="0">
+              <a:solidFill>
+                <a:srgbClr val="002060"/>
+              </a:solidFill>
+            </a:endParaRPr>
           </a:p>
         </p:txBody>
       </p:sp>
